--- a/PPT 디자인/191121_새템플릿.pptx
+++ b/PPT 디자인/191121_새템플릿.pptx
@@ -6,7 +6,7 @@
     <p:sldMasterId id="2147483658" r:id="rId2"/>
   </p:sldMasterIdLst>
   <p:notesMasterIdLst>
-    <p:notesMasterId r:id="rId19"/>
+    <p:notesMasterId r:id="rId24"/>
   </p:notesMasterIdLst>
   <p:sldIdLst>
     <p:sldId id="262" r:id="rId3"/>
@@ -17,14 +17,19 @@
     <p:sldId id="261" r:id="rId8"/>
     <p:sldId id="270" r:id="rId9"/>
     <p:sldId id="269" r:id="rId10"/>
-    <p:sldId id="267" r:id="rId11"/>
-    <p:sldId id="271" r:id="rId12"/>
-    <p:sldId id="268" r:id="rId13"/>
-    <p:sldId id="276" r:id="rId14"/>
-    <p:sldId id="277" r:id="rId15"/>
-    <p:sldId id="272" r:id="rId16"/>
-    <p:sldId id="275" r:id="rId17"/>
-    <p:sldId id="274" r:id="rId18"/>
+    <p:sldId id="279" r:id="rId11"/>
+    <p:sldId id="280" r:id="rId12"/>
+    <p:sldId id="278" r:id="rId13"/>
+    <p:sldId id="267" r:id="rId14"/>
+    <p:sldId id="271" r:id="rId15"/>
+    <p:sldId id="268" r:id="rId16"/>
+    <p:sldId id="276" r:id="rId17"/>
+    <p:sldId id="277" r:id="rId18"/>
+    <p:sldId id="282" r:id="rId19"/>
+    <p:sldId id="283" r:id="rId20"/>
+    <p:sldId id="272" r:id="rId21"/>
+    <p:sldId id="275" r:id="rId22"/>
+    <p:sldId id="274" r:id="rId23"/>
   </p:sldIdLst>
   <p:sldSz cx="12192000" cy="6858000"/>
   <p:notesSz cx="6858000" cy="9144000"/>
@@ -277,38 +282,37 @@
           <a:p>
             <a:pPr lvl="0"/>
             <a:r>
-              <a:rPr lang="ko-KR" altLang="en-US" smtClean="0"/>
+              <a:rPr lang="ko-KR" altLang="en-US"/>
               <a:t>마스터 텍스트 스타일을 편집합니다</a:t>
             </a:r>
           </a:p>
           <a:p>
             <a:pPr lvl="1"/>
             <a:r>
-              <a:rPr lang="ko-KR" altLang="en-US" smtClean="0"/>
+              <a:rPr lang="ko-KR" altLang="en-US"/>
               <a:t>둘째 수준</a:t>
             </a:r>
           </a:p>
           <a:p>
             <a:pPr lvl="2"/>
             <a:r>
-              <a:rPr lang="ko-KR" altLang="en-US" smtClean="0"/>
+              <a:rPr lang="ko-KR" altLang="en-US"/>
               <a:t>셋째 수준</a:t>
             </a:r>
           </a:p>
           <a:p>
             <a:pPr lvl="3"/>
             <a:r>
-              <a:rPr lang="ko-KR" altLang="en-US" smtClean="0"/>
+              <a:rPr lang="ko-KR" altLang="en-US"/>
               <a:t>넷째 수준</a:t>
             </a:r>
           </a:p>
           <a:p>
             <a:pPr lvl="4"/>
             <a:r>
-              <a:rPr lang="ko-KR" altLang="en-US" smtClean="0"/>
+              <a:rPr lang="ko-KR" altLang="en-US"/>
               <a:t>다섯째 수준</a:t>
             </a:r>
-            <a:endParaRPr lang="ko-KR" altLang="en-US"/>
           </a:p>
         </p:txBody>
       </p:sp>
@@ -609,7 +613,7 @@
           <a:bodyPr/>
           <a:lstStyle/>
           <a:p>
-            <a:endParaRPr lang="ko-KR" altLang="en-US" sz="1200" dirty="0" smtClean="0">
+            <a:endParaRPr lang="ko-KR" altLang="en-US" sz="1200" dirty="0">
               <a:solidFill>
                 <a:schemeClr val="bg1"/>
               </a:solidFill>
@@ -617,7 +621,7 @@
           </a:p>
           <a:p>
             <a:r>
-              <a:rPr lang="en-US" altLang="ko-KR" sz="1200" dirty="0" smtClean="0">
+              <a:rPr lang="en-US" altLang="ko-KR" sz="1200" dirty="0">
                 <a:solidFill>
                   <a:schemeClr val="bg1"/>
                 </a:solidFill>
@@ -625,28 +629,28 @@
               <a:t>1-1 </a:t>
             </a:r>
             <a:r>
-              <a:rPr lang="ko-KR" altLang="en-US" sz="1200" dirty="0" smtClean="0">
+              <a:rPr lang="ko-KR" altLang="en-US" sz="1200" dirty="0">
                 <a:solidFill>
                   <a:schemeClr val="bg1"/>
                 </a:solidFill>
               </a:rPr>
               <a:t>키워드 간의 관계성을 간편하게 분석하고 시각화 하기 위해서 </a:t>
             </a:r>
-            <a:endParaRPr lang="en-US" altLang="ko-KR" sz="1200" dirty="0" smtClean="0">
+            <a:endParaRPr lang="en-US" altLang="ko-KR" sz="1200" dirty="0">
               <a:solidFill>
                 <a:schemeClr val="bg1"/>
               </a:solidFill>
             </a:endParaRPr>
           </a:p>
           <a:p>
-            <a:endParaRPr lang="ko-KR" altLang="en-US" sz="1200" dirty="0" smtClean="0">
+            <a:endParaRPr lang="ko-KR" altLang="en-US" sz="1200" dirty="0">
               <a:solidFill>
                 <a:schemeClr val="bg1"/>
               </a:solidFill>
             </a:endParaRPr>
           </a:p>
           <a:p>
-            <a:endParaRPr lang="ko-KR" altLang="en-US" sz="1200" dirty="0" smtClean="0">
+            <a:endParaRPr lang="ko-KR" altLang="en-US" sz="1200" dirty="0">
               <a:solidFill>
                 <a:schemeClr val="bg1"/>
               </a:solidFill>
@@ -654,7 +658,7 @@
           </a:p>
           <a:p>
             <a:r>
-              <a:rPr lang="en-US" altLang="ko-KR" sz="1200" dirty="0" smtClean="0">
+              <a:rPr lang="en-US" altLang="ko-KR" sz="1200" dirty="0">
                 <a:solidFill>
                   <a:schemeClr val="bg1"/>
                 </a:solidFill>
@@ -662,7 +666,7 @@
               <a:t>1-2 ‘</a:t>
             </a:r>
             <a:r>
-              <a:rPr lang="ko-KR" altLang="en-US" sz="1200" dirty="0" smtClean="0">
+              <a:rPr lang="ko-KR" altLang="en-US" sz="1200" dirty="0">
                 <a:solidFill>
                   <a:schemeClr val="bg1"/>
                 </a:solidFill>
@@ -670,7 +674,7 @@
               <a:t>오픈 </a:t>
             </a:r>
             <a:r>
-              <a:rPr lang="en-US" altLang="ko-KR" sz="1200" dirty="0" smtClean="0">
+              <a:rPr lang="en-US" altLang="ko-KR" sz="1200" dirty="0">
                 <a:solidFill>
                   <a:schemeClr val="bg1"/>
                 </a:solidFill>
@@ -678,7 +682,7 @@
               <a:t>API</a:t>
             </a:r>
             <a:r>
-              <a:rPr lang="ko-KR" altLang="en-US" sz="1200" dirty="0" smtClean="0">
+              <a:rPr lang="ko-KR" altLang="en-US" sz="1200" dirty="0">
                 <a:solidFill>
                   <a:schemeClr val="bg1"/>
                 </a:solidFill>
@@ -686,7 +690,7 @@
               <a:t>를 활용한 </a:t>
             </a:r>
             <a:r>
-              <a:rPr lang="ko-KR" altLang="en-US" sz="1200" dirty="0" err="1" smtClean="0">
+              <a:rPr lang="ko-KR" altLang="en-US" sz="1200" dirty="0" err="1">
                 <a:solidFill>
                   <a:schemeClr val="bg1"/>
                 </a:solidFill>
@@ -694,7 +698,7 @@
               <a:t>빅데이터</a:t>
             </a:r>
             <a:r>
-              <a:rPr lang="ko-KR" altLang="en-US" sz="1200" dirty="0" smtClean="0">
+              <a:rPr lang="ko-KR" altLang="en-US" sz="1200" dirty="0">
                 <a:solidFill>
                   <a:schemeClr val="bg1"/>
                 </a:solidFill>
@@ -703,7 +707,7 @@
             </a:r>
           </a:p>
           <a:p>
-            <a:endParaRPr lang="ko-KR" altLang="en-US" dirty="0" smtClean="0"/>
+            <a:endParaRPr lang="ko-KR" altLang="en-US" dirty="0"/>
           </a:p>
           <a:p>
             <a:endParaRPr lang="ko-KR" altLang="en-US" dirty="0"/>
@@ -792,14 +796,14 @@
           <a:p>
             <a:pPr lvl="1"/>
             <a:r>
-              <a:rPr lang="ko-KR" altLang="en-US" sz="2200" dirty="0" smtClean="0">
+              <a:rPr lang="ko-KR" altLang="en-US" sz="2200" dirty="0">
                 <a:solidFill>
                   <a:schemeClr val="bg1"/>
                 </a:solidFill>
               </a:rPr>
               <a:t>기대효과</a:t>
             </a:r>
-            <a:endParaRPr lang="en-US" altLang="ko-KR" sz="2200" dirty="0" smtClean="0">
+            <a:endParaRPr lang="en-US" altLang="ko-KR" sz="2200" dirty="0">
               <a:solidFill>
                 <a:schemeClr val="bg1"/>
               </a:solidFill>
@@ -808,7 +812,7 @@
           <a:p>
             <a:pPr lvl="2"/>
             <a:r>
-              <a:rPr lang="en-US" altLang="ko-KR" dirty="0" smtClean="0">
+              <a:rPr lang="en-US" altLang="ko-KR" dirty="0">
                 <a:solidFill>
                   <a:schemeClr val="bg1"/>
                 </a:solidFill>
@@ -816,7 +820,7 @@
               <a:t>- </a:t>
             </a:r>
             <a:r>
-              <a:rPr lang="ko-KR" altLang="en-US" dirty="0" smtClean="0">
+              <a:rPr lang="ko-KR" altLang="en-US" dirty="0">
                 <a:solidFill>
                   <a:schemeClr val="bg1"/>
                 </a:solidFill>
@@ -824,7 +828,7 @@
               <a:t>사용자가 보다 편리하게 키워드에 대한 정보와 자료</a:t>
             </a:r>
             <a:r>
-              <a:rPr lang="en-US" altLang="ko-KR" dirty="0" smtClean="0">
+              <a:rPr lang="en-US" altLang="ko-KR" dirty="0">
                 <a:solidFill>
                   <a:schemeClr val="bg1"/>
                 </a:solidFill>
@@ -832,7 +836,7 @@
               <a:t>(</a:t>
             </a:r>
             <a:r>
-              <a:rPr lang="ko-KR" altLang="en-US" dirty="0" smtClean="0">
+              <a:rPr lang="ko-KR" altLang="en-US" dirty="0">
                 <a:solidFill>
                   <a:schemeClr val="bg1"/>
                 </a:solidFill>
@@ -840,7 +844,7 @@
               <a:t>마인드맵</a:t>
             </a:r>
             <a:r>
-              <a:rPr lang="en-US" altLang="ko-KR" dirty="0" smtClean="0">
+              <a:rPr lang="en-US" altLang="ko-KR" dirty="0">
                 <a:solidFill>
                   <a:schemeClr val="bg1"/>
                 </a:solidFill>
@@ -848,7 +852,7 @@
               <a:t>)</a:t>
             </a:r>
             <a:r>
-              <a:rPr lang="ko-KR" altLang="en-US" dirty="0" smtClean="0">
+              <a:rPr lang="ko-KR" altLang="en-US" dirty="0">
                 <a:solidFill>
                   <a:schemeClr val="bg1"/>
                 </a:solidFill>
@@ -856,7 +860,7 @@
               <a:t>을 습득할 수 있다</a:t>
             </a:r>
             <a:r>
-              <a:rPr lang="en-US" altLang="ko-KR" dirty="0" smtClean="0">
+              <a:rPr lang="en-US" altLang="ko-KR" dirty="0">
                 <a:solidFill>
                   <a:schemeClr val="bg1"/>
                 </a:solidFill>
@@ -866,7 +870,7 @@
           </a:p>
           <a:p>
             <a:pPr lvl="2"/>
-            <a:endParaRPr lang="en-US" altLang="ko-KR" dirty="0" smtClean="0">
+            <a:endParaRPr lang="en-US" altLang="ko-KR" dirty="0">
               <a:solidFill>
                 <a:schemeClr val="bg1"/>
               </a:solidFill>
@@ -874,7 +878,7 @@
           </a:p>
           <a:p>
             <a:pPr lvl="1"/>
-            <a:endParaRPr lang="en-US" altLang="ko-KR" sz="2000" dirty="0" smtClean="0">
+            <a:endParaRPr lang="en-US" altLang="ko-KR" sz="2000" dirty="0">
               <a:solidFill>
                 <a:schemeClr val="bg1"/>
               </a:solidFill>
@@ -883,14 +887,14 @@
           <a:p>
             <a:pPr lvl="1"/>
             <a:r>
-              <a:rPr lang="ko-KR" altLang="en-US" sz="2000" dirty="0" smtClean="0">
+              <a:rPr lang="ko-KR" altLang="en-US" sz="2000" dirty="0">
                 <a:solidFill>
                   <a:schemeClr val="bg1"/>
                 </a:solidFill>
               </a:rPr>
               <a:t>차별성</a:t>
             </a:r>
-            <a:endParaRPr lang="en-US" altLang="ko-KR" sz="2000" dirty="0" smtClean="0">
+            <a:endParaRPr lang="en-US" altLang="ko-KR" sz="2000" dirty="0">
               <a:solidFill>
                 <a:schemeClr val="bg1"/>
               </a:solidFill>
@@ -899,7 +903,7 @@
           <a:p>
             <a:pPr lvl="2"/>
             <a:r>
-              <a:rPr lang="en-US" altLang="ko-KR" dirty="0" smtClean="0">
+              <a:rPr lang="en-US" altLang="ko-KR" dirty="0">
                 <a:solidFill>
                   <a:schemeClr val="bg1"/>
                 </a:solidFill>
@@ -907,7 +911,7 @@
               <a:t>- </a:t>
             </a:r>
             <a:r>
-              <a:rPr lang="ko-KR" altLang="en-US" dirty="0" smtClean="0">
+              <a:rPr lang="ko-KR" altLang="en-US" dirty="0">
                 <a:solidFill>
                   <a:schemeClr val="bg1"/>
                 </a:solidFill>
@@ -915,7 +919,7 @@
               <a:t>기존 마인드맵 사이트 </a:t>
             </a:r>
             <a:r>
-              <a:rPr lang="en-US" altLang="ko-KR" dirty="0" smtClean="0">
+              <a:rPr lang="en-US" altLang="ko-KR" dirty="0">
                 <a:solidFill>
                   <a:schemeClr val="bg1"/>
                 </a:solidFill>
@@ -923,7 +927,7 @@
               <a:t>– </a:t>
             </a:r>
             <a:r>
-              <a:rPr lang="ko-KR" altLang="en-US" dirty="0" smtClean="0">
+              <a:rPr lang="ko-KR" altLang="en-US" dirty="0">
                 <a:solidFill>
                   <a:schemeClr val="bg1"/>
                 </a:solidFill>
@@ -931,7 +935,7 @@
               <a:t>가입 필요</a:t>
             </a:r>
             <a:r>
-              <a:rPr lang="en-US" altLang="ko-KR" dirty="0" smtClean="0">
+              <a:rPr lang="en-US" altLang="ko-KR" dirty="0">
                 <a:solidFill>
                   <a:schemeClr val="bg1"/>
                 </a:solidFill>
@@ -939,14 +943,14 @@
               <a:t>, </a:t>
             </a:r>
             <a:r>
-              <a:rPr lang="ko-KR" altLang="en-US" dirty="0" smtClean="0">
+              <a:rPr lang="ko-KR" altLang="en-US" dirty="0">
                 <a:solidFill>
                   <a:schemeClr val="bg1"/>
                 </a:solidFill>
               </a:rPr>
               <a:t>사용자가 직접 데이터를 입력</a:t>
             </a:r>
-            <a:endParaRPr lang="en-US" altLang="ko-KR" dirty="0" smtClean="0">
+            <a:endParaRPr lang="en-US" altLang="ko-KR" dirty="0">
               <a:solidFill>
                 <a:schemeClr val="bg1"/>
               </a:solidFill>
@@ -954,7 +958,7 @@
           </a:p>
           <a:p>
             <a:pPr lvl="2"/>
-            <a:endParaRPr lang="en-US" altLang="ko-KR" dirty="0" smtClean="0">
+            <a:endParaRPr lang="en-US" altLang="ko-KR" dirty="0">
               <a:solidFill>
                 <a:schemeClr val="bg1"/>
               </a:solidFill>
@@ -963,7 +967,7 @@
           <a:p>
             <a:pPr lvl="2"/>
             <a:r>
-              <a:rPr lang="en-US" altLang="ko-KR" dirty="0" smtClean="0">
+              <a:rPr lang="en-US" altLang="ko-KR" dirty="0">
                 <a:solidFill>
                   <a:schemeClr val="bg1"/>
                 </a:solidFill>
@@ -971,7 +975,7 @@
               <a:t>- </a:t>
             </a:r>
             <a:r>
-              <a:rPr lang="ko-KR" altLang="en-US" dirty="0" smtClean="0">
+              <a:rPr lang="ko-KR" altLang="en-US" dirty="0">
                 <a:solidFill>
                   <a:schemeClr val="bg1"/>
                 </a:solidFill>
@@ -979,7 +983,7 @@
               <a:t>기존 키워드 분석 사이트 </a:t>
             </a:r>
             <a:r>
-              <a:rPr lang="en-US" altLang="ko-KR" dirty="0" smtClean="0">
+              <a:rPr lang="en-US" altLang="ko-KR" dirty="0">
                 <a:solidFill>
                   <a:schemeClr val="bg1"/>
                 </a:solidFill>
@@ -987,7 +991,7 @@
               <a:t>– </a:t>
             </a:r>
             <a:r>
-              <a:rPr lang="ko-KR" altLang="en-US" dirty="0" err="1" smtClean="0">
+              <a:rPr lang="ko-KR" altLang="en-US" dirty="0" err="1">
                 <a:solidFill>
                   <a:schemeClr val="bg1"/>
                 </a:solidFill>
@@ -995,7 +999,7 @@
               <a:t>검샌</a:t>
             </a:r>
             <a:r>
-              <a:rPr lang="ko-KR" altLang="en-US" dirty="0" smtClean="0">
+              <a:rPr lang="ko-KR" altLang="en-US" dirty="0">
                 <a:solidFill>
                   <a:schemeClr val="bg1"/>
                 </a:solidFill>
@@ -1003,7 +1007,7 @@
               <a:t> 순위</a:t>
             </a:r>
             <a:r>
-              <a:rPr lang="en-US" altLang="ko-KR" dirty="0" smtClean="0">
+              <a:rPr lang="en-US" altLang="ko-KR" dirty="0">
                 <a:solidFill>
                   <a:schemeClr val="bg1"/>
                 </a:solidFill>
@@ -1011,7 +1015,7 @@
               <a:t>, </a:t>
             </a:r>
             <a:r>
-              <a:rPr lang="ko-KR" altLang="en-US" dirty="0" err="1" smtClean="0">
+              <a:rPr lang="ko-KR" altLang="en-US" dirty="0" err="1">
                 <a:solidFill>
                   <a:schemeClr val="bg1"/>
                 </a:solidFill>
@@ -1019,7 +1023,7 @@
               <a:t>검색량을</a:t>
             </a:r>
             <a:r>
-              <a:rPr lang="ko-KR" altLang="en-US" dirty="0" smtClean="0">
+              <a:rPr lang="ko-KR" altLang="en-US" dirty="0">
                 <a:solidFill>
                   <a:schemeClr val="bg1"/>
                 </a:solidFill>
@@ -1027,7 +1031,7 @@
               <a:t> 기준으로 하기 때문에 </a:t>
             </a:r>
             <a:r>
-              <a:rPr lang="ko-KR" altLang="en-US" dirty="0" err="1" smtClean="0">
+              <a:rPr lang="ko-KR" altLang="en-US" dirty="0" err="1">
                 <a:solidFill>
                   <a:schemeClr val="bg1"/>
                 </a:solidFill>
@@ -1035,7 +1039,7 @@
               <a:t>마이너한</a:t>
             </a:r>
             <a:r>
-              <a:rPr lang="ko-KR" altLang="en-US" dirty="0" smtClean="0">
+              <a:rPr lang="ko-KR" altLang="en-US" dirty="0">
                 <a:solidFill>
                   <a:schemeClr val="bg1"/>
                 </a:solidFill>
@@ -1043,7 +1047,7 @@
               <a:t> 키워드를 찾기 힘들다</a:t>
             </a:r>
             <a:r>
-              <a:rPr lang="en-US" altLang="ko-KR" dirty="0" smtClean="0">
+              <a:rPr lang="en-US" altLang="ko-KR" dirty="0">
                 <a:solidFill>
                   <a:schemeClr val="bg1"/>
                 </a:solidFill>
@@ -1053,7 +1057,7 @@
           </a:p>
           <a:p>
             <a:pPr lvl="2"/>
-            <a:endParaRPr lang="ko-KR" altLang="en-US" dirty="0" smtClean="0">
+            <a:endParaRPr lang="ko-KR" altLang="en-US" dirty="0">
               <a:solidFill>
                 <a:schemeClr val="bg1"/>
               </a:solidFill>
@@ -1165,7 +1169,7 @@
           <a:p>
             <a:fld id="{83B46961-B631-46FF-82D1-1FFBD13AA754}" type="slidenum">
               <a:rPr lang="ko-KR" altLang="en-US" smtClean="0"/>
-              <a:t>12</a:t>
+              <a:t>15</a:t>
             </a:fld>
             <a:endParaRPr lang="ko-KR" altLang="en-US"/>
           </a:p>
@@ -1291,10 +1295,9 @@
           </a:lstStyle>
           <a:p>
             <a:r>
-              <a:rPr lang="ko-KR" altLang="en-US" dirty="0" smtClean="0"/>
+              <a:rPr lang="ko-KR" altLang="en-US" dirty="0"/>
               <a:t>마스터 제목 스타일 편집</a:t>
             </a:r>
-            <a:endParaRPr lang="ko-KR" altLang="en-US" dirty="0"/>
           </a:p>
         </p:txBody>
       </p:sp>
@@ -1361,10 +1364,9 @@
           </a:lstStyle>
           <a:p>
             <a:r>
-              <a:rPr lang="ko-KR" altLang="en-US" dirty="0" smtClean="0"/>
+              <a:rPr lang="ko-KR" altLang="en-US" dirty="0"/>
               <a:t>마스터 부제목 스타일 편집</a:t>
             </a:r>
-            <a:endParaRPr lang="ko-KR" altLang="en-US" dirty="0"/>
           </a:p>
         </p:txBody>
       </p:sp>
@@ -1537,10 +1539,9 @@
           </a:lstStyle>
           <a:p>
             <a:r>
-              <a:rPr lang="ko-KR" altLang="en-US" dirty="0" smtClean="0"/>
+              <a:rPr lang="ko-KR" altLang="en-US" dirty="0"/>
               <a:t>마스터 제목 스타일 편집</a:t>
             </a:r>
-            <a:endParaRPr lang="ko-KR" altLang="en-US" dirty="0"/>
           </a:p>
         </p:txBody>
       </p:sp>
@@ -1595,38 +1596,37 @@
           <a:p>
             <a:pPr lvl="0"/>
             <a:r>
-              <a:rPr lang="ko-KR" altLang="en-US" dirty="0" smtClean="0"/>
+              <a:rPr lang="ko-KR" altLang="en-US" dirty="0"/>
               <a:t>마스터 텍스트 스타일을 편집합니다</a:t>
             </a:r>
           </a:p>
           <a:p>
             <a:pPr lvl="1"/>
             <a:r>
-              <a:rPr lang="ko-KR" altLang="en-US" dirty="0" smtClean="0"/>
+              <a:rPr lang="ko-KR" altLang="en-US" dirty="0"/>
               <a:t>둘째 수준</a:t>
             </a:r>
           </a:p>
           <a:p>
             <a:pPr lvl="2"/>
             <a:r>
-              <a:rPr lang="ko-KR" altLang="en-US" dirty="0" smtClean="0"/>
+              <a:rPr lang="ko-KR" altLang="en-US" dirty="0"/>
               <a:t>셋째 수준</a:t>
             </a:r>
           </a:p>
           <a:p>
             <a:pPr lvl="3"/>
             <a:r>
-              <a:rPr lang="ko-KR" altLang="en-US" dirty="0" smtClean="0"/>
+              <a:rPr lang="ko-KR" altLang="en-US" dirty="0"/>
               <a:t>넷째 수준</a:t>
             </a:r>
           </a:p>
           <a:p>
             <a:pPr lvl="4"/>
             <a:r>
-              <a:rPr lang="ko-KR" altLang="en-US" dirty="0" smtClean="0"/>
+              <a:rPr lang="ko-KR" altLang="en-US" dirty="0"/>
               <a:t>다섯째 수준</a:t>
             </a:r>
-            <a:endParaRPr lang="ko-KR" altLang="en-US" dirty="0"/>
           </a:p>
         </p:txBody>
       </p:sp>
@@ -3442,7 +3442,7 @@
           <a:lstStyle/>
           <a:p>
             <a:r>
-              <a:rPr lang="ko-KR" altLang="en-US" dirty="0" smtClean="0">
+              <a:rPr lang="ko-KR" altLang="en-US" dirty="0">
                 <a:solidFill>
                   <a:schemeClr val="bg1"/>
                 </a:solidFill>
@@ -3450,7 +3450,7 @@
               <a:t>묻고 </a:t>
             </a:r>
             <a:r>
-              <a:rPr lang="ko-KR" altLang="en-US" dirty="0" err="1" smtClean="0">
+              <a:rPr lang="ko-KR" altLang="en-US" dirty="0" err="1">
                 <a:solidFill>
                   <a:schemeClr val="bg1"/>
                 </a:solidFill>
@@ -3458,18 +3458,13 @@
               <a:t>위키로</a:t>
             </a:r>
             <a:r>
-              <a:rPr lang="ko-KR" altLang="en-US" dirty="0" smtClean="0">
+              <a:rPr lang="ko-KR" altLang="en-US" dirty="0">
                 <a:solidFill>
                   <a:schemeClr val="bg1"/>
                 </a:solidFill>
               </a:rPr>
               <a:t> 가</a:t>
             </a:r>
-            <a:endParaRPr lang="ko-KR" altLang="en-US" dirty="0">
-              <a:solidFill>
-                <a:schemeClr val="bg1"/>
-              </a:solidFill>
-            </a:endParaRPr>
           </a:p>
         </p:txBody>
       </p:sp>
@@ -3497,7 +3492,7 @@
           <a:p>
             <a:pPr algn="r"/>
             <a:r>
-              <a:rPr lang="en-US" altLang="ko-KR" dirty="0" smtClean="0">
+              <a:rPr lang="en-US" altLang="ko-KR" dirty="0">
                 <a:solidFill>
                   <a:schemeClr val="bg1"/>
                 </a:solidFill>
@@ -3505,7 +3500,7 @@
               <a:t>(</a:t>
             </a:r>
             <a:r>
-              <a:rPr lang="ko-KR" altLang="en-US" dirty="0" smtClean="0">
+              <a:rPr lang="ko-KR" altLang="en-US" dirty="0">
                 <a:solidFill>
                   <a:schemeClr val="bg1"/>
                 </a:solidFill>
@@ -3513,7 +3508,7 @@
               <a:t>조장</a:t>
             </a:r>
             <a:r>
-              <a:rPr lang="en-US" altLang="ko-KR" dirty="0" smtClean="0">
+              <a:rPr lang="en-US" altLang="ko-KR" dirty="0">
                 <a:solidFill>
                   <a:schemeClr val="bg1"/>
                 </a:solidFill>
@@ -3521,7 +3516,7 @@
               <a:t>)</a:t>
             </a:r>
             <a:r>
-              <a:rPr lang="ko-KR" altLang="en-US" dirty="0" smtClean="0">
+              <a:rPr lang="ko-KR" altLang="en-US" dirty="0">
                 <a:solidFill>
                   <a:schemeClr val="bg1"/>
                 </a:solidFill>
@@ -3529,7 +3524,7 @@
               <a:t>김정현</a:t>
             </a:r>
             <a:r>
-              <a:rPr lang="en-US" altLang="ko-KR" dirty="0" smtClean="0">
+              <a:rPr lang="en-US" altLang="ko-KR" dirty="0">
                 <a:solidFill>
                   <a:schemeClr val="bg1"/>
                 </a:solidFill>
@@ -3540,14 +3535,14 @@
           <a:p>
             <a:pPr algn="r"/>
             <a:r>
-              <a:rPr lang="ko-KR" altLang="en-US" dirty="0" smtClean="0">
+              <a:rPr lang="ko-KR" altLang="en-US" dirty="0">
                 <a:solidFill>
                   <a:schemeClr val="bg1"/>
                 </a:solidFill>
               </a:rPr>
               <a:t>박종선</a:t>
             </a:r>
-            <a:endParaRPr lang="en-US" altLang="ko-KR" dirty="0" smtClean="0">
+            <a:endParaRPr lang="en-US" altLang="ko-KR" dirty="0">
               <a:solidFill>
                 <a:schemeClr val="bg1"/>
               </a:solidFill>
@@ -3556,14 +3551,14 @@
           <a:p>
             <a:pPr algn="r"/>
             <a:r>
-              <a:rPr lang="ko-KR" altLang="en-US" dirty="0" smtClean="0">
+              <a:rPr lang="ko-KR" altLang="en-US" dirty="0">
                 <a:solidFill>
                   <a:schemeClr val="bg1"/>
                 </a:solidFill>
               </a:rPr>
               <a:t>박진영</a:t>
             </a:r>
-            <a:endParaRPr lang="en-US" altLang="ko-KR" dirty="0" smtClean="0">
+            <a:endParaRPr lang="en-US" altLang="ko-KR" dirty="0">
               <a:solidFill>
                 <a:schemeClr val="bg1"/>
               </a:solidFill>
@@ -3572,18 +3567,13 @@
           <a:p>
             <a:pPr algn="r"/>
             <a:r>
-              <a:rPr lang="ko-KR" altLang="en-US" dirty="0" smtClean="0">
+              <a:rPr lang="ko-KR" altLang="en-US" dirty="0">
                 <a:solidFill>
                   <a:schemeClr val="bg1"/>
                 </a:solidFill>
               </a:rPr>
               <a:t>조규상</a:t>
             </a:r>
-            <a:endParaRPr lang="ko-KR" altLang="en-US" dirty="0">
-              <a:solidFill>
-                <a:schemeClr val="bg1"/>
-              </a:solidFill>
-            </a:endParaRPr>
           </a:p>
         </p:txBody>
       </p:sp>
@@ -3629,7 +3619,7 @@
           </a:lstStyle>
           <a:p>
             <a:r>
-              <a:rPr lang="en-US" altLang="ko-KR" sz="4000" dirty="0" smtClean="0">
+              <a:rPr lang="en-US" altLang="ko-KR" sz="4000" dirty="0">
                 <a:solidFill>
                   <a:schemeClr val="bg1"/>
                 </a:solidFill>
@@ -3637,15 +3627,15 @@
               <a:t>- 2</a:t>
             </a:r>
             <a:r>
-              <a:rPr lang="ko-KR" altLang="en-US" sz="4000" dirty="0" smtClean="0">
-                <a:solidFill>
-                  <a:schemeClr val="bg1"/>
-                </a:solidFill>
-              </a:rPr>
-              <a:t>차 아이디어 톤 발표 </a:t>
-            </a:r>
-            <a:r>
-              <a:rPr lang="en-US" altLang="ko-KR" sz="4000" dirty="0" smtClean="0">
+              <a:rPr lang="ko-KR" altLang="en-US" sz="4000" dirty="0">
+                <a:solidFill>
+                  <a:schemeClr val="bg1"/>
+                </a:solidFill>
+              </a:rPr>
+              <a:t>차 아이디어톤 발표 </a:t>
+            </a:r>
+            <a:r>
+              <a:rPr lang="en-US" altLang="ko-KR" sz="4000" dirty="0">
                 <a:solidFill>
                   <a:schemeClr val="bg1"/>
                 </a:solidFill>
@@ -3670,7 +3660,7 @@
         </p:nvSpPr>
         <p:spPr>
           <a:xfrm>
-            <a:off x="7193674" y="6309946"/>
+            <a:off x="0" y="6242564"/>
             <a:ext cx="3305124" cy="509954"/>
           </a:xfrm>
           <a:prstGeom prst="rect">
@@ -3848,7 +3838,7 @@
           <a:p>
             <a:pPr algn="l"/>
             <a:r>
-              <a:rPr lang="ko-KR" altLang="en-US" dirty="0" smtClean="0">
+              <a:rPr lang="ko-KR" altLang="en-US" dirty="0">
                 <a:solidFill>
                   <a:schemeClr val="bg1"/>
                 </a:solidFill>
@@ -3856,7 +3846,7 @@
               <a:t>조 이름 </a:t>
             </a:r>
             <a:r>
-              <a:rPr lang="en-US" altLang="ko-KR" dirty="0" smtClean="0">
+              <a:rPr lang="en-US" altLang="ko-KR" dirty="0">
                 <a:solidFill>
                   <a:schemeClr val="bg1"/>
                 </a:solidFill>
@@ -3864,18 +3854,13 @@
               <a:t>: </a:t>
             </a:r>
             <a:r>
-              <a:rPr lang="ko-KR" altLang="en-US" dirty="0" smtClean="0">
+              <a:rPr lang="ko-KR" altLang="en-US" dirty="0">
                 <a:solidFill>
                   <a:schemeClr val="bg1"/>
                 </a:solidFill>
               </a:rPr>
               <a:t>개발자의 협곡</a:t>
             </a:r>
-            <a:endParaRPr lang="ko-KR" altLang="en-US" dirty="0">
-              <a:solidFill>
-                <a:schemeClr val="bg1"/>
-              </a:solidFill>
-            </a:endParaRPr>
           </a:p>
         </p:txBody>
       </p:sp>
@@ -3893,6 +3878,1824 @@
 </file>
 
 <file path=ppt/slides/slide10.xml><?xml version="1.0" encoding="utf-8"?>
+<p:sld xmlns:a="http://schemas.openxmlformats.org/drawingml/2006/main" xmlns:r="http://schemas.openxmlformats.org/officeDocument/2006/relationships" xmlns:p="http://schemas.openxmlformats.org/presentationml/2006/main">
+  <p:cSld>
+    <p:spTree>
+      <p:nvGrpSpPr>
+        <p:cNvPr id="1" name=""/>
+        <p:cNvGrpSpPr/>
+        <p:nvPr/>
+      </p:nvGrpSpPr>
+      <p:grpSpPr>
+        <a:xfrm>
+          <a:off x="0" y="0"/>
+          <a:ext cx="0" cy="0"/>
+          <a:chOff x="0" y="0"/>
+          <a:chExt cx="0" cy="0"/>
+        </a:xfrm>
+      </p:grpSpPr>
+      <p:sp>
+        <p:nvSpPr>
+          <p:cNvPr id="8" name="TextBox 7"/>
+          <p:cNvSpPr txBox="1"/>
+          <p:nvPr/>
+        </p:nvSpPr>
+        <p:spPr>
+          <a:xfrm>
+            <a:off x="1550740" y="380546"/>
+            <a:ext cx="4851008" cy="400110"/>
+          </a:xfrm>
+          <a:prstGeom prst="rect">
+            <a:avLst/>
+          </a:prstGeom>
+          <a:noFill/>
+        </p:spPr>
+        <p:txBody>
+          <a:bodyPr wrap="none" rtlCol="0">
+            <a:spAutoFit/>
+          </a:bodyPr>
+          <a:lstStyle/>
+          <a:p>
+            <a:r>
+              <a:rPr lang="en-US" altLang="ko-KR" sz="2000" dirty="0">
+                <a:solidFill>
+                  <a:schemeClr val="bg1"/>
+                </a:solidFill>
+              </a:rPr>
+              <a:t>2. </a:t>
+            </a:r>
+            <a:r>
+              <a:rPr lang="ko-KR" altLang="en-US" sz="2000" dirty="0">
+                <a:solidFill>
+                  <a:schemeClr val="bg1"/>
+                </a:solidFill>
+              </a:rPr>
+              <a:t>시장성 </a:t>
+            </a:r>
+            <a:r>
+              <a:rPr lang="en-US" altLang="ko-KR" sz="2000" dirty="0">
+                <a:solidFill>
+                  <a:schemeClr val="bg1"/>
+                </a:solidFill>
+              </a:rPr>
+              <a:t>– </a:t>
+            </a:r>
+            <a:r>
+              <a:rPr lang="ko-KR" altLang="en-US" sz="2000" dirty="0">
+                <a:solidFill>
+                  <a:schemeClr val="bg1"/>
+                </a:solidFill>
+              </a:rPr>
+              <a:t>기존 서비스와의 차별점은</a:t>
+            </a:r>
+            <a:r>
+              <a:rPr lang="en-US" altLang="ko-KR" sz="2000" dirty="0">
+                <a:solidFill>
+                  <a:schemeClr val="bg1"/>
+                </a:solidFill>
+              </a:rPr>
+              <a:t>?  </a:t>
+            </a:r>
+            <a:endParaRPr lang="ko-KR" altLang="en-US" sz="2000" dirty="0">
+              <a:solidFill>
+                <a:schemeClr val="bg1"/>
+              </a:solidFill>
+            </a:endParaRPr>
+          </a:p>
+        </p:txBody>
+      </p:sp>
+      <p:sp>
+        <p:nvSpPr>
+          <p:cNvPr id="6" name="TextBox 5">
+            <a:extLst>
+              <a:ext uri="{FF2B5EF4-FFF2-40B4-BE49-F238E27FC236}">
+                <a16:creationId xmlns:a16="http://schemas.microsoft.com/office/drawing/2014/main" id="{F0B49476-F923-49B7-96F2-1F16D996D7D2}"/>
+              </a:ext>
+            </a:extLst>
+          </p:cNvPr>
+          <p:cNvSpPr txBox="1"/>
+          <p:nvPr/>
+        </p:nvSpPr>
+        <p:spPr>
+          <a:xfrm>
+            <a:off x="8779010" y="2613392"/>
+            <a:ext cx="3242723" cy="1631216"/>
+          </a:xfrm>
+          <a:prstGeom prst="rect">
+            <a:avLst/>
+          </a:prstGeom>
+          <a:noFill/>
+        </p:spPr>
+        <p:txBody>
+          <a:bodyPr wrap="square" rtlCol="0">
+            <a:spAutoFit/>
+          </a:bodyPr>
+          <a:lstStyle/>
+          <a:p>
+            <a:pPr marL="285750" indent="-285750">
+              <a:buFontTx/>
+              <a:buChar char="-"/>
+            </a:pPr>
+            <a:r>
+              <a:rPr lang="ko-KR" altLang="en-US" sz="2000" dirty="0">
+                <a:solidFill>
+                  <a:schemeClr val="bg1"/>
+                </a:solidFill>
+                <a:latin typeface="+mj-ea"/>
+                <a:ea typeface="+mj-ea"/>
+              </a:rPr>
+              <a:t>사이트의 확장성을 고려해봤을 때</a:t>
+            </a:r>
+            <a:r>
+              <a:rPr lang="en-US" altLang="ko-KR" sz="2000" dirty="0">
+                <a:solidFill>
+                  <a:schemeClr val="bg1"/>
+                </a:solidFill>
+                <a:latin typeface="+mj-ea"/>
+                <a:ea typeface="+mj-ea"/>
+              </a:rPr>
+              <a:t>, </a:t>
+            </a:r>
+            <a:r>
+              <a:rPr lang="ko-KR" altLang="en-US" sz="2000" dirty="0">
+                <a:solidFill>
+                  <a:schemeClr val="bg1"/>
+                </a:solidFill>
+                <a:latin typeface="+mj-ea"/>
+                <a:ea typeface="+mj-ea"/>
+              </a:rPr>
+              <a:t>방향성이 가장 비슷하다</a:t>
+            </a:r>
+            <a:r>
+              <a:rPr lang="en-US" altLang="ko-KR" sz="2000" dirty="0">
+                <a:solidFill>
+                  <a:schemeClr val="bg1"/>
+                </a:solidFill>
+                <a:latin typeface="+mj-ea"/>
+                <a:ea typeface="+mj-ea"/>
+              </a:rPr>
+              <a:t>.</a:t>
+            </a:r>
+          </a:p>
+          <a:p>
+            <a:pPr marL="285750" indent="-285750">
+              <a:buFontTx/>
+              <a:buChar char="-"/>
+            </a:pPr>
+            <a:endParaRPr lang="en-US" altLang="ko-KR" sz="2000" dirty="0">
+              <a:solidFill>
+                <a:schemeClr val="bg1"/>
+              </a:solidFill>
+              <a:latin typeface="+mj-ea"/>
+              <a:ea typeface="+mj-ea"/>
+            </a:endParaRPr>
+          </a:p>
+          <a:p>
+            <a:pPr marL="285750" indent="-285750">
+              <a:buFontTx/>
+              <a:buChar char="-"/>
+            </a:pPr>
+            <a:endParaRPr lang="en-US" altLang="ko-KR" sz="2000" dirty="0">
+              <a:solidFill>
+                <a:schemeClr val="bg1"/>
+              </a:solidFill>
+              <a:latin typeface="+mj-ea"/>
+              <a:ea typeface="+mj-ea"/>
+            </a:endParaRPr>
+          </a:p>
+        </p:txBody>
+      </p:sp>
+      <p:sp>
+        <p:nvSpPr>
+          <p:cNvPr id="9" name="TextBox 8">
+            <a:extLst>
+              <a:ext uri="{FF2B5EF4-FFF2-40B4-BE49-F238E27FC236}">
+                <a16:creationId xmlns:a16="http://schemas.microsoft.com/office/drawing/2014/main" id="{7F891F0A-F932-411E-B262-A427E9B81EDB}"/>
+              </a:ext>
+            </a:extLst>
+          </p:cNvPr>
+          <p:cNvSpPr txBox="1"/>
+          <p:nvPr/>
+        </p:nvSpPr>
+        <p:spPr>
+          <a:xfrm>
+            <a:off x="387977" y="1003142"/>
+            <a:ext cx="4452373" cy="400110"/>
+          </a:xfrm>
+          <a:prstGeom prst="rect">
+            <a:avLst/>
+          </a:prstGeom>
+          <a:noFill/>
+        </p:spPr>
+        <p:txBody>
+          <a:bodyPr wrap="none" rtlCol="0">
+            <a:spAutoFit/>
+          </a:bodyPr>
+          <a:lstStyle/>
+          <a:p>
+            <a:r>
+              <a:rPr lang="en-US" altLang="ko-KR" sz="2000" dirty="0">
+                <a:solidFill>
+                  <a:schemeClr val="bg1"/>
+                </a:solidFill>
+              </a:rPr>
+              <a:t>2. </a:t>
+            </a:r>
+            <a:r>
+              <a:rPr lang="ko-KR" altLang="en-US" sz="2000" dirty="0">
+                <a:solidFill>
+                  <a:schemeClr val="bg1"/>
+                </a:solidFill>
+              </a:rPr>
+              <a:t>데이터 분석 사이트 </a:t>
+            </a:r>
+            <a:r>
+              <a:rPr lang="en-US" altLang="ko-KR" sz="2000" dirty="0">
+                <a:solidFill>
+                  <a:schemeClr val="bg1"/>
+                </a:solidFill>
+              </a:rPr>
+              <a:t>: SOMETREND</a:t>
+            </a:r>
+            <a:endParaRPr lang="ko-KR" altLang="en-US" sz="2000" dirty="0">
+              <a:solidFill>
+                <a:schemeClr val="bg1"/>
+              </a:solidFill>
+            </a:endParaRPr>
+          </a:p>
+        </p:txBody>
+      </p:sp>
+      <p:pic>
+        <p:nvPicPr>
+          <p:cNvPr id="3" name="그림 2">
+            <a:extLst>
+              <a:ext uri="{FF2B5EF4-FFF2-40B4-BE49-F238E27FC236}">
+                <a16:creationId xmlns:a16="http://schemas.microsoft.com/office/drawing/2014/main" id="{72BF8D15-1DEE-4925-A261-4ECD53D1445B}"/>
+              </a:ext>
+            </a:extLst>
+          </p:cNvPr>
+          <p:cNvPicPr>
+            <a:picLocks noChangeAspect="1"/>
+          </p:cNvPicPr>
+          <p:nvPr/>
+        </p:nvPicPr>
+        <p:blipFill>
+          <a:blip r:embed="rId2"/>
+          <a:stretch>
+            <a:fillRect/>
+          </a:stretch>
+        </p:blipFill>
+        <p:spPr>
+          <a:xfrm>
+            <a:off x="236736" y="1466316"/>
+            <a:ext cx="7825857" cy="5198606"/>
+          </a:xfrm>
+          <a:prstGeom prst="rect">
+            <a:avLst/>
+          </a:prstGeom>
+        </p:spPr>
+      </p:pic>
+      <p:pic>
+        <p:nvPicPr>
+          <p:cNvPr id="7" name="그림 6">
+            <a:extLst>
+              <a:ext uri="{FF2B5EF4-FFF2-40B4-BE49-F238E27FC236}">
+                <a16:creationId xmlns:a16="http://schemas.microsoft.com/office/drawing/2014/main" id="{8EFCC49E-B16E-4C06-9CDA-06A819231280}"/>
+              </a:ext>
+            </a:extLst>
+          </p:cNvPr>
+          <p:cNvPicPr>
+            <a:picLocks noChangeAspect="1"/>
+          </p:cNvPicPr>
+          <p:nvPr/>
+        </p:nvPicPr>
+        <p:blipFill>
+          <a:blip r:embed="rId3">
+            <a:extLst>
+              <a:ext uri="{28A0092B-C50C-407E-A947-70E740481C1C}">
+                <a14:useLocalDpi xmlns:a14="http://schemas.microsoft.com/office/drawing/2010/main" val="0"/>
+              </a:ext>
+            </a:extLst>
+          </a:blip>
+          <a:stretch>
+            <a:fillRect/>
+          </a:stretch>
+        </p:blipFill>
+        <p:spPr>
+          <a:xfrm>
+            <a:off x="912112" y="2142926"/>
+            <a:ext cx="6806465" cy="4521996"/>
+          </a:xfrm>
+          <a:prstGeom prst="rect">
+            <a:avLst/>
+          </a:prstGeom>
+        </p:spPr>
+      </p:pic>
+      <p:pic>
+        <p:nvPicPr>
+          <p:cNvPr id="4" name="그림 3">
+            <a:extLst>
+              <a:ext uri="{FF2B5EF4-FFF2-40B4-BE49-F238E27FC236}">
+                <a16:creationId xmlns:a16="http://schemas.microsoft.com/office/drawing/2014/main" id="{E6025E00-1E4A-4562-9F49-7C1B74F91D60}"/>
+              </a:ext>
+            </a:extLst>
+          </p:cNvPr>
+          <p:cNvPicPr>
+            <a:picLocks noChangeAspect="1"/>
+          </p:cNvPicPr>
+          <p:nvPr/>
+        </p:nvPicPr>
+        <p:blipFill>
+          <a:blip r:embed="rId4"/>
+          <a:stretch>
+            <a:fillRect/>
+          </a:stretch>
+        </p:blipFill>
+        <p:spPr>
+          <a:xfrm>
+            <a:off x="1832144" y="2142926"/>
+            <a:ext cx="6905825" cy="4521996"/>
+          </a:xfrm>
+          <a:prstGeom prst="rect">
+            <a:avLst/>
+          </a:prstGeom>
+        </p:spPr>
+      </p:pic>
+    </p:spTree>
+    <p:extLst>
+      <p:ext uri="{BB962C8B-B14F-4D97-AF65-F5344CB8AC3E}">
+        <p14:creationId xmlns:p14="http://schemas.microsoft.com/office/powerpoint/2010/main" val="2858892218"/>
+      </p:ext>
+    </p:extLst>
+  </p:cSld>
+  <p:clrMapOvr>
+    <a:masterClrMapping/>
+  </p:clrMapOvr>
+  <p:timing>
+    <p:tnLst>
+      <p:par>
+        <p:cTn id="1" dur="indefinite" restart="never" nodeType="tmRoot">
+          <p:childTnLst>
+            <p:seq concurrent="1" nextAc="seek">
+              <p:cTn id="2" dur="indefinite" nodeType="mainSeq">
+                <p:childTnLst>
+                  <p:par>
+                    <p:cTn id="3" fill="hold">
+                      <p:stCondLst>
+                        <p:cond delay="indefinite"/>
+                      </p:stCondLst>
+                      <p:childTnLst>
+                        <p:par>
+                          <p:cTn id="4" fill="hold">
+                            <p:stCondLst>
+                              <p:cond delay="0"/>
+                            </p:stCondLst>
+                            <p:childTnLst>
+                              <p:par>
+                                <p:cTn id="5" presetID="10" presetClass="entr" presetSubtype="0" fill="hold" nodeType="clickEffect">
+                                  <p:stCondLst>
+                                    <p:cond delay="0"/>
+                                  </p:stCondLst>
+                                  <p:childTnLst>
+                                    <p:set>
+                                      <p:cBhvr>
+                                        <p:cTn id="6" dur="1" fill="hold">
+                                          <p:stCondLst>
+                                            <p:cond delay="0"/>
+                                          </p:stCondLst>
+                                        </p:cTn>
+                                        <p:tgtEl>
+                                          <p:spTgt spid="7"/>
+                                        </p:tgtEl>
+                                        <p:attrNameLst>
+                                          <p:attrName>style.visibility</p:attrName>
+                                        </p:attrNameLst>
+                                      </p:cBhvr>
+                                      <p:to>
+                                        <p:strVal val="visible"/>
+                                      </p:to>
+                                    </p:set>
+                                    <p:animEffect transition="in" filter="fade">
+                                      <p:cBhvr>
+                                        <p:cTn id="7" dur="500"/>
+                                        <p:tgtEl>
+                                          <p:spTgt spid="7"/>
+                                        </p:tgtEl>
+                                      </p:cBhvr>
+                                    </p:animEffect>
+                                  </p:childTnLst>
+                                </p:cTn>
+                              </p:par>
+                            </p:childTnLst>
+                          </p:cTn>
+                        </p:par>
+                      </p:childTnLst>
+                    </p:cTn>
+                  </p:par>
+                  <p:par>
+                    <p:cTn id="8" fill="hold">
+                      <p:stCondLst>
+                        <p:cond delay="indefinite"/>
+                      </p:stCondLst>
+                      <p:childTnLst>
+                        <p:par>
+                          <p:cTn id="9" fill="hold">
+                            <p:stCondLst>
+                              <p:cond delay="0"/>
+                            </p:stCondLst>
+                            <p:childTnLst>
+                              <p:par>
+                                <p:cTn id="10" presetID="10" presetClass="entr" presetSubtype="0" fill="hold" nodeType="clickEffect">
+                                  <p:stCondLst>
+                                    <p:cond delay="0"/>
+                                  </p:stCondLst>
+                                  <p:childTnLst>
+                                    <p:set>
+                                      <p:cBhvr>
+                                        <p:cTn id="11" dur="1" fill="hold">
+                                          <p:stCondLst>
+                                            <p:cond delay="0"/>
+                                          </p:stCondLst>
+                                        </p:cTn>
+                                        <p:tgtEl>
+                                          <p:spTgt spid="4"/>
+                                        </p:tgtEl>
+                                        <p:attrNameLst>
+                                          <p:attrName>style.visibility</p:attrName>
+                                        </p:attrNameLst>
+                                      </p:cBhvr>
+                                      <p:to>
+                                        <p:strVal val="visible"/>
+                                      </p:to>
+                                    </p:set>
+                                    <p:animEffect transition="in" filter="fade">
+                                      <p:cBhvr>
+                                        <p:cTn id="12" dur="500"/>
+                                        <p:tgtEl>
+                                          <p:spTgt spid="4"/>
+                                        </p:tgtEl>
+                                      </p:cBhvr>
+                                    </p:animEffect>
+                                  </p:childTnLst>
+                                </p:cTn>
+                              </p:par>
+                            </p:childTnLst>
+                          </p:cTn>
+                        </p:par>
+                      </p:childTnLst>
+                    </p:cTn>
+                  </p:par>
+                  <p:par>
+                    <p:cTn id="13" fill="hold">
+                      <p:stCondLst>
+                        <p:cond delay="indefinite"/>
+                      </p:stCondLst>
+                      <p:childTnLst>
+                        <p:par>
+                          <p:cTn id="14" fill="hold">
+                            <p:stCondLst>
+                              <p:cond delay="0"/>
+                            </p:stCondLst>
+                            <p:childTnLst>
+                              <p:par>
+                                <p:cTn id="15" presetID="10" presetClass="entr" presetSubtype="0" fill="hold" grpId="0" nodeType="clickEffect">
+                                  <p:stCondLst>
+                                    <p:cond delay="0"/>
+                                  </p:stCondLst>
+                                  <p:childTnLst>
+                                    <p:set>
+                                      <p:cBhvr>
+                                        <p:cTn id="16" dur="1" fill="hold">
+                                          <p:stCondLst>
+                                            <p:cond delay="0"/>
+                                          </p:stCondLst>
+                                        </p:cTn>
+                                        <p:tgtEl>
+                                          <p:spTgt spid="6"/>
+                                        </p:tgtEl>
+                                        <p:attrNameLst>
+                                          <p:attrName>style.visibility</p:attrName>
+                                        </p:attrNameLst>
+                                      </p:cBhvr>
+                                      <p:to>
+                                        <p:strVal val="visible"/>
+                                      </p:to>
+                                    </p:set>
+                                    <p:animEffect transition="in" filter="fade">
+                                      <p:cBhvr>
+                                        <p:cTn id="17" dur="500"/>
+                                        <p:tgtEl>
+                                          <p:spTgt spid="6"/>
+                                        </p:tgtEl>
+                                      </p:cBhvr>
+                                    </p:animEffect>
+                                  </p:childTnLst>
+                                </p:cTn>
+                              </p:par>
+                            </p:childTnLst>
+                          </p:cTn>
+                        </p:par>
+                      </p:childTnLst>
+                    </p:cTn>
+                  </p:par>
+                </p:childTnLst>
+              </p:cTn>
+              <p:prevCondLst>
+                <p:cond evt="onPrev" delay="0">
+                  <p:tgtEl>
+                    <p:sldTgt/>
+                  </p:tgtEl>
+                </p:cond>
+              </p:prevCondLst>
+              <p:nextCondLst>
+                <p:cond evt="onNext" delay="0">
+                  <p:tgtEl>
+                    <p:sldTgt/>
+                  </p:tgtEl>
+                </p:cond>
+              </p:nextCondLst>
+            </p:seq>
+          </p:childTnLst>
+        </p:cTn>
+      </p:par>
+    </p:tnLst>
+    <p:bldLst>
+      <p:bldP spid="6" grpId="0"/>
+    </p:bldLst>
+  </p:timing>
+</p:sld>
+</file>
+
+<file path=ppt/slides/slide11.xml><?xml version="1.0" encoding="utf-8"?>
+<p:sld xmlns:a="http://schemas.openxmlformats.org/drawingml/2006/main" xmlns:r="http://schemas.openxmlformats.org/officeDocument/2006/relationships" xmlns:p="http://schemas.openxmlformats.org/presentationml/2006/main">
+  <p:cSld>
+    <p:spTree>
+      <p:nvGrpSpPr>
+        <p:cNvPr id="1" name=""/>
+        <p:cNvGrpSpPr/>
+        <p:nvPr/>
+      </p:nvGrpSpPr>
+      <p:grpSpPr>
+        <a:xfrm>
+          <a:off x="0" y="0"/>
+          <a:ext cx="0" cy="0"/>
+          <a:chOff x="0" y="0"/>
+          <a:chExt cx="0" cy="0"/>
+        </a:xfrm>
+      </p:grpSpPr>
+      <p:sp>
+        <p:nvSpPr>
+          <p:cNvPr id="29" name="TextBox 28"/>
+          <p:cNvSpPr txBox="1"/>
+          <p:nvPr/>
+        </p:nvSpPr>
+        <p:spPr>
+          <a:xfrm>
+            <a:off x="273729" y="2507555"/>
+            <a:ext cx="5685633" cy="1938992"/>
+          </a:xfrm>
+          <a:prstGeom prst="rect">
+            <a:avLst/>
+          </a:prstGeom>
+          <a:noFill/>
+        </p:spPr>
+        <p:txBody>
+          <a:bodyPr wrap="square" rtlCol="0">
+            <a:spAutoFit/>
+          </a:bodyPr>
+          <a:lstStyle/>
+          <a:p>
+            <a:pPr marL="285750" indent="-285750">
+              <a:buFontTx/>
+              <a:buChar char="-"/>
+            </a:pPr>
+            <a:r>
+              <a:rPr lang="ko-KR" altLang="en-US" sz="2400" dirty="0">
+                <a:solidFill>
+                  <a:schemeClr val="bg1"/>
+                </a:solidFill>
+                <a:latin typeface="+mj-ea"/>
+              </a:rPr>
+              <a:t>해당 서비스는 </a:t>
+            </a:r>
+            <a:r>
+              <a:rPr lang="ko-KR" altLang="en-US" sz="2400" dirty="0">
+                <a:solidFill>
+                  <a:srgbClr val="FF0000"/>
+                </a:solidFill>
+                <a:latin typeface="+mj-ea"/>
+              </a:rPr>
+              <a:t>검색 데이터</a:t>
+            </a:r>
+            <a:r>
+              <a:rPr lang="ko-KR" altLang="en-US" sz="2400" dirty="0">
+                <a:solidFill>
+                  <a:schemeClr val="bg1"/>
+                </a:solidFill>
+                <a:latin typeface="+mj-ea"/>
+              </a:rPr>
+              <a:t>를</a:t>
+            </a:r>
+            <a:r>
+              <a:rPr lang="ko-KR" altLang="en-US" sz="2400" dirty="0">
+                <a:solidFill>
+                  <a:srgbClr val="FF0000"/>
+                </a:solidFill>
+                <a:latin typeface="+mj-ea"/>
+              </a:rPr>
+              <a:t> </a:t>
+            </a:r>
+            <a:r>
+              <a:rPr lang="ko-KR" altLang="en-US" sz="2400" dirty="0">
+                <a:solidFill>
+                  <a:schemeClr val="bg1"/>
+                </a:solidFill>
+                <a:latin typeface="+mj-ea"/>
+              </a:rPr>
+              <a:t>기반으로 하기 때문에 </a:t>
+            </a:r>
+            <a:r>
+              <a:rPr lang="ko-KR" altLang="en-US" sz="2400" dirty="0" err="1">
+                <a:solidFill>
+                  <a:srgbClr val="FF0000"/>
+                </a:solidFill>
+                <a:latin typeface="+mj-ea"/>
+              </a:rPr>
+              <a:t>검색량이</a:t>
+            </a:r>
+            <a:r>
+              <a:rPr lang="ko-KR" altLang="en-US" sz="2400" dirty="0">
+                <a:solidFill>
+                  <a:srgbClr val="FF0000"/>
+                </a:solidFill>
+                <a:latin typeface="+mj-ea"/>
+              </a:rPr>
+              <a:t> 적은 </a:t>
+            </a:r>
+            <a:r>
+              <a:rPr lang="ko-KR" altLang="en-US" sz="2400" dirty="0">
+                <a:solidFill>
+                  <a:schemeClr val="bg1"/>
+                </a:solidFill>
+                <a:latin typeface="+mj-ea"/>
+              </a:rPr>
+              <a:t>데이터의 관계성을 살펴볼 수 없다는 단점이 있고</a:t>
+            </a:r>
+            <a:r>
+              <a:rPr lang="en-US" altLang="ko-KR" sz="2400" dirty="0">
+                <a:solidFill>
+                  <a:schemeClr val="bg1"/>
+                </a:solidFill>
+                <a:latin typeface="+mj-ea"/>
+              </a:rPr>
+              <a:t>,</a:t>
+            </a:r>
+          </a:p>
+          <a:p>
+            <a:endParaRPr lang="en-US" altLang="ko-KR" sz="2400" dirty="0">
+              <a:solidFill>
+                <a:schemeClr val="bg1"/>
+              </a:solidFill>
+              <a:latin typeface="+mj-ea"/>
+            </a:endParaRPr>
+          </a:p>
+        </p:txBody>
+      </p:sp>
+      <p:sp>
+        <p:nvSpPr>
+          <p:cNvPr id="8" name="TextBox 7"/>
+          <p:cNvSpPr txBox="1"/>
+          <p:nvPr/>
+        </p:nvSpPr>
+        <p:spPr>
+          <a:xfrm>
+            <a:off x="1550740" y="380546"/>
+            <a:ext cx="1241045" cy="400110"/>
+          </a:xfrm>
+          <a:prstGeom prst="rect">
+            <a:avLst/>
+          </a:prstGeom>
+          <a:noFill/>
+        </p:spPr>
+        <p:txBody>
+          <a:bodyPr wrap="none" rtlCol="0">
+            <a:spAutoFit/>
+          </a:bodyPr>
+          <a:lstStyle/>
+          <a:p>
+            <a:r>
+              <a:rPr lang="en-US" altLang="ko-KR" sz="2000" dirty="0">
+                <a:solidFill>
+                  <a:schemeClr val="bg1"/>
+                </a:solidFill>
+              </a:rPr>
+              <a:t>2. </a:t>
+            </a:r>
+            <a:r>
+              <a:rPr lang="ko-KR" altLang="en-US" sz="2000" dirty="0">
+                <a:solidFill>
+                  <a:schemeClr val="bg1"/>
+                </a:solidFill>
+              </a:rPr>
+              <a:t>시장성</a:t>
+            </a:r>
+          </a:p>
+        </p:txBody>
+      </p:sp>
+      <p:sp>
+        <p:nvSpPr>
+          <p:cNvPr id="9" name="TextBox 8">
+            <a:extLst>
+              <a:ext uri="{FF2B5EF4-FFF2-40B4-BE49-F238E27FC236}">
+                <a16:creationId xmlns:a16="http://schemas.microsoft.com/office/drawing/2014/main" id="{595F79F1-E0AC-4AE7-BB3A-7ECC29C93DCE}"/>
+              </a:ext>
+            </a:extLst>
+          </p:cNvPr>
+          <p:cNvSpPr txBox="1"/>
+          <p:nvPr/>
+        </p:nvSpPr>
+        <p:spPr>
+          <a:xfrm>
+            <a:off x="387977" y="1003142"/>
+            <a:ext cx="4452373" cy="400110"/>
+          </a:xfrm>
+          <a:prstGeom prst="rect">
+            <a:avLst/>
+          </a:prstGeom>
+          <a:noFill/>
+        </p:spPr>
+        <p:txBody>
+          <a:bodyPr wrap="none" rtlCol="0">
+            <a:spAutoFit/>
+          </a:bodyPr>
+          <a:lstStyle/>
+          <a:p>
+            <a:r>
+              <a:rPr lang="en-US" altLang="ko-KR" sz="2000" dirty="0">
+                <a:solidFill>
+                  <a:schemeClr val="bg1"/>
+                </a:solidFill>
+              </a:rPr>
+              <a:t>2. </a:t>
+            </a:r>
+            <a:r>
+              <a:rPr lang="ko-KR" altLang="en-US" sz="2000" dirty="0">
+                <a:solidFill>
+                  <a:schemeClr val="bg1"/>
+                </a:solidFill>
+              </a:rPr>
+              <a:t>데이터 분석 사이트 </a:t>
+            </a:r>
+            <a:r>
+              <a:rPr lang="en-US" altLang="ko-KR" sz="2000" dirty="0">
+                <a:solidFill>
+                  <a:schemeClr val="bg1"/>
+                </a:solidFill>
+              </a:rPr>
+              <a:t>: SOMETREND</a:t>
+            </a:r>
+            <a:endParaRPr lang="ko-KR" altLang="en-US" sz="2000" dirty="0">
+              <a:solidFill>
+                <a:schemeClr val="bg1"/>
+              </a:solidFill>
+            </a:endParaRPr>
+          </a:p>
+        </p:txBody>
+      </p:sp>
+      <p:sp>
+        <p:nvSpPr>
+          <p:cNvPr id="10" name="TextBox 9">
+            <a:extLst>
+              <a:ext uri="{FF2B5EF4-FFF2-40B4-BE49-F238E27FC236}">
+                <a16:creationId xmlns:a16="http://schemas.microsoft.com/office/drawing/2014/main" id="{B4E9ABA9-F800-42EC-A477-2E14ABA3BD13}"/>
+              </a:ext>
+            </a:extLst>
+          </p:cNvPr>
+          <p:cNvSpPr txBox="1"/>
+          <p:nvPr/>
+        </p:nvSpPr>
+        <p:spPr>
+          <a:xfrm>
+            <a:off x="428267" y="1755139"/>
+            <a:ext cx="3625223" cy="400110"/>
+          </a:xfrm>
+          <a:prstGeom prst="rect">
+            <a:avLst/>
+          </a:prstGeom>
+          <a:noFill/>
+        </p:spPr>
+        <p:txBody>
+          <a:bodyPr wrap="none" rtlCol="0">
+            <a:spAutoFit/>
+          </a:bodyPr>
+          <a:lstStyle/>
+          <a:p>
+            <a:r>
+              <a:rPr lang="en-US" altLang="ko-KR" sz="2000" dirty="0">
+                <a:solidFill>
+                  <a:schemeClr val="bg1"/>
+                </a:solidFill>
+              </a:rPr>
+              <a:t>SOMETREND </a:t>
+            </a:r>
+            <a:r>
+              <a:rPr lang="ko-KR" altLang="en-US" sz="2000" dirty="0">
+                <a:solidFill>
+                  <a:schemeClr val="bg1"/>
+                </a:solidFill>
+              </a:rPr>
+              <a:t>와의 차별점은</a:t>
+            </a:r>
+            <a:r>
+              <a:rPr lang="en-US" altLang="ko-KR" sz="2000" dirty="0">
+                <a:solidFill>
+                  <a:schemeClr val="bg1"/>
+                </a:solidFill>
+              </a:rPr>
+              <a:t>? </a:t>
+            </a:r>
+            <a:endParaRPr lang="ko-KR" altLang="en-US" sz="2000" dirty="0">
+              <a:solidFill>
+                <a:schemeClr val="bg1"/>
+              </a:solidFill>
+            </a:endParaRPr>
+          </a:p>
+        </p:txBody>
+      </p:sp>
+      <p:sp>
+        <p:nvSpPr>
+          <p:cNvPr id="2" name="화살표: 오른쪽 1">
+            <a:extLst>
+              <a:ext uri="{FF2B5EF4-FFF2-40B4-BE49-F238E27FC236}">
+                <a16:creationId xmlns:a16="http://schemas.microsoft.com/office/drawing/2014/main" id="{3D30CE61-3283-4B1A-9B32-F93E4C9DFAE1}"/>
+              </a:ext>
+            </a:extLst>
+          </p:cNvPr>
+          <p:cNvSpPr/>
+          <p:nvPr/>
+        </p:nvSpPr>
+        <p:spPr>
+          <a:xfrm>
+            <a:off x="4815258" y="2155249"/>
+            <a:ext cx="2774731" cy="3200400"/>
+          </a:xfrm>
+          <a:prstGeom prst="rightArrow">
+            <a:avLst/>
+          </a:prstGeom>
+          <a:gradFill flip="none" rotWithShape="1">
+            <a:gsLst>
+              <a:gs pos="0">
+                <a:schemeClr val="accent2">
+                  <a:lumMod val="67000"/>
+                </a:schemeClr>
+              </a:gs>
+              <a:gs pos="48000">
+                <a:schemeClr val="accent2">
+                  <a:lumMod val="97000"/>
+                  <a:lumOff val="3000"/>
+                </a:schemeClr>
+              </a:gs>
+              <a:gs pos="100000">
+                <a:schemeClr val="accent2">
+                  <a:lumMod val="60000"/>
+                  <a:lumOff val="40000"/>
+                </a:schemeClr>
+              </a:gs>
+            </a:gsLst>
+            <a:lin ang="16200000" scaled="1"/>
+            <a:tileRect/>
+          </a:gradFill>
+          <a:ln>
+            <a:noFill/>
+          </a:ln>
+        </p:spPr>
+        <p:style>
+          <a:lnRef idx="0">
+            <a:scrgbClr r="0" g="0" b="0"/>
+          </a:lnRef>
+          <a:fillRef idx="0">
+            <a:scrgbClr r="0" g="0" b="0"/>
+          </a:fillRef>
+          <a:effectRef idx="0">
+            <a:scrgbClr r="0" g="0" b="0"/>
+          </a:effectRef>
+          <a:fontRef idx="minor">
+            <a:schemeClr val="lt1"/>
+          </a:fontRef>
+        </p:style>
+        <p:txBody>
+          <a:bodyPr rtlCol="0" anchor="ctr"/>
+          <a:lstStyle/>
+          <a:p>
+            <a:pPr algn="ctr"/>
+            <a:endParaRPr lang="ko-KR" altLang="en-US"/>
+          </a:p>
+        </p:txBody>
+      </p:sp>
+      <p:sp>
+        <p:nvSpPr>
+          <p:cNvPr id="11" name="TextBox 10">
+            <a:extLst>
+              <a:ext uri="{FF2B5EF4-FFF2-40B4-BE49-F238E27FC236}">
+                <a16:creationId xmlns:a16="http://schemas.microsoft.com/office/drawing/2014/main" id="{6552E8D1-5DEA-4680-8EF3-82D43EF8E6F3}"/>
+              </a:ext>
+            </a:extLst>
+          </p:cNvPr>
+          <p:cNvSpPr txBox="1"/>
+          <p:nvPr/>
+        </p:nvSpPr>
+        <p:spPr>
+          <a:xfrm>
+            <a:off x="7865233" y="2970619"/>
+            <a:ext cx="3726116" cy="1569660"/>
+          </a:xfrm>
+          <a:prstGeom prst="rect">
+            <a:avLst/>
+          </a:prstGeom>
+          <a:noFill/>
+        </p:spPr>
+        <p:txBody>
+          <a:bodyPr wrap="square" rtlCol="0">
+            <a:spAutoFit/>
+          </a:bodyPr>
+          <a:lstStyle/>
+          <a:p>
+            <a:pPr marL="285750" indent="-285750">
+              <a:buFontTx/>
+              <a:buChar char="-"/>
+            </a:pPr>
+            <a:r>
+              <a:rPr lang="ko-KR" altLang="en-US" sz="2400" dirty="0">
+                <a:solidFill>
+                  <a:schemeClr val="bg1"/>
+                </a:solidFill>
+                <a:latin typeface="+mj-ea"/>
+              </a:rPr>
+              <a:t>정보의 간단한 </a:t>
+            </a:r>
+            <a:r>
+              <a:rPr lang="ko-KR" altLang="en-US" sz="2400" dirty="0">
+                <a:solidFill>
+                  <a:srgbClr val="FF0000"/>
+                </a:solidFill>
+                <a:latin typeface="+mj-ea"/>
+              </a:rPr>
+              <a:t>요약</a:t>
+            </a:r>
+            <a:r>
+              <a:rPr lang="ko-KR" altLang="en-US" sz="2400" dirty="0">
+                <a:solidFill>
+                  <a:schemeClr val="bg1"/>
+                </a:solidFill>
+                <a:latin typeface="+mj-ea"/>
+              </a:rPr>
+              <a:t>과 </a:t>
+            </a:r>
+            <a:r>
+              <a:rPr lang="ko-KR" altLang="en-US" sz="2400" dirty="0">
+                <a:solidFill>
+                  <a:srgbClr val="FF0000"/>
+                </a:solidFill>
+                <a:latin typeface="+mj-ea"/>
+              </a:rPr>
+              <a:t>시각화</a:t>
+            </a:r>
+            <a:r>
+              <a:rPr lang="ko-KR" altLang="en-US" sz="2400" dirty="0">
+                <a:solidFill>
+                  <a:schemeClr val="bg1"/>
+                </a:solidFill>
+                <a:latin typeface="+mj-ea"/>
+              </a:rPr>
+              <a:t>로 빠르게 유저가 원하는 정보를 제공 해줄 수 있다</a:t>
+            </a:r>
+            <a:r>
+              <a:rPr lang="en-US" altLang="ko-KR" sz="2400" dirty="0">
+                <a:solidFill>
+                  <a:schemeClr val="bg1"/>
+                </a:solidFill>
+                <a:latin typeface="+mj-ea"/>
+              </a:rPr>
+              <a:t>.</a:t>
+            </a:r>
+            <a:endParaRPr lang="ko-KR" altLang="en-US" sz="2400" dirty="0">
+              <a:solidFill>
+                <a:schemeClr val="bg1"/>
+              </a:solidFill>
+              <a:latin typeface="+mj-ea"/>
+            </a:endParaRPr>
+          </a:p>
+        </p:txBody>
+      </p:sp>
+      <p:sp>
+        <p:nvSpPr>
+          <p:cNvPr id="12" name="TextBox 11">
+            <a:extLst>
+              <a:ext uri="{FF2B5EF4-FFF2-40B4-BE49-F238E27FC236}">
+                <a16:creationId xmlns:a16="http://schemas.microsoft.com/office/drawing/2014/main" id="{A130B82B-BFE7-4B60-A977-34B4E14DB4F6}"/>
+              </a:ext>
+            </a:extLst>
+          </p:cNvPr>
+          <p:cNvSpPr txBox="1"/>
+          <p:nvPr/>
+        </p:nvSpPr>
+        <p:spPr>
+          <a:xfrm>
+            <a:off x="8351757" y="1760306"/>
+            <a:ext cx="2396810" cy="400110"/>
+          </a:xfrm>
+          <a:prstGeom prst="rect">
+            <a:avLst/>
+          </a:prstGeom>
+          <a:noFill/>
+        </p:spPr>
+        <p:txBody>
+          <a:bodyPr wrap="none" rtlCol="0">
+            <a:spAutoFit/>
+          </a:bodyPr>
+          <a:lstStyle/>
+          <a:p>
+            <a:r>
+              <a:rPr lang="en-US" altLang="ko-KR" sz="2000" dirty="0">
+                <a:solidFill>
+                  <a:schemeClr val="bg1"/>
+                </a:solidFill>
+              </a:rPr>
+              <a:t>‘</a:t>
+            </a:r>
+            <a:r>
+              <a:rPr lang="ko-KR" altLang="en-US" sz="2000" dirty="0">
+                <a:solidFill>
+                  <a:schemeClr val="bg1"/>
+                </a:solidFill>
+              </a:rPr>
+              <a:t>묻고 위키로 가</a:t>
+            </a:r>
+            <a:r>
+              <a:rPr lang="en-US" altLang="ko-KR" sz="2000" dirty="0">
+                <a:solidFill>
+                  <a:schemeClr val="bg1"/>
+                </a:solidFill>
+              </a:rPr>
+              <a:t>’</a:t>
+            </a:r>
+            <a:r>
+              <a:rPr lang="ko-KR" altLang="en-US" sz="2000" dirty="0">
+                <a:solidFill>
+                  <a:schemeClr val="bg1"/>
+                </a:solidFill>
+              </a:rPr>
+              <a:t>는</a:t>
+            </a:r>
+            <a:r>
+              <a:rPr lang="en-US" altLang="ko-KR" sz="2000" dirty="0">
+                <a:solidFill>
+                  <a:schemeClr val="bg1"/>
+                </a:solidFill>
+              </a:rPr>
+              <a:t>?</a:t>
+            </a:r>
+            <a:endParaRPr lang="ko-KR" altLang="en-US" sz="2000" dirty="0">
+              <a:solidFill>
+                <a:schemeClr val="bg1"/>
+              </a:solidFill>
+            </a:endParaRPr>
+          </a:p>
+        </p:txBody>
+      </p:sp>
+      <p:sp>
+        <p:nvSpPr>
+          <p:cNvPr id="13" name="TextBox 12">
+            <a:extLst>
+              <a:ext uri="{FF2B5EF4-FFF2-40B4-BE49-F238E27FC236}">
+                <a16:creationId xmlns:a16="http://schemas.microsoft.com/office/drawing/2014/main" id="{A3D6EE2E-B5E4-4BF2-821A-EDD417850458}"/>
+              </a:ext>
+            </a:extLst>
+          </p:cNvPr>
+          <p:cNvSpPr txBox="1"/>
+          <p:nvPr/>
+        </p:nvSpPr>
+        <p:spPr>
+          <a:xfrm>
+            <a:off x="273728" y="4144801"/>
+            <a:ext cx="5685633" cy="1938992"/>
+          </a:xfrm>
+          <a:prstGeom prst="rect">
+            <a:avLst/>
+          </a:prstGeom>
+          <a:noFill/>
+        </p:spPr>
+        <p:txBody>
+          <a:bodyPr wrap="square" rtlCol="0">
+            <a:spAutoFit/>
+          </a:bodyPr>
+          <a:lstStyle/>
+          <a:p>
+            <a:pPr marL="285750" indent="-285750">
+              <a:buFontTx/>
+              <a:buChar char="-"/>
+            </a:pPr>
+            <a:endParaRPr lang="en-US" altLang="ko-KR" sz="2400" dirty="0">
+              <a:solidFill>
+                <a:schemeClr val="bg1"/>
+              </a:solidFill>
+              <a:latin typeface="+mj-ea"/>
+            </a:endParaRPr>
+          </a:p>
+          <a:p>
+            <a:pPr marL="285750" indent="-285750">
+              <a:buFontTx/>
+              <a:buChar char="-"/>
+            </a:pPr>
+            <a:r>
+              <a:rPr lang="ko-KR" altLang="en-US" sz="2400" dirty="0">
+                <a:solidFill>
+                  <a:schemeClr val="bg1"/>
+                </a:solidFill>
+                <a:latin typeface="+mj-ea"/>
+              </a:rPr>
+              <a:t>많은 </a:t>
+            </a:r>
+            <a:r>
+              <a:rPr lang="ko-KR" altLang="en-US" sz="2400" dirty="0" err="1">
+                <a:solidFill>
+                  <a:schemeClr val="bg1"/>
+                </a:solidFill>
+                <a:latin typeface="+mj-ea"/>
+              </a:rPr>
+              <a:t>검색량을</a:t>
+            </a:r>
+            <a:r>
+              <a:rPr lang="ko-KR" altLang="en-US" sz="2400" dirty="0">
+                <a:solidFill>
+                  <a:schemeClr val="bg1"/>
+                </a:solidFill>
+                <a:latin typeface="+mj-ea"/>
+              </a:rPr>
+              <a:t> 다루기 때문에 서비스 </a:t>
+            </a:r>
+            <a:r>
+              <a:rPr lang="ko-KR" altLang="en-US" sz="2400" dirty="0">
+                <a:solidFill>
+                  <a:srgbClr val="FF0000"/>
+                </a:solidFill>
+                <a:latin typeface="+mj-ea"/>
+              </a:rPr>
+              <a:t>로딩 시간이 매우 길며</a:t>
+            </a:r>
+            <a:r>
+              <a:rPr lang="ko-KR" altLang="en-US" sz="2400" dirty="0">
+                <a:solidFill>
+                  <a:schemeClr val="bg1"/>
+                </a:solidFill>
+                <a:latin typeface="+mj-ea"/>
+              </a:rPr>
+              <a:t> 간단한 정보의 시각화 보다는 자세한 분석에 초점을 맞췄다</a:t>
+            </a:r>
+            <a:r>
+              <a:rPr lang="en-US" altLang="ko-KR" sz="2400" dirty="0">
+                <a:solidFill>
+                  <a:schemeClr val="bg1"/>
+                </a:solidFill>
+                <a:latin typeface="+mj-ea"/>
+              </a:rPr>
+              <a:t>.</a:t>
+            </a:r>
+            <a:endParaRPr lang="ko-KR" altLang="en-US" sz="2400" dirty="0">
+              <a:solidFill>
+                <a:schemeClr val="bg1"/>
+              </a:solidFill>
+              <a:latin typeface="+mj-ea"/>
+            </a:endParaRPr>
+          </a:p>
+        </p:txBody>
+      </p:sp>
+    </p:spTree>
+    <p:extLst>
+      <p:ext uri="{BB962C8B-B14F-4D97-AF65-F5344CB8AC3E}">
+        <p14:creationId xmlns:p14="http://schemas.microsoft.com/office/powerpoint/2010/main" val="1998783149"/>
+      </p:ext>
+    </p:extLst>
+  </p:cSld>
+  <p:clrMapOvr>
+    <a:masterClrMapping/>
+  </p:clrMapOvr>
+  <p:timing>
+    <p:tnLst>
+      <p:par>
+        <p:cTn id="1" dur="indefinite" restart="never" nodeType="tmRoot">
+          <p:childTnLst>
+            <p:seq concurrent="1" nextAc="seek">
+              <p:cTn id="2" dur="indefinite" nodeType="mainSeq">
+                <p:childTnLst>
+                  <p:par>
+                    <p:cTn id="3" fill="hold">
+                      <p:stCondLst>
+                        <p:cond delay="indefinite"/>
+                      </p:stCondLst>
+                      <p:childTnLst>
+                        <p:par>
+                          <p:cTn id="4" fill="hold">
+                            <p:stCondLst>
+                              <p:cond delay="0"/>
+                            </p:stCondLst>
+                            <p:childTnLst>
+                              <p:par>
+                                <p:cTn id="5" presetID="10" presetClass="entr" presetSubtype="0" fill="hold" grpId="0" nodeType="clickEffect">
+                                  <p:stCondLst>
+                                    <p:cond delay="0"/>
+                                  </p:stCondLst>
+                                  <p:childTnLst>
+                                    <p:set>
+                                      <p:cBhvr>
+                                        <p:cTn id="6" dur="1" fill="hold">
+                                          <p:stCondLst>
+                                            <p:cond delay="0"/>
+                                          </p:stCondLst>
+                                        </p:cTn>
+                                        <p:tgtEl>
+                                          <p:spTgt spid="29"/>
+                                        </p:tgtEl>
+                                        <p:attrNameLst>
+                                          <p:attrName>style.visibility</p:attrName>
+                                        </p:attrNameLst>
+                                      </p:cBhvr>
+                                      <p:to>
+                                        <p:strVal val="visible"/>
+                                      </p:to>
+                                    </p:set>
+                                    <p:animEffect transition="in" filter="fade">
+                                      <p:cBhvr>
+                                        <p:cTn id="7" dur="500"/>
+                                        <p:tgtEl>
+                                          <p:spTgt spid="29"/>
+                                        </p:tgtEl>
+                                      </p:cBhvr>
+                                    </p:animEffect>
+                                  </p:childTnLst>
+                                </p:cTn>
+                              </p:par>
+                            </p:childTnLst>
+                          </p:cTn>
+                        </p:par>
+                      </p:childTnLst>
+                    </p:cTn>
+                  </p:par>
+                  <p:par>
+                    <p:cTn id="8" fill="hold">
+                      <p:stCondLst>
+                        <p:cond delay="indefinite"/>
+                      </p:stCondLst>
+                      <p:childTnLst>
+                        <p:par>
+                          <p:cTn id="9" fill="hold">
+                            <p:stCondLst>
+                              <p:cond delay="0"/>
+                            </p:stCondLst>
+                            <p:childTnLst>
+                              <p:par>
+                                <p:cTn id="10" presetID="10" presetClass="entr" presetSubtype="0" fill="hold" grpId="0" nodeType="clickEffect">
+                                  <p:stCondLst>
+                                    <p:cond delay="0"/>
+                                  </p:stCondLst>
+                                  <p:childTnLst>
+                                    <p:set>
+                                      <p:cBhvr>
+                                        <p:cTn id="11" dur="1" fill="hold">
+                                          <p:stCondLst>
+                                            <p:cond delay="0"/>
+                                          </p:stCondLst>
+                                        </p:cTn>
+                                        <p:tgtEl>
+                                          <p:spTgt spid="13"/>
+                                        </p:tgtEl>
+                                        <p:attrNameLst>
+                                          <p:attrName>style.visibility</p:attrName>
+                                        </p:attrNameLst>
+                                      </p:cBhvr>
+                                      <p:to>
+                                        <p:strVal val="visible"/>
+                                      </p:to>
+                                    </p:set>
+                                    <p:animEffect transition="in" filter="fade">
+                                      <p:cBhvr>
+                                        <p:cTn id="12" dur="500"/>
+                                        <p:tgtEl>
+                                          <p:spTgt spid="13"/>
+                                        </p:tgtEl>
+                                      </p:cBhvr>
+                                    </p:animEffect>
+                                  </p:childTnLst>
+                                </p:cTn>
+                              </p:par>
+                            </p:childTnLst>
+                          </p:cTn>
+                        </p:par>
+                      </p:childTnLst>
+                    </p:cTn>
+                  </p:par>
+                  <p:par>
+                    <p:cTn id="13" fill="hold">
+                      <p:stCondLst>
+                        <p:cond delay="indefinite"/>
+                      </p:stCondLst>
+                      <p:childTnLst>
+                        <p:par>
+                          <p:cTn id="14" fill="hold">
+                            <p:stCondLst>
+                              <p:cond delay="0"/>
+                            </p:stCondLst>
+                            <p:childTnLst>
+                              <p:par>
+                                <p:cTn id="15" presetID="10" presetClass="entr" presetSubtype="0" fill="hold" grpId="0" nodeType="clickEffect">
+                                  <p:stCondLst>
+                                    <p:cond delay="0"/>
+                                  </p:stCondLst>
+                                  <p:childTnLst>
+                                    <p:set>
+                                      <p:cBhvr>
+                                        <p:cTn id="16" dur="1" fill="hold">
+                                          <p:stCondLst>
+                                            <p:cond delay="0"/>
+                                          </p:stCondLst>
+                                        </p:cTn>
+                                        <p:tgtEl>
+                                          <p:spTgt spid="2"/>
+                                        </p:tgtEl>
+                                        <p:attrNameLst>
+                                          <p:attrName>style.visibility</p:attrName>
+                                        </p:attrNameLst>
+                                      </p:cBhvr>
+                                      <p:to>
+                                        <p:strVal val="visible"/>
+                                      </p:to>
+                                    </p:set>
+                                    <p:animEffect transition="in" filter="fade">
+                                      <p:cBhvr>
+                                        <p:cTn id="17" dur="500"/>
+                                        <p:tgtEl>
+                                          <p:spTgt spid="2"/>
+                                        </p:tgtEl>
+                                      </p:cBhvr>
+                                    </p:animEffect>
+                                  </p:childTnLst>
+                                </p:cTn>
+                              </p:par>
+                            </p:childTnLst>
+                          </p:cTn>
+                        </p:par>
+                      </p:childTnLst>
+                    </p:cTn>
+                  </p:par>
+                  <p:par>
+                    <p:cTn id="18" fill="hold">
+                      <p:stCondLst>
+                        <p:cond delay="indefinite"/>
+                      </p:stCondLst>
+                      <p:childTnLst>
+                        <p:par>
+                          <p:cTn id="19" fill="hold">
+                            <p:stCondLst>
+                              <p:cond delay="0"/>
+                            </p:stCondLst>
+                            <p:childTnLst>
+                              <p:par>
+                                <p:cTn id="20" presetID="10" presetClass="entr" presetSubtype="0" fill="hold" grpId="0" nodeType="clickEffect">
+                                  <p:stCondLst>
+                                    <p:cond delay="0"/>
+                                  </p:stCondLst>
+                                  <p:childTnLst>
+                                    <p:set>
+                                      <p:cBhvr>
+                                        <p:cTn id="21" dur="1" fill="hold">
+                                          <p:stCondLst>
+                                            <p:cond delay="0"/>
+                                          </p:stCondLst>
+                                        </p:cTn>
+                                        <p:tgtEl>
+                                          <p:spTgt spid="12"/>
+                                        </p:tgtEl>
+                                        <p:attrNameLst>
+                                          <p:attrName>style.visibility</p:attrName>
+                                        </p:attrNameLst>
+                                      </p:cBhvr>
+                                      <p:to>
+                                        <p:strVal val="visible"/>
+                                      </p:to>
+                                    </p:set>
+                                    <p:animEffect transition="in" filter="fade">
+                                      <p:cBhvr>
+                                        <p:cTn id="22" dur="500"/>
+                                        <p:tgtEl>
+                                          <p:spTgt spid="12"/>
+                                        </p:tgtEl>
+                                      </p:cBhvr>
+                                    </p:animEffect>
+                                  </p:childTnLst>
+                                </p:cTn>
+                              </p:par>
+                            </p:childTnLst>
+                          </p:cTn>
+                        </p:par>
+                      </p:childTnLst>
+                    </p:cTn>
+                  </p:par>
+                  <p:par>
+                    <p:cTn id="23" fill="hold">
+                      <p:stCondLst>
+                        <p:cond delay="indefinite"/>
+                      </p:stCondLst>
+                      <p:childTnLst>
+                        <p:par>
+                          <p:cTn id="24" fill="hold">
+                            <p:stCondLst>
+                              <p:cond delay="0"/>
+                            </p:stCondLst>
+                            <p:childTnLst>
+                              <p:par>
+                                <p:cTn id="25" presetID="10" presetClass="entr" presetSubtype="0" fill="hold" grpId="0" nodeType="clickEffect">
+                                  <p:stCondLst>
+                                    <p:cond delay="0"/>
+                                  </p:stCondLst>
+                                  <p:childTnLst>
+                                    <p:set>
+                                      <p:cBhvr>
+                                        <p:cTn id="26" dur="1" fill="hold">
+                                          <p:stCondLst>
+                                            <p:cond delay="0"/>
+                                          </p:stCondLst>
+                                        </p:cTn>
+                                        <p:tgtEl>
+                                          <p:spTgt spid="11"/>
+                                        </p:tgtEl>
+                                        <p:attrNameLst>
+                                          <p:attrName>style.visibility</p:attrName>
+                                        </p:attrNameLst>
+                                      </p:cBhvr>
+                                      <p:to>
+                                        <p:strVal val="visible"/>
+                                      </p:to>
+                                    </p:set>
+                                    <p:animEffect transition="in" filter="fade">
+                                      <p:cBhvr>
+                                        <p:cTn id="27" dur="500"/>
+                                        <p:tgtEl>
+                                          <p:spTgt spid="11"/>
+                                        </p:tgtEl>
+                                      </p:cBhvr>
+                                    </p:animEffect>
+                                  </p:childTnLst>
+                                </p:cTn>
+                              </p:par>
+                            </p:childTnLst>
+                          </p:cTn>
+                        </p:par>
+                      </p:childTnLst>
+                    </p:cTn>
+                  </p:par>
+                </p:childTnLst>
+              </p:cTn>
+              <p:prevCondLst>
+                <p:cond evt="onPrev" delay="0">
+                  <p:tgtEl>
+                    <p:sldTgt/>
+                  </p:tgtEl>
+                </p:cond>
+              </p:prevCondLst>
+              <p:nextCondLst>
+                <p:cond evt="onNext" delay="0">
+                  <p:tgtEl>
+                    <p:sldTgt/>
+                  </p:tgtEl>
+                </p:cond>
+              </p:nextCondLst>
+            </p:seq>
+          </p:childTnLst>
+        </p:cTn>
+      </p:par>
+    </p:tnLst>
+    <p:bldLst>
+      <p:bldP spid="29" grpId="0"/>
+      <p:bldP spid="2" grpId="0" animBg="1"/>
+      <p:bldP spid="11" grpId="0"/>
+      <p:bldP spid="12" grpId="0"/>
+      <p:bldP spid="13" grpId="0"/>
+    </p:bldLst>
+  </p:timing>
+</p:sld>
+</file>
+
+<file path=ppt/slides/slide12.xml><?xml version="1.0" encoding="utf-8"?>
+<p:sld xmlns:a="http://schemas.openxmlformats.org/drawingml/2006/main" xmlns:r="http://schemas.openxmlformats.org/officeDocument/2006/relationships" xmlns:p="http://schemas.openxmlformats.org/presentationml/2006/main">
+  <p:cSld>
+    <p:spTree>
+      <p:nvGrpSpPr>
+        <p:cNvPr id="1" name=""/>
+        <p:cNvGrpSpPr/>
+        <p:nvPr/>
+      </p:nvGrpSpPr>
+      <p:grpSpPr>
+        <a:xfrm>
+          <a:off x="0" y="0"/>
+          <a:ext cx="0" cy="0"/>
+          <a:chOff x="0" y="0"/>
+          <a:chExt cx="0" cy="0"/>
+        </a:xfrm>
+      </p:grpSpPr>
+      <p:sp>
+        <p:nvSpPr>
+          <p:cNvPr id="29" name="TextBox 28"/>
+          <p:cNvSpPr txBox="1"/>
+          <p:nvPr/>
+        </p:nvSpPr>
+        <p:spPr>
+          <a:xfrm>
+            <a:off x="1318481" y="1579879"/>
+            <a:ext cx="9049272" cy="3108543"/>
+          </a:xfrm>
+          <a:prstGeom prst="rect">
+            <a:avLst/>
+          </a:prstGeom>
+          <a:noFill/>
+        </p:spPr>
+        <p:txBody>
+          <a:bodyPr wrap="none" rtlCol="0">
+            <a:spAutoFit/>
+          </a:bodyPr>
+          <a:lstStyle/>
+          <a:p>
+            <a:r>
+              <a:rPr lang="ko-KR" altLang="en-US" sz="2800" dirty="0">
+                <a:solidFill>
+                  <a:schemeClr val="bg1"/>
+                </a:solidFill>
+                <a:latin typeface="+mj-ea"/>
+                <a:ea typeface="+mj-ea"/>
+              </a:rPr>
+              <a:t>정리 </a:t>
+            </a:r>
+            <a:r>
+              <a:rPr lang="en-US" altLang="ko-KR" sz="2800" dirty="0">
+                <a:solidFill>
+                  <a:schemeClr val="bg1"/>
+                </a:solidFill>
+                <a:latin typeface="+mj-ea"/>
+                <a:ea typeface="+mj-ea"/>
+              </a:rPr>
+              <a:t>: </a:t>
+            </a:r>
+          </a:p>
+          <a:p>
+            <a:endParaRPr lang="en-US" altLang="ko-KR" sz="2800" dirty="0">
+              <a:solidFill>
+                <a:schemeClr val="bg1"/>
+              </a:solidFill>
+              <a:latin typeface="+mj-ea"/>
+              <a:ea typeface="+mj-ea"/>
+            </a:endParaRPr>
+          </a:p>
+          <a:p>
+            <a:r>
+              <a:rPr lang="en-US" altLang="ko-KR" sz="2800" dirty="0">
+                <a:solidFill>
+                  <a:schemeClr val="bg1"/>
+                </a:solidFill>
+                <a:latin typeface="+mj-ea"/>
+                <a:ea typeface="+mj-ea"/>
+              </a:rPr>
+              <a:t>‘</a:t>
+            </a:r>
+            <a:r>
+              <a:rPr lang="ko-KR" altLang="en-US" sz="2800" dirty="0">
+                <a:solidFill>
+                  <a:schemeClr val="bg1"/>
+                </a:solidFill>
+                <a:latin typeface="+mj-ea"/>
+                <a:ea typeface="+mj-ea"/>
+              </a:rPr>
+              <a:t>묻고 위키로 가</a:t>
+            </a:r>
+            <a:r>
+              <a:rPr lang="en-US" altLang="ko-KR" sz="2800" dirty="0">
+                <a:solidFill>
+                  <a:schemeClr val="bg1"/>
+                </a:solidFill>
+                <a:latin typeface="+mj-ea"/>
+                <a:ea typeface="+mj-ea"/>
+              </a:rPr>
+              <a:t>’</a:t>
+            </a:r>
+            <a:r>
+              <a:rPr lang="ko-KR" altLang="en-US" sz="2800" dirty="0">
+                <a:solidFill>
+                  <a:schemeClr val="bg1"/>
+                </a:solidFill>
+                <a:latin typeface="+mj-ea"/>
+                <a:ea typeface="+mj-ea"/>
+              </a:rPr>
+              <a:t>는</a:t>
+            </a:r>
+            <a:r>
+              <a:rPr lang="en-US" altLang="ko-KR" sz="2800" dirty="0">
+                <a:solidFill>
+                  <a:schemeClr val="bg1"/>
+                </a:solidFill>
+                <a:latin typeface="+mj-ea"/>
+                <a:ea typeface="+mj-ea"/>
+              </a:rPr>
+              <a:t> </a:t>
+            </a:r>
+            <a:r>
+              <a:rPr lang="ko-KR" altLang="en-US" sz="2800" dirty="0">
+                <a:solidFill>
+                  <a:srgbClr val="FF0000"/>
+                </a:solidFill>
+                <a:latin typeface="+mj-ea"/>
+                <a:ea typeface="+mj-ea"/>
+              </a:rPr>
+              <a:t>데이터의 양</a:t>
+            </a:r>
+            <a:r>
+              <a:rPr lang="ko-KR" altLang="en-US" sz="2800" dirty="0">
+                <a:solidFill>
+                  <a:schemeClr val="bg1"/>
+                </a:solidFill>
+                <a:latin typeface="+mj-ea"/>
+                <a:ea typeface="+mj-ea"/>
+              </a:rPr>
+              <a:t>과 상관 없이</a:t>
+            </a:r>
+            <a:endParaRPr lang="en-US" altLang="ko-KR" sz="2800" dirty="0">
+              <a:solidFill>
+                <a:schemeClr val="bg1"/>
+              </a:solidFill>
+              <a:latin typeface="+mj-ea"/>
+              <a:ea typeface="+mj-ea"/>
+            </a:endParaRPr>
+          </a:p>
+          <a:p>
+            <a:endParaRPr lang="en-US" altLang="ko-KR" sz="2800" dirty="0">
+              <a:solidFill>
+                <a:schemeClr val="bg1"/>
+              </a:solidFill>
+              <a:latin typeface="+mj-ea"/>
+              <a:ea typeface="+mj-ea"/>
+            </a:endParaRPr>
+          </a:p>
+          <a:p>
+            <a:r>
+              <a:rPr lang="ko-KR" altLang="en-US" sz="2800" dirty="0">
+                <a:solidFill>
+                  <a:schemeClr val="bg1"/>
+                </a:solidFill>
+                <a:latin typeface="+mj-ea"/>
+                <a:ea typeface="+mj-ea"/>
+              </a:rPr>
+              <a:t>해당 키워드에 대한 정보를 요약하고 분석하여</a:t>
+            </a:r>
+            <a:endParaRPr lang="en-US" altLang="ko-KR" sz="2800" dirty="0">
+              <a:solidFill>
+                <a:schemeClr val="bg1"/>
+              </a:solidFill>
+              <a:latin typeface="+mj-ea"/>
+              <a:ea typeface="+mj-ea"/>
+            </a:endParaRPr>
+          </a:p>
+          <a:p>
+            <a:endParaRPr lang="en-US" altLang="ko-KR" sz="2800" dirty="0">
+              <a:solidFill>
+                <a:schemeClr val="bg1"/>
+              </a:solidFill>
+              <a:latin typeface="+mj-ea"/>
+              <a:ea typeface="+mj-ea"/>
+            </a:endParaRPr>
+          </a:p>
+          <a:p>
+            <a:r>
+              <a:rPr lang="ko-KR" altLang="en-US" sz="2800" dirty="0">
+                <a:solidFill>
+                  <a:schemeClr val="bg1"/>
+                </a:solidFill>
+                <a:latin typeface="+mj-ea"/>
+                <a:ea typeface="+mj-ea"/>
+              </a:rPr>
+              <a:t>보다 </a:t>
+            </a:r>
+            <a:r>
+              <a:rPr lang="ko-KR" altLang="en-US" sz="2800" dirty="0">
+                <a:solidFill>
+                  <a:srgbClr val="FF0000"/>
+                </a:solidFill>
+                <a:latin typeface="+mj-ea"/>
+                <a:ea typeface="+mj-ea"/>
+              </a:rPr>
+              <a:t>간단하게</a:t>
+            </a:r>
+            <a:r>
+              <a:rPr lang="ko-KR" altLang="en-US" sz="2800" dirty="0">
+                <a:solidFill>
+                  <a:schemeClr val="bg1"/>
+                </a:solidFill>
+                <a:latin typeface="+mj-ea"/>
+                <a:ea typeface="+mj-ea"/>
+              </a:rPr>
+              <a:t> 유저에게 </a:t>
+            </a:r>
+            <a:r>
+              <a:rPr lang="ko-KR" altLang="en-US" sz="2800" dirty="0">
+                <a:solidFill>
+                  <a:srgbClr val="FF0000"/>
+                </a:solidFill>
+                <a:latin typeface="+mj-ea"/>
+                <a:ea typeface="+mj-ea"/>
+              </a:rPr>
+              <a:t>분석 정보를 제공</a:t>
+            </a:r>
+            <a:r>
+              <a:rPr lang="ko-KR" altLang="en-US" sz="2800" dirty="0">
+                <a:solidFill>
+                  <a:schemeClr val="bg1"/>
+                </a:solidFill>
+                <a:latin typeface="+mj-ea"/>
+                <a:ea typeface="+mj-ea"/>
+              </a:rPr>
+              <a:t>해줄 수 있다</a:t>
+            </a:r>
+            <a:r>
+              <a:rPr lang="en-US" altLang="ko-KR" sz="2800" dirty="0">
+                <a:solidFill>
+                  <a:schemeClr val="bg1"/>
+                </a:solidFill>
+                <a:latin typeface="+mj-ea"/>
+                <a:ea typeface="+mj-ea"/>
+              </a:rPr>
+              <a:t>.</a:t>
+            </a:r>
+            <a:endParaRPr lang="ko-KR" altLang="en-US" sz="2800" dirty="0">
+              <a:solidFill>
+                <a:schemeClr val="bg1"/>
+              </a:solidFill>
+              <a:latin typeface="+mj-ea"/>
+              <a:ea typeface="+mj-ea"/>
+            </a:endParaRPr>
+          </a:p>
+        </p:txBody>
+      </p:sp>
+      <p:sp>
+        <p:nvSpPr>
+          <p:cNvPr id="8" name="TextBox 7"/>
+          <p:cNvSpPr txBox="1"/>
+          <p:nvPr/>
+        </p:nvSpPr>
+        <p:spPr>
+          <a:xfrm>
+            <a:off x="1550740" y="380546"/>
+            <a:ext cx="1241045" cy="400110"/>
+          </a:xfrm>
+          <a:prstGeom prst="rect">
+            <a:avLst/>
+          </a:prstGeom>
+          <a:noFill/>
+        </p:spPr>
+        <p:txBody>
+          <a:bodyPr wrap="none" rtlCol="0">
+            <a:spAutoFit/>
+          </a:bodyPr>
+          <a:lstStyle/>
+          <a:p>
+            <a:r>
+              <a:rPr lang="en-US" altLang="ko-KR" sz="2000" dirty="0">
+                <a:solidFill>
+                  <a:schemeClr val="bg1"/>
+                </a:solidFill>
+              </a:rPr>
+              <a:t>2. </a:t>
+            </a:r>
+            <a:r>
+              <a:rPr lang="ko-KR" altLang="en-US" sz="2000" dirty="0">
+                <a:solidFill>
+                  <a:schemeClr val="bg1"/>
+                </a:solidFill>
+              </a:rPr>
+              <a:t>시장성</a:t>
+            </a:r>
+          </a:p>
+        </p:txBody>
+      </p:sp>
+    </p:spTree>
+    <p:extLst>
+      <p:ext uri="{BB962C8B-B14F-4D97-AF65-F5344CB8AC3E}">
+        <p14:creationId xmlns:p14="http://schemas.microsoft.com/office/powerpoint/2010/main" val="2681597019"/>
+      </p:ext>
+    </p:extLst>
+  </p:cSld>
+  <p:clrMapOvr>
+    <a:masterClrMapping/>
+  </p:clrMapOvr>
+</p:sld>
+</file>
+
+<file path=ppt/slides/slide13.xml><?xml version="1.0" encoding="utf-8"?>
 <p:sld xmlns:a="http://schemas.openxmlformats.org/drawingml/2006/main" xmlns:r="http://schemas.openxmlformats.org/officeDocument/2006/relationships" xmlns:p="http://schemas.openxmlformats.org/presentationml/2006/main">
   <p:cSld>
     <p:spTree>
@@ -3931,7 +5734,7 @@
         </p:blipFill>
         <p:spPr>
           <a:xfrm>
-            <a:off x="0" y="0"/>
+            <a:off x="-14514" y="0"/>
             <a:ext cx="12192000" cy="6858000"/>
           </a:xfrm>
           <a:prstGeom prst="rect">
@@ -3982,7 +5785,7 @@
           <a:p>
             <a:pPr algn="ctr"/>
             <a:r>
-              <a:rPr lang="en-US" altLang="ko-KR" sz="3600" dirty="0" smtClean="0">
+              <a:rPr lang="en-US" altLang="ko-KR" sz="3600" dirty="0">
                 <a:solidFill>
                   <a:schemeClr val="bg1"/>
                 </a:solidFill>
@@ -3990,7 +5793,7 @@
               <a:t>3. </a:t>
             </a:r>
             <a:r>
-              <a:rPr lang="ko-KR" altLang="en-US" sz="3600" dirty="0" smtClean="0">
+              <a:rPr lang="ko-KR" altLang="en-US" sz="3600" dirty="0">
                 <a:solidFill>
                   <a:schemeClr val="bg1"/>
                 </a:solidFill>
@@ -4048,7 +5851,7 @@
           <a:p>
             <a:pPr algn="ctr"/>
             <a:r>
-              <a:rPr lang="en-US" altLang="ko-KR" sz="1800" dirty="0" smtClean="0">
+              <a:rPr lang="en-US" altLang="ko-KR" sz="1800" dirty="0">
                 <a:solidFill>
                   <a:schemeClr val="bg1"/>
                 </a:solidFill>
@@ -4061,18 +5864,10 @@
                   <a:schemeClr val="bg1"/>
                 </a:solidFill>
               </a:rPr>
-              <a:t>데이터 수집 및 </a:t>
-            </a:r>
-            <a:r>
-              <a:rPr lang="ko-KR" altLang="en-US" sz="1800" dirty="0" smtClean="0">
-                <a:solidFill>
-                  <a:schemeClr val="bg1"/>
-                </a:solidFill>
-              </a:rPr>
-              <a:t>전처리</a:t>
-            </a:r>
-            <a:r>
-              <a:rPr lang="en-US" altLang="ko-KR" sz="1800" dirty="0" smtClean="0">
+              <a:t>데이터 수집 및 전처리</a:t>
+            </a:r>
+            <a:r>
+              <a:rPr lang="en-US" altLang="ko-KR" sz="1800" dirty="0">
                 <a:solidFill>
                   <a:schemeClr val="bg1"/>
                 </a:solidFill>
@@ -4092,7 +5887,7 @@
         </p:nvSpPr>
         <p:spPr>
           <a:xfrm>
-            <a:off x="4581280" y="3962400"/>
+            <a:off x="4508710" y="3962400"/>
             <a:ext cx="3089520" cy="889000"/>
           </a:xfrm>
           <a:prstGeom prst="rect">
@@ -4125,7 +5920,7 @@
           <a:p>
             <a:pPr algn="ctr"/>
             <a:r>
-              <a:rPr lang="ko-KR" altLang="en-US" sz="1800" dirty="0" smtClean="0">
+              <a:rPr lang="ko-KR" altLang="en-US" sz="1800" dirty="0">
                 <a:solidFill>
                   <a:schemeClr val="bg1"/>
                 </a:solidFill>
@@ -4133,7 +5928,7 @@
               <a:t> </a:t>
             </a:r>
             <a:r>
-              <a:rPr lang="en-US" altLang="ko-KR" sz="1800" dirty="0" smtClean="0">
+              <a:rPr lang="en-US" altLang="ko-KR" sz="1800" dirty="0">
                 <a:solidFill>
                   <a:schemeClr val="bg1"/>
                 </a:solidFill>
@@ -4141,7 +5936,7 @@
               <a:t>- </a:t>
             </a:r>
             <a:r>
-              <a:rPr lang="ko-KR" altLang="en-US" sz="1800" dirty="0" smtClean="0">
+              <a:rPr lang="ko-KR" altLang="en-US" sz="1800" dirty="0">
                 <a:solidFill>
                   <a:schemeClr val="bg1"/>
                 </a:solidFill>
@@ -4149,7 +5944,7 @@
               <a:t>데이터 분석 </a:t>
             </a:r>
             <a:r>
-              <a:rPr lang="en-US" altLang="ko-KR" sz="1800" dirty="0" smtClean="0">
+              <a:rPr lang="en-US" altLang="ko-KR" sz="1800" dirty="0">
                 <a:solidFill>
                   <a:schemeClr val="bg1"/>
                 </a:solidFill>
@@ -4174,7 +5969,7 @@
         </p:nvSpPr>
         <p:spPr>
           <a:xfrm>
-            <a:off x="4581280" y="4559300"/>
+            <a:off x="4552252" y="4559300"/>
             <a:ext cx="3089520" cy="889000"/>
           </a:xfrm>
           <a:prstGeom prst="rect">
@@ -4207,7 +6002,7 @@
           <a:p>
             <a:pPr algn="ctr"/>
             <a:r>
-              <a:rPr lang="ko-KR" altLang="en-US" sz="1800" dirty="0" smtClean="0">
+              <a:rPr lang="ko-KR" altLang="en-US" sz="1800" dirty="0">
                 <a:solidFill>
                   <a:schemeClr val="bg1"/>
                 </a:solidFill>
@@ -4215,7 +6010,7 @@
               <a:t> </a:t>
             </a:r>
             <a:r>
-              <a:rPr lang="en-US" altLang="ko-KR" sz="1800" dirty="0" smtClean="0">
+              <a:rPr lang="en-US" altLang="ko-KR" sz="1800" dirty="0">
                 <a:solidFill>
                   <a:schemeClr val="bg1"/>
                 </a:solidFill>
@@ -4228,18 +6023,10 @@
                   <a:schemeClr val="bg1"/>
                 </a:solidFill>
               </a:rPr>
-              <a:t>화면설계</a:t>
-            </a:r>
-            <a:r>
-              <a:rPr lang="ko-KR" altLang="en-US" sz="1800" dirty="0" smtClean="0">
-                <a:solidFill>
-                  <a:schemeClr val="bg1"/>
-                </a:solidFill>
-              </a:rPr>
-              <a:t> </a:t>
-            </a:r>
-            <a:r>
-              <a:rPr lang="en-US" altLang="ko-KR" sz="1800" dirty="0" smtClean="0">
+              <a:t>기초 화면 설계 </a:t>
+            </a:r>
+            <a:r>
+              <a:rPr lang="en-US" altLang="ko-KR" sz="1800" dirty="0">
                 <a:solidFill>
                   <a:schemeClr val="bg1"/>
                 </a:solidFill>
@@ -4296,7 +6083,7 @@
 </p:sld>
 </file>
 
-<file path=ppt/slides/slide11.xml><?xml version="1.0" encoding="utf-8"?>
+<file path=ppt/slides/slide14.xml><?xml version="1.0" encoding="utf-8"?>
 <p:sld xmlns:a="http://schemas.openxmlformats.org/drawingml/2006/main" xmlns:r="http://schemas.openxmlformats.org/officeDocument/2006/relationships" xmlns:p="http://schemas.openxmlformats.org/presentationml/2006/main">
   <p:cSld>
     <p:spTree>
@@ -4313,51 +6100,6 @@
           <a:chExt cx="0" cy="0"/>
         </a:xfrm>
       </p:grpSpPr>
-      <p:sp>
-        <p:nvSpPr>
-          <p:cNvPr id="28" name="TextBox 27"/>
-          <p:cNvSpPr txBox="1"/>
-          <p:nvPr/>
-        </p:nvSpPr>
-        <p:spPr>
-          <a:xfrm>
-            <a:off x="11591349" y="90393"/>
-            <a:ext cx="543739" cy="276999"/>
-          </a:xfrm>
-          <a:prstGeom prst="rect">
-            <a:avLst/>
-          </a:prstGeom>
-          <a:noFill/>
-        </p:spPr>
-        <p:txBody>
-          <a:bodyPr wrap="none" rtlCol="0">
-            <a:spAutoFit/>
-          </a:bodyPr>
-          <a:lstStyle/>
-          <a:p>
-            <a:pPr algn="r"/>
-            <a:r>
-              <a:rPr lang="en-US" altLang="ko-KR" sz="1200" dirty="0" smtClean="0">
-                <a:solidFill>
-                  <a:schemeClr val="tx1">
-                    <a:lumMod val="50000"/>
-                    <a:lumOff val="50000"/>
-                  </a:schemeClr>
-                </a:solidFill>
-              </a:rPr>
-              <a:t>TITLE</a:t>
-            </a:r>
-            <a:endParaRPr lang="ko-KR" altLang="en-US" sz="1200" dirty="0">
-              <a:solidFill>
-                <a:schemeClr val="tx1">
-                  <a:lumMod val="50000"/>
-                  <a:lumOff val="50000"/>
-                </a:schemeClr>
-              </a:solidFill>
-            </a:endParaRPr>
-          </a:p>
-        </p:txBody>
-      </p:sp>
       <p:sp>
         <p:nvSpPr>
           <p:cNvPr id="29" name="TextBox 28"/>
@@ -4381,7 +6123,7 @@
           <a:lstStyle/>
           <a:p>
             <a:r>
-              <a:rPr lang="ko-KR" altLang="en-US" sz="2400" dirty="0" err="1" smtClean="0">
+              <a:rPr lang="ko-KR" altLang="en-US" sz="2400" dirty="0" err="1">
                 <a:solidFill>
                   <a:schemeClr val="bg1"/>
                 </a:solidFill>
@@ -4389,7 +6131,7 @@
               <a:t>위키피디아</a:t>
             </a:r>
             <a:r>
-              <a:rPr lang="ko-KR" altLang="en-US" sz="2400" dirty="0" smtClean="0">
+              <a:rPr lang="ko-KR" altLang="en-US" sz="2400" dirty="0">
                 <a:solidFill>
                   <a:schemeClr val="bg1"/>
                 </a:solidFill>
@@ -4397,7 +6139,7 @@
               <a:t> </a:t>
             </a:r>
             <a:r>
-              <a:rPr lang="en-US" altLang="ko-KR" sz="2400" dirty="0" smtClean="0">
+              <a:rPr lang="en-US" altLang="ko-KR" sz="2400" dirty="0">
                 <a:solidFill>
                   <a:schemeClr val="bg1"/>
                 </a:solidFill>
@@ -4405,7 +6147,7 @@
               <a:t>API</a:t>
             </a:r>
             <a:r>
-              <a:rPr lang="ko-KR" altLang="en-US" sz="2400" dirty="0" smtClean="0">
+              <a:rPr lang="ko-KR" altLang="en-US" sz="2400" dirty="0">
                 <a:solidFill>
                   <a:schemeClr val="bg1"/>
                 </a:solidFill>
@@ -4413,7 +6155,7 @@
               <a:t>를 설치하여</a:t>
             </a:r>
             <a:r>
-              <a:rPr lang="en-US" altLang="ko-KR" sz="2400" dirty="0" smtClean="0">
+              <a:rPr lang="en-US" altLang="ko-KR" sz="2400" dirty="0">
                 <a:solidFill>
                   <a:schemeClr val="bg1"/>
                 </a:solidFill>
@@ -4421,18 +6163,13 @@
               <a:t> </a:t>
             </a:r>
             <a:r>
-              <a:rPr lang="ko-KR" altLang="en-US" sz="2400" dirty="0" smtClean="0">
+              <a:rPr lang="ko-KR" altLang="en-US" sz="2400" dirty="0">
                 <a:solidFill>
                   <a:schemeClr val="bg1"/>
                 </a:solidFill>
               </a:rPr>
               <a:t>데이터를 수집</a:t>
             </a:r>
-            <a:endParaRPr lang="ko-KR" altLang="en-US" sz="2400" dirty="0">
-              <a:solidFill>
-                <a:schemeClr val="bg1"/>
-              </a:solidFill>
-            </a:endParaRPr>
           </a:p>
         </p:txBody>
       </p:sp>
@@ -4472,15 +6209,7 @@
                   <a:schemeClr val="bg1"/>
                 </a:solidFill>
               </a:rPr>
-              <a:t>구현 </a:t>
-            </a:r>
-            <a:r>
-              <a:rPr lang="ko-KR" altLang="en-US" sz="2000" dirty="0" smtClean="0">
-                <a:solidFill>
-                  <a:schemeClr val="bg1"/>
-                </a:solidFill>
-              </a:rPr>
-              <a:t>계획 </a:t>
+              <a:t>구현 계획 </a:t>
             </a:r>
             <a:r>
               <a:rPr lang="en-US" altLang="ko-KR" sz="2000" dirty="0">
@@ -4496,15 +6225,7 @@
                   <a:schemeClr val="bg1"/>
                 </a:solidFill>
               </a:rPr>
-              <a:t>데이터 수집 및 </a:t>
-            </a:r>
-            <a:r>
-              <a:rPr lang="ko-KR" altLang="en-US" sz="2000" dirty="0" smtClean="0">
-                <a:solidFill>
-                  <a:schemeClr val="bg1"/>
-                </a:solidFill>
-              </a:rPr>
-              <a:t>전처리</a:t>
+              <a:t>데이터 수집 및 전처리</a:t>
             </a:r>
             <a:endParaRPr lang="en-US" altLang="ko-KR" sz="2000" dirty="0">
               <a:solidFill>
@@ -4633,14 +6354,235 @@
   <p:timing>
     <p:tnLst>
       <p:par>
-        <p:cTn id="1" dur="indefinite" restart="never" nodeType="tmRoot"/>
+        <p:cTn id="1" dur="indefinite" restart="never" nodeType="tmRoot">
+          <p:childTnLst>
+            <p:seq concurrent="1" nextAc="seek">
+              <p:cTn id="2" dur="indefinite" nodeType="mainSeq">
+                <p:childTnLst>
+                  <p:par>
+                    <p:cTn id="3" fill="hold">
+                      <p:stCondLst>
+                        <p:cond delay="indefinite"/>
+                      </p:stCondLst>
+                      <p:childTnLst>
+                        <p:par>
+                          <p:cTn id="4" fill="hold">
+                            <p:stCondLst>
+                              <p:cond delay="0"/>
+                            </p:stCondLst>
+                            <p:childTnLst>
+                              <p:par>
+                                <p:cTn id="5" presetID="10" presetClass="entr" presetSubtype="0" fill="hold" nodeType="clickEffect">
+                                  <p:stCondLst>
+                                    <p:cond delay="0"/>
+                                  </p:stCondLst>
+                                  <p:childTnLst>
+                                    <p:set>
+                                      <p:cBhvr>
+                                        <p:cTn id="6" dur="1" fill="hold">
+                                          <p:stCondLst>
+                                            <p:cond delay="0"/>
+                                          </p:stCondLst>
+                                        </p:cTn>
+                                        <p:tgtEl>
+                                          <p:spTgt spid="4"/>
+                                        </p:tgtEl>
+                                        <p:attrNameLst>
+                                          <p:attrName>style.visibility</p:attrName>
+                                        </p:attrNameLst>
+                                      </p:cBhvr>
+                                      <p:to>
+                                        <p:strVal val="visible"/>
+                                      </p:to>
+                                    </p:set>
+                                    <p:animEffect transition="in" filter="fade">
+                                      <p:cBhvr>
+                                        <p:cTn id="7" dur="500"/>
+                                        <p:tgtEl>
+                                          <p:spTgt spid="4"/>
+                                        </p:tgtEl>
+                                      </p:cBhvr>
+                                    </p:animEffect>
+                                  </p:childTnLst>
+                                </p:cTn>
+                              </p:par>
+                              <p:par>
+                                <p:cTn id="8" presetID="10" presetClass="entr" presetSubtype="0" fill="hold" grpId="0" nodeType="withEffect">
+                                  <p:stCondLst>
+                                    <p:cond delay="0"/>
+                                  </p:stCondLst>
+                                  <p:childTnLst>
+                                    <p:set>
+                                      <p:cBhvr>
+                                        <p:cTn id="9" dur="1" fill="hold">
+                                          <p:stCondLst>
+                                            <p:cond delay="0"/>
+                                          </p:stCondLst>
+                                        </p:cTn>
+                                        <p:tgtEl>
+                                          <p:spTgt spid="9"/>
+                                        </p:tgtEl>
+                                        <p:attrNameLst>
+                                          <p:attrName>style.visibility</p:attrName>
+                                        </p:attrNameLst>
+                                      </p:cBhvr>
+                                      <p:to>
+                                        <p:strVal val="visible"/>
+                                      </p:to>
+                                    </p:set>
+                                    <p:animEffect transition="in" filter="fade">
+                                      <p:cBhvr>
+                                        <p:cTn id="10" dur="500"/>
+                                        <p:tgtEl>
+                                          <p:spTgt spid="9"/>
+                                        </p:tgtEl>
+                                      </p:cBhvr>
+                                    </p:animEffect>
+                                  </p:childTnLst>
+                                </p:cTn>
+                              </p:par>
+                            </p:childTnLst>
+                          </p:cTn>
+                        </p:par>
+                      </p:childTnLst>
+                    </p:cTn>
+                  </p:par>
+                  <p:par>
+                    <p:cTn id="11" fill="hold">
+                      <p:stCondLst>
+                        <p:cond delay="indefinite"/>
+                      </p:stCondLst>
+                      <p:childTnLst>
+                        <p:par>
+                          <p:cTn id="12" fill="hold">
+                            <p:stCondLst>
+                              <p:cond delay="0"/>
+                            </p:stCondLst>
+                            <p:childTnLst>
+                              <p:par>
+                                <p:cTn id="13" presetID="10" presetClass="entr" presetSubtype="0" fill="hold" nodeType="clickEffect">
+                                  <p:stCondLst>
+                                    <p:cond delay="0"/>
+                                  </p:stCondLst>
+                                  <p:childTnLst>
+                                    <p:set>
+                                      <p:cBhvr>
+                                        <p:cTn id="14" dur="1" fill="hold">
+                                          <p:stCondLst>
+                                            <p:cond delay="0"/>
+                                          </p:stCondLst>
+                                        </p:cTn>
+                                        <p:tgtEl>
+                                          <p:spTgt spid="3"/>
+                                        </p:tgtEl>
+                                        <p:attrNameLst>
+                                          <p:attrName>style.visibility</p:attrName>
+                                        </p:attrNameLst>
+                                      </p:cBhvr>
+                                      <p:to>
+                                        <p:strVal val="visible"/>
+                                      </p:to>
+                                    </p:set>
+                                    <p:animEffect transition="in" filter="fade">
+                                      <p:cBhvr>
+                                        <p:cTn id="15" dur="500"/>
+                                        <p:tgtEl>
+                                          <p:spTgt spid="3"/>
+                                        </p:tgtEl>
+                                      </p:cBhvr>
+                                    </p:animEffect>
+                                  </p:childTnLst>
+                                </p:cTn>
+                              </p:par>
+                            </p:childTnLst>
+                          </p:cTn>
+                        </p:par>
+                      </p:childTnLst>
+                    </p:cTn>
+                  </p:par>
+                  <p:par>
+                    <p:cTn id="16" fill="hold">
+                      <p:stCondLst>
+                        <p:cond delay="indefinite"/>
+                      </p:stCondLst>
+                      <p:childTnLst>
+                        <p:par>
+                          <p:cTn id="17" fill="hold">
+                            <p:stCondLst>
+                              <p:cond delay="0"/>
+                            </p:stCondLst>
+                            <p:childTnLst>
+                              <p:par>
+                                <p:cTn id="18" presetID="10" presetClass="entr" presetSubtype="0" fill="hold" grpId="0" nodeType="clickEffect">
+                                  <p:stCondLst>
+                                    <p:cond delay="0"/>
+                                  </p:stCondLst>
+                                  <p:childTnLst>
+                                    <p:set>
+                                      <p:cBhvr>
+                                        <p:cTn id="19" dur="1" fill="hold">
+                                          <p:stCondLst>
+                                            <p:cond delay="0"/>
+                                          </p:stCondLst>
+                                        </p:cTn>
+                                        <p:tgtEl>
+                                          <p:spTgt spid="29"/>
+                                        </p:tgtEl>
+                                        <p:attrNameLst>
+                                          <p:attrName>style.visibility</p:attrName>
+                                        </p:attrNameLst>
+                                      </p:cBhvr>
+                                      <p:to>
+                                        <p:strVal val="visible"/>
+                                      </p:to>
+                                    </p:set>
+                                    <p:animEffect transition="in" filter="fade">
+                                      <p:cBhvr>
+                                        <p:cTn id="20" dur="500"/>
+                                        <p:tgtEl>
+                                          <p:spTgt spid="29"/>
+                                        </p:tgtEl>
+                                      </p:cBhvr>
+                                    </p:animEffect>
+                                  </p:childTnLst>
+                                </p:cTn>
+                              </p:par>
+                            </p:childTnLst>
+                          </p:cTn>
+                        </p:par>
+                      </p:childTnLst>
+                    </p:cTn>
+                  </p:par>
+                </p:childTnLst>
+              </p:cTn>
+              <p:prevCondLst>
+                <p:cond evt="onPrev" delay="0">
+                  <p:tgtEl>
+                    <p:sldTgt/>
+                  </p:tgtEl>
+                </p:cond>
+              </p:prevCondLst>
+              <p:nextCondLst>
+                <p:cond evt="onNext" delay="0">
+                  <p:tgtEl>
+                    <p:sldTgt/>
+                  </p:tgtEl>
+                </p:cond>
+              </p:nextCondLst>
+            </p:seq>
+          </p:childTnLst>
+        </p:cTn>
       </p:par>
     </p:tnLst>
+    <p:bldLst>
+      <p:bldP spid="29" grpId="0"/>
+      <p:bldP spid="9" grpId="0" animBg="1"/>
+    </p:bldLst>
   </p:timing>
 </p:sld>
 </file>
 
-<file path=ppt/slides/slide12.xml><?xml version="1.0" encoding="utf-8"?>
+<file path=ppt/slides/slide15.xml><?xml version="1.0" encoding="utf-8"?>
 <p:sld xmlns:a="http://schemas.openxmlformats.org/drawingml/2006/main" xmlns:r="http://schemas.openxmlformats.org/officeDocument/2006/relationships" xmlns:p="http://schemas.openxmlformats.org/presentationml/2006/main">
   <p:cSld>
     <p:spTree>
@@ -4659,58 +6601,13 @@
       </p:grpSpPr>
       <p:sp>
         <p:nvSpPr>
-          <p:cNvPr id="28" name="TextBox 27"/>
-          <p:cNvSpPr txBox="1"/>
-          <p:nvPr/>
-        </p:nvSpPr>
-        <p:spPr>
-          <a:xfrm>
-            <a:off x="11591349" y="90393"/>
-            <a:ext cx="543739" cy="276999"/>
-          </a:xfrm>
-          <a:prstGeom prst="rect">
-            <a:avLst/>
-          </a:prstGeom>
-          <a:noFill/>
-        </p:spPr>
-        <p:txBody>
-          <a:bodyPr wrap="none" rtlCol="0">
-            <a:spAutoFit/>
-          </a:bodyPr>
-          <a:lstStyle/>
-          <a:p>
-            <a:pPr algn="r"/>
-            <a:r>
-              <a:rPr lang="en-US" altLang="ko-KR" sz="1200" dirty="0" smtClean="0">
-                <a:solidFill>
-                  <a:schemeClr val="tx1">
-                    <a:lumMod val="50000"/>
-                    <a:lumOff val="50000"/>
-                  </a:schemeClr>
-                </a:solidFill>
-              </a:rPr>
-              <a:t>TITLE</a:t>
-            </a:r>
-            <a:endParaRPr lang="ko-KR" altLang="en-US" sz="1200" dirty="0">
-              <a:solidFill>
-                <a:schemeClr val="tx1">
-                  <a:lumMod val="50000"/>
-                  <a:lumOff val="50000"/>
-                </a:schemeClr>
-              </a:solidFill>
-            </a:endParaRPr>
-          </a:p>
-        </p:txBody>
-      </p:sp>
-      <p:sp>
-        <p:nvSpPr>
           <p:cNvPr id="29" name="TextBox 28"/>
           <p:cNvSpPr txBox="1"/>
           <p:nvPr/>
         </p:nvSpPr>
         <p:spPr>
           <a:xfrm>
-            <a:off x="204367" y="1664698"/>
+            <a:off x="140867" y="1397998"/>
             <a:ext cx="1189749" cy="369332"/>
           </a:xfrm>
           <a:prstGeom prst="rect">
@@ -4725,18 +6622,13 @@
           <a:lstStyle/>
           <a:p>
             <a:r>
-              <a:rPr lang="ko-KR" altLang="en-US" dirty="0" smtClean="0">
+              <a:rPr lang="ko-KR" altLang="en-US" dirty="0">
                 <a:solidFill>
                   <a:schemeClr val="bg1"/>
                 </a:solidFill>
               </a:rPr>
               <a:t>수집 결과</a:t>
             </a:r>
-            <a:endParaRPr lang="ko-KR" altLang="en-US" dirty="0">
-              <a:solidFill>
-                <a:schemeClr val="bg1"/>
-              </a:solidFill>
-            </a:endParaRPr>
           </a:p>
         </p:txBody>
       </p:sp>
@@ -4776,15 +6668,7 @@
                   <a:schemeClr val="bg1"/>
                 </a:solidFill>
               </a:rPr>
-              <a:t>구현 </a:t>
-            </a:r>
-            <a:r>
-              <a:rPr lang="ko-KR" altLang="en-US" sz="2000" dirty="0" smtClean="0">
-                <a:solidFill>
-                  <a:schemeClr val="bg1"/>
-                </a:solidFill>
-              </a:rPr>
-              <a:t>계획 </a:t>
+              <a:t>구현 계획 </a:t>
             </a:r>
             <a:r>
               <a:rPr lang="en-US" altLang="ko-KR" sz="2000" dirty="0">
@@ -4800,15 +6684,7 @@
                   <a:schemeClr val="bg1"/>
                 </a:solidFill>
               </a:rPr>
-              <a:t>데이터 수집 및 </a:t>
-            </a:r>
-            <a:r>
-              <a:rPr lang="ko-KR" altLang="en-US" sz="2000" dirty="0" smtClean="0">
-                <a:solidFill>
-                  <a:schemeClr val="bg1"/>
-                </a:solidFill>
-              </a:rPr>
-              <a:t>전처리</a:t>
+              <a:t>데이터 수집 및 전처리</a:t>
             </a:r>
             <a:endParaRPr lang="en-US" altLang="ko-KR" sz="2000" dirty="0">
               <a:solidFill>
@@ -4861,14 +6737,90 @@
   <p:timing>
     <p:tnLst>
       <p:par>
-        <p:cTn id="1" dur="indefinite" restart="never" nodeType="tmRoot"/>
+        <p:cTn id="1" dur="indefinite" restart="never" nodeType="tmRoot">
+          <p:childTnLst>
+            <p:seq concurrent="1" nextAc="seek">
+              <p:cTn id="2" dur="indefinite" nodeType="mainSeq">
+                <p:childTnLst>
+                  <p:par>
+                    <p:cTn id="3" fill="hold">
+                      <p:stCondLst>
+                        <p:cond delay="indefinite"/>
+                      </p:stCondLst>
+                      <p:childTnLst>
+                        <p:par>
+                          <p:cTn id="4" fill="hold">
+                            <p:stCondLst>
+                              <p:cond delay="0"/>
+                            </p:stCondLst>
+                            <p:childTnLst>
+                              <p:par>
+                                <p:cTn id="5" presetID="10" presetClass="entr" presetSubtype="0" fill="hold" nodeType="clickEffect">
+                                  <p:stCondLst>
+                                    <p:cond delay="0"/>
+                                  </p:stCondLst>
+                                  <p:childTnLst>
+                                    <p:set>
+                                      <p:cBhvr>
+                                        <p:cTn id="6" dur="1" fill="hold">
+                                          <p:stCondLst>
+                                            <p:cond delay="0"/>
+                                          </p:stCondLst>
+                                        </p:cTn>
+                                        <p:tgtEl>
+                                          <p:spTgt spid="2"/>
+                                        </p:tgtEl>
+                                        <p:attrNameLst>
+                                          <p:attrName>style.visibility</p:attrName>
+                                        </p:attrNameLst>
+                                      </p:cBhvr>
+                                      <p:to>
+                                        <p:strVal val="visible"/>
+                                      </p:to>
+                                    </p:set>
+                                    <p:animEffect transition="in" filter="fade">
+                                      <p:cBhvr>
+                                        <p:cTn id="7" dur="500"/>
+                                        <p:tgtEl>
+                                          <p:spTgt spid="2"/>
+                                        </p:tgtEl>
+                                      </p:cBhvr>
+                                    </p:animEffect>
+                                  </p:childTnLst>
+                                </p:cTn>
+                              </p:par>
+                            </p:childTnLst>
+                          </p:cTn>
+                        </p:par>
+                      </p:childTnLst>
+                    </p:cTn>
+                  </p:par>
+                </p:childTnLst>
+              </p:cTn>
+              <p:prevCondLst>
+                <p:cond evt="onPrev" delay="0">
+                  <p:tgtEl>
+                    <p:sldTgt/>
+                  </p:tgtEl>
+                </p:cond>
+              </p:prevCondLst>
+              <p:nextCondLst>
+                <p:cond evt="onNext" delay="0">
+                  <p:tgtEl>
+                    <p:sldTgt/>
+                  </p:tgtEl>
+                </p:cond>
+              </p:nextCondLst>
+            </p:seq>
+          </p:childTnLst>
+        </p:cTn>
       </p:par>
     </p:tnLst>
   </p:timing>
 </p:sld>
 </file>
 
-<file path=ppt/slides/slide13.xml><?xml version="1.0" encoding="utf-8"?>
+<file path=ppt/slides/slide16.xml><?xml version="1.0" encoding="utf-8"?>
 <p:sld xmlns:a="http://schemas.openxmlformats.org/drawingml/2006/main" xmlns:r="http://schemas.openxmlformats.org/officeDocument/2006/relationships" xmlns:p="http://schemas.openxmlformats.org/presentationml/2006/main">
   <p:cSld>
     <p:spTree>
@@ -4885,51 +6837,6 @@
           <a:chExt cx="0" cy="0"/>
         </a:xfrm>
       </p:grpSpPr>
-      <p:sp>
-        <p:nvSpPr>
-          <p:cNvPr id="28" name="TextBox 27"/>
-          <p:cNvSpPr txBox="1"/>
-          <p:nvPr/>
-        </p:nvSpPr>
-        <p:spPr>
-          <a:xfrm>
-            <a:off x="11591349" y="90393"/>
-            <a:ext cx="543739" cy="276999"/>
-          </a:xfrm>
-          <a:prstGeom prst="rect">
-            <a:avLst/>
-          </a:prstGeom>
-          <a:noFill/>
-        </p:spPr>
-        <p:txBody>
-          <a:bodyPr wrap="none" rtlCol="0">
-            <a:spAutoFit/>
-          </a:bodyPr>
-          <a:lstStyle/>
-          <a:p>
-            <a:pPr algn="r"/>
-            <a:r>
-              <a:rPr lang="en-US" altLang="ko-KR" sz="1200" dirty="0" smtClean="0">
-                <a:solidFill>
-                  <a:schemeClr val="tx1">
-                    <a:lumMod val="50000"/>
-                    <a:lumOff val="50000"/>
-                  </a:schemeClr>
-                </a:solidFill>
-              </a:rPr>
-              <a:t>TITLE</a:t>
-            </a:r>
-            <a:endParaRPr lang="ko-KR" altLang="en-US" sz="1200" dirty="0">
-              <a:solidFill>
-                <a:schemeClr val="tx1">
-                  <a:lumMod val="50000"/>
-                  <a:lumOff val="50000"/>
-                </a:schemeClr>
-              </a:solidFill>
-            </a:endParaRPr>
-          </a:p>
-        </p:txBody>
-      </p:sp>
       <p:sp>
         <p:nvSpPr>
           <p:cNvPr id="8" name="TextBox 7"/>
@@ -4966,15 +6873,7 @@
                   <a:schemeClr val="bg1"/>
                 </a:solidFill>
               </a:rPr>
-              <a:t>구현 </a:t>
-            </a:r>
-            <a:r>
-              <a:rPr lang="ko-KR" altLang="en-US" sz="2000" dirty="0" smtClean="0">
-                <a:solidFill>
-                  <a:schemeClr val="bg1"/>
-                </a:solidFill>
-              </a:rPr>
-              <a:t>계획 </a:t>
+              <a:t>구현 계획 </a:t>
             </a:r>
             <a:r>
               <a:rPr lang="en-US" altLang="ko-KR" sz="2000" dirty="0">
@@ -4990,15 +6889,7 @@
                   <a:schemeClr val="bg1"/>
                 </a:solidFill>
               </a:rPr>
-              <a:t>데이터 수집 및 </a:t>
-            </a:r>
-            <a:r>
-              <a:rPr lang="ko-KR" altLang="en-US" sz="2000" dirty="0" smtClean="0">
-                <a:solidFill>
-                  <a:schemeClr val="bg1"/>
-                </a:solidFill>
-              </a:rPr>
-              <a:t>전처리</a:t>
+              <a:t>데이터 분석 </a:t>
             </a:r>
             <a:endParaRPr lang="en-US" altLang="ko-KR" sz="2000" dirty="0">
               <a:solidFill>
@@ -5016,8 +6907,8 @@
         </p:nvSpPr>
         <p:spPr>
           <a:xfrm>
-            <a:off x="1138942" y="994957"/>
-            <a:ext cx="3029997" cy="338554"/>
+            <a:off x="767479" y="1301029"/>
+            <a:ext cx="3005951" cy="461665"/>
           </a:xfrm>
           <a:prstGeom prst="rect">
             <a:avLst/>
@@ -5031,22 +6922,22 @@
           <a:lstStyle/>
           <a:p>
             <a:r>
-              <a:rPr lang="ko-KR" altLang="en-US" sz="1600" dirty="0" smtClean="0">
-                <a:solidFill>
-                  <a:schemeClr val="bg1"/>
-                </a:solidFill>
-              </a:rPr>
-              <a:t>데이터 전처리 및 분석 계획은</a:t>
-            </a:r>
-            <a:r>
-              <a:rPr lang="en-US" altLang="ko-KR" sz="1600" dirty="0" smtClean="0">
+              <a:rPr lang="ko-KR" altLang="en-US" sz="2400" dirty="0">
+                <a:solidFill>
+                  <a:schemeClr val="bg1"/>
+                </a:solidFill>
+              </a:rPr>
+              <a:t>데이터 분석 계획은</a:t>
+            </a:r>
+            <a:r>
+              <a:rPr lang="en-US" altLang="ko-KR" sz="2400" dirty="0">
                 <a:solidFill>
                   <a:schemeClr val="bg1"/>
                 </a:solidFill>
               </a:rPr>
               <a:t>?</a:t>
             </a:r>
-            <a:endParaRPr lang="ko-KR" altLang="en-US" sz="1600" dirty="0">
+            <a:endParaRPr lang="ko-KR" altLang="en-US" sz="2400" dirty="0">
               <a:solidFill>
                 <a:schemeClr val="bg1"/>
               </a:solidFill>
@@ -5062,8 +6953,8 @@
         </p:nvSpPr>
         <p:spPr>
           <a:xfrm>
-            <a:off x="1138942" y="1733511"/>
-            <a:ext cx="3781805" cy="338554"/>
+            <a:off x="1138942" y="2116325"/>
+            <a:ext cx="4677884" cy="400110"/>
           </a:xfrm>
           <a:prstGeom prst="rect">
             <a:avLst/>
@@ -5077,7 +6968,7 @@
           <a:lstStyle/>
           <a:p>
             <a:r>
-              <a:rPr lang="en-US" altLang="ko-KR" sz="1600" dirty="0" smtClean="0">
+              <a:rPr lang="en-US" altLang="ko-KR" sz="2000" dirty="0">
                 <a:solidFill>
                   <a:schemeClr val="bg1"/>
                 </a:solidFill>
@@ -5085,18 +6976,21 @@
               <a:t>1. </a:t>
             </a:r>
             <a:r>
-              <a:rPr lang="ko-KR" altLang="en-US" sz="1600" dirty="0" smtClean="0">
-                <a:solidFill>
-                  <a:schemeClr val="bg1"/>
-                </a:solidFill>
-              </a:rPr>
-              <a:t>형태소 분석을 통해 고유명사를 추출</a:t>
-            </a:r>
-            <a:endParaRPr lang="ko-KR" altLang="en-US" sz="1600" dirty="0">
-              <a:solidFill>
-                <a:schemeClr val="bg1"/>
-              </a:solidFill>
-            </a:endParaRPr>
+              <a:rPr lang="ko-KR" altLang="en-US" sz="2000" dirty="0">
+                <a:solidFill>
+                  <a:srgbClr val="FF0000"/>
+                </a:solidFill>
+              </a:rPr>
+              <a:t>형태소 분석</a:t>
+            </a:r>
+            <a:r>
+              <a:rPr lang="ko-KR" altLang="en-US" sz="2000" dirty="0">
+                <a:solidFill>
+                  <a:schemeClr val="bg1"/>
+                </a:solidFill>
+              </a:rPr>
+              <a:t>을 통해 고유명사를 추출</a:t>
+            </a:r>
           </a:p>
         </p:txBody>
       </p:sp>
@@ -5108,8 +7002,8 @@
         </p:nvSpPr>
         <p:spPr>
           <a:xfrm>
-            <a:off x="1138942" y="2472065"/>
-            <a:ext cx="415498" cy="338554"/>
+            <a:off x="1138941" y="2854879"/>
+            <a:ext cx="7033333" cy="400110"/>
           </a:xfrm>
           <a:prstGeom prst="rect">
             <a:avLst/>
@@ -5117,22 +7011,62 @@
           <a:noFill/>
         </p:spPr>
         <p:txBody>
-          <a:bodyPr wrap="none" rtlCol="0">
+          <a:bodyPr wrap="square" rtlCol="0">
             <a:spAutoFit/>
           </a:bodyPr>
           <a:lstStyle/>
           <a:p>
             <a:r>
-              <a:rPr lang="en-US" altLang="ko-KR" sz="1600" dirty="0" smtClean="0">
+              <a:rPr lang="en-US" altLang="ko-KR" sz="2000" dirty="0">
                 <a:solidFill>
                   <a:schemeClr val="bg1"/>
                 </a:solidFill>
               </a:rPr>
               <a:t>2. </a:t>
             </a:r>
-            <a:endParaRPr lang="ko-KR" altLang="en-US" sz="1600" dirty="0">
+            <a:r>
+              <a:rPr lang="ko-KR" altLang="en-US" sz="2000" dirty="0">
+                <a:solidFill>
+                  <a:schemeClr val="bg1"/>
+                </a:solidFill>
+              </a:rPr>
+              <a:t>상관 분석</a:t>
+            </a:r>
+            <a:r>
+              <a:rPr lang="en-US" altLang="ko-KR" sz="2000" dirty="0">
+                <a:solidFill>
+                  <a:schemeClr val="bg1"/>
+                </a:solidFill>
+              </a:rPr>
+              <a:t> </a:t>
+            </a:r>
+            <a:r>
+              <a:rPr lang="ko-KR" altLang="en-US" sz="2000" dirty="0">
+                <a:solidFill>
+                  <a:schemeClr val="bg1"/>
+                </a:solidFill>
+              </a:rPr>
+              <a:t>등 통계 기법을 이용하여 </a:t>
+            </a:r>
+            <a:r>
+              <a:rPr lang="ko-KR" altLang="en-US" sz="2000" dirty="0">
+                <a:solidFill>
+                  <a:srgbClr val="FF0000"/>
+                </a:solidFill>
+              </a:rPr>
+              <a:t>관계성을 분석 </a:t>
+            </a:r>
+            <a:r>
+              <a:rPr lang="en-US" altLang="ko-KR" sz="2000" dirty="0">
+                <a:solidFill>
+                  <a:srgbClr val="FF0000"/>
+                </a:solidFill>
+              </a:rPr>
+              <a:t>  </a:t>
+            </a:r>
+            <a:endParaRPr lang="ko-KR" altLang="en-US" sz="2000" dirty="0">
               <a:solidFill>
-                <a:schemeClr val="bg1"/>
+                <a:srgbClr val="FF0000"/>
               </a:solidFill>
             </a:endParaRPr>
           </a:p>
@@ -5146,8 +7080,8 @@
         </p:nvSpPr>
         <p:spPr>
           <a:xfrm>
-            <a:off x="1138942" y="3316127"/>
-            <a:ext cx="3781805" cy="338554"/>
+            <a:off x="1138942" y="3635441"/>
+            <a:ext cx="9453229" cy="400110"/>
           </a:xfrm>
           <a:prstGeom prst="rect">
             <a:avLst/>
@@ -5161,22 +7095,46 @@
           <a:lstStyle/>
           <a:p>
             <a:r>
-              <a:rPr lang="en-US" altLang="ko-KR" sz="1600" dirty="0" smtClean="0">
-                <a:solidFill>
-                  <a:schemeClr val="bg1"/>
-                </a:solidFill>
-              </a:rPr>
-              <a:t>1. </a:t>
-            </a:r>
-            <a:r>
-              <a:rPr lang="ko-KR" altLang="en-US" sz="1600" dirty="0" smtClean="0">
-                <a:solidFill>
-                  <a:schemeClr val="bg1"/>
-                </a:solidFill>
-              </a:rPr>
-              <a:t>형태소 분석을 통해 고유명사를 추출</a:t>
-            </a:r>
-            <a:endParaRPr lang="ko-KR" altLang="en-US" sz="1600" dirty="0">
+              <a:rPr lang="en-US" altLang="ko-KR" sz="2000" dirty="0">
+                <a:solidFill>
+                  <a:schemeClr val="bg1"/>
+                </a:solidFill>
+              </a:rPr>
+              <a:t>3. </a:t>
+            </a:r>
+            <a:r>
+              <a:rPr lang="ko-KR" altLang="en-US" sz="2000" dirty="0">
+                <a:solidFill>
+                  <a:schemeClr val="bg1"/>
+                </a:solidFill>
+              </a:rPr>
+              <a:t>해당 키워드와 밀접한 관련이 있는 명사들을 </a:t>
+            </a:r>
+            <a:r>
+              <a:rPr lang="ko-KR" altLang="en-US" sz="2000" dirty="0">
+                <a:solidFill>
+                  <a:srgbClr val="FF0000"/>
+                </a:solidFill>
+              </a:rPr>
+              <a:t>마인드맵</a:t>
+            </a:r>
+            <a:r>
+              <a:rPr lang="ko-KR" altLang="en-US" sz="2000" dirty="0">
+                <a:solidFill>
+                  <a:schemeClr val="bg1"/>
+                </a:solidFill>
+              </a:rPr>
+              <a:t>으로 연결해서 뿌려준다</a:t>
+            </a:r>
+            <a:r>
+              <a:rPr lang="en-US" altLang="ko-KR" sz="2000" dirty="0">
+                <a:solidFill>
+                  <a:schemeClr val="bg1"/>
+                </a:solidFill>
+              </a:rPr>
+              <a:t>.</a:t>
+            </a:r>
+            <a:endParaRPr lang="ko-KR" altLang="en-US" sz="2000" dirty="0">
               <a:solidFill>
                 <a:schemeClr val="bg1"/>
               </a:solidFill>
@@ -5192,8 +7150,8 @@
         </p:nvSpPr>
         <p:spPr>
           <a:xfrm>
-            <a:off x="1138942" y="4312588"/>
-            <a:ext cx="3781805" cy="338554"/>
+            <a:off x="3254264" y="4974803"/>
+            <a:ext cx="4237057" cy="338554"/>
           </a:xfrm>
           <a:prstGeom prst="rect">
             <a:avLst/>
@@ -5207,20 +7165,28 @@
           <a:lstStyle/>
           <a:p>
             <a:r>
-              <a:rPr lang="en-US" altLang="ko-KR" sz="1600" dirty="0" smtClean="0">
-                <a:solidFill>
-                  <a:schemeClr val="bg1"/>
-                </a:solidFill>
-              </a:rPr>
-              <a:t>1. </a:t>
-            </a:r>
-            <a:r>
-              <a:rPr lang="ko-KR" altLang="en-US" sz="1600" dirty="0" smtClean="0">
-                <a:solidFill>
-                  <a:schemeClr val="bg1"/>
-                </a:solidFill>
-              </a:rPr>
-              <a:t>형태소 분석을 통해 고유명사를 추출</a:t>
+              <a:rPr lang="en-US" altLang="ko-KR" sz="1600" dirty="0">
+                <a:solidFill>
+                  <a:schemeClr val="bg1"/>
+                </a:solidFill>
+              </a:rPr>
+              <a:t>* </a:t>
+            </a:r>
+            <a:r>
+              <a:rPr lang="ko-KR" altLang="en-US" sz="1600" dirty="0">
+                <a:solidFill>
+                  <a:schemeClr val="bg1"/>
+                </a:solidFill>
+              </a:rPr>
+              <a:t>분석 기법에 대해서는 아직 논의 중입니다</a:t>
+            </a:r>
+            <a:r>
+              <a:rPr lang="en-US" altLang="ko-KR" sz="1600" dirty="0">
+                <a:solidFill>
+                  <a:schemeClr val="bg1"/>
+                </a:solidFill>
+              </a:rPr>
+              <a:t>.</a:t>
             </a:r>
             <a:endParaRPr lang="ko-KR" altLang="en-US" sz="1600" dirty="0">
               <a:solidFill>
@@ -5243,14 +7209,1096 @@
   <p:timing>
     <p:tnLst>
       <p:par>
-        <p:cTn id="1" dur="indefinite" restart="never" nodeType="tmRoot"/>
+        <p:cTn id="1" dur="indefinite" restart="never" nodeType="tmRoot">
+          <p:childTnLst>
+            <p:seq concurrent="1" nextAc="seek">
+              <p:cTn id="2" dur="indefinite" nodeType="mainSeq">
+                <p:childTnLst>
+                  <p:par>
+                    <p:cTn id="3" fill="hold">
+                      <p:stCondLst>
+                        <p:cond delay="indefinite"/>
+                      </p:stCondLst>
+                      <p:childTnLst>
+                        <p:par>
+                          <p:cTn id="4" fill="hold">
+                            <p:stCondLst>
+                              <p:cond delay="0"/>
+                            </p:stCondLst>
+                            <p:childTnLst>
+                              <p:par>
+                                <p:cTn id="5" presetID="10" presetClass="entr" presetSubtype="0" fill="hold" grpId="0" nodeType="clickEffect">
+                                  <p:stCondLst>
+                                    <p:cond delay="0"/>
+                                  </p:stCondLst>
+                                  <p:childTnLst>
+                                    <p:set>
+                                      <p:cBhvr>
+                                        <p:cTn id="6" dur="1" fill="hold">
+                                          <p:stCondLst>
+                                            <p:cond delay="0"/>
+                                          </p:stCondLst>
+                                        </p:cTn>
+                                        <p:tgtEl>
+                                          <p:spTgt spid="11"/>
+                                        </p:tgtEl>
+                                        <p:attrNameLst>
+                                          <p:attrName>style.visibility</p:attrName>
+                                        </p:attrNameLst>
+                                      </p:cBhvr>
+                                      <p:to>
+                                        <p:strVal val="visible"/>
+                                      </p:to>
+                                    </p:set>
+                                    <p:animEffect transition="in" filter="fade">
+                                      <p:cBhvr>
+                                        <p:cTn id="7" dur="500"/>
+                                        <p:tgtEl>
+                                          <p:spTgt spid="11"/>
+                                        </p:tgtEl>
+                                      </p:cBhvr>
+                                    </p:animEffect>
+                                  </p:childTnLst>
+                                </p:cTn>
+                              </p:par>
+                            </p:childTnLst>
+                          </p:cTn>
+                        </p:par>
+                      </p:childTnLst>
+                    </p:cTn>
+                  </p:par>
+                  <p:par>
+                    <p:cTn id="8" fill="hold">
+                      <p:stCondLst>
+                        <p:cond delay="indefinite"/>
+                      </p:stCondLst>
+                      <p:childTnLst>
+                        <p:par>
+                          <p:cTn id="9" fill="hold">
+                            <p:stCondLst>
+                              <p:cond delay="0"/>
+                            </p:stCondLst>
+                            <p:childTnLst>
+                              <p:par>
+                                <p:cTn id="10" presetID="10" presetClass="entr" presetSubtype="0" fill="hold" grpId="0" nodeType="clickEffect">
+                                  <p:stCondLst>
+                                    <p:cond delay="0"/>
+                                  </p:stCondLst>
+                                  <p:childTnLst>
+                                    <p:set>
+                                      <p:cBhvr>
+                                        <p:cTn id="11" dur="1" fill="hold">
+                                          <p:stCondLst>
+                                            <p:cond delay="0"/>
+                                          </p:stCondLst>
+                                        </p:cTn>
+                                        <p:tgtEl>
+                                          <p:spTgt spid="12"/>
+                                        </p:tgtEl>
+                                        <p:attrNameLst>
+                                          <p:attrName>style.visibility</p:attrName>
+                                        </p:attrNameLst>
+                                      </p:cBhvr>
+                                      <p:to>
+                                        <p:strVal val="visible"/>
+                                      </p:to>
+                                    </p:set>
+                                    <p:animEffect transition="in" filter="fade">
+                                      <p:cBhvr>
+                                        <p:cTn id="12" dur="500"/>
+                                        <p:tgtEl>
+                                          <p:spTgt spid="12"/>
+                                        </p:tgtEl>
+                                      </p:cBhvr>
+                                    </p:animEffect>
+                                  </p:childTnLst>
+                                </p:cTn>
+                              </p:par>
+                            </p:childTnLst>
+                          </p:cTn>
+                        </p:par>
+                      </p:childTnLst>
+                    </p:cTn>
+                  </p:par>
+                  <p:par>
+                    <p:cTn id="13" fill="hold">
+                      <p:stCondLst>
+                        <p:cond delay="indefinite"/>
+                      </p:stCondLst>
+                      <p:childTnLst>
+                        <p:par>
+                          <p:cTn id="14" fill="hold">
+                            <p:stCondLst>
+                              <p:cond delay="0"/>
+                            </p:stCondLst>
+                            <p:childTnLst>
+                              <p:par>
+                                <p:cTn id="15" presetID="10" presetClass="entr" presetSubtype="0" fill="hold" grpId="0" nodeType="clickEffect">
+                                  <p:stCondLst>
+                                    <p:cond delay="0"/>
+                                  </p:stCondLst>
+                                  <p:childTnLst>
+                                    <p:set>
+                                      <p:cBhvr>
+                                        <p:cTn id="16" dur="1" fill="hold">
+                                          <p:stCondLst>
+                                            <p:cond delay="0"/>
+                                          </p:stCondLst>
+                                        </p:cTn>
+                                        <p:tgtEl>
+                                          <p:spTgt spid="13"/>
+                                        </p:tgtEl>
+                                        <p:attrNameLst>
+                                          <p:attrName>style.visibility</p:attrName>
+                                        </p:attrNameLst>
+                                      </p:cBhvr>
+                                      <p:to>
+                                        <p:strVal val="visible"/>
+                                      </p:to>
+                                    </p:set>
+                                    <p:animEffect transition="in" filter="fade">
+                                      <p:cBhvr>
+                                        <p:cTn id="17" dur="500"/>
+                                        <p:tgtEl>
+                                          <p:spTgt spid="13"/>
+                                        </p:tgtEl>
+                                      </p:cBhvr>
+                                    </p:animEffect>
+                                  </p:childTnLst>
+                                </p:cTn>
+                              </p:par>
+                            </p:childTnLst>
+                          </p:cTn>
+                        </p:par>
+                      </p:childTnLst>
+                    </p:cTn>
+                  </p:par>
+                  <p:par>
+                    <p:cTn id="18" fill="hold">
+                      <p:stCondLst>
+                        <p:cond delay="indefinite"/>
+                      </p:stCondLst>
+                      <p:childTnLst>
+                        <p:par>
+                          <p:cTn id="19" fill="hold">
+                            <p:stCondLst>
+                              <p:cond delay="0"/>
+                            </p:stCondLst>
+                            <p:childTnLst>
+                              <p:par>
+                                <p:cTn id="20" presetID="10" presetClass="entr" presetSubtype="0" fill="hold" grpId="0" nodeType="clickEffect">
+                                  <p:stCondLst>
+                                    <p:cond delay="0"/>
+                                  </p:stCondLst>
+                                  <p:childTnLst>
+                                    <p:set>
+                                      <p:cBhvr>
+                                        <p:cTn id="21" dur="1" fill="hold">
+                                          <p:stCondLst>
+                                            <p:cond delay="0"/>
+                                          </p:stCondLst>
+                                        </p:cTn>
+                                        <p:tgtEl>
+                                          <p:spTgt spid="14"/>
+                                        </p:tgtEl>
+                                        <p:attrNameLst>
+                                          <p:attrName>style.visibility</p:attrName>
+                                        </p:attrNameLst>
+                                      </p:cBhvr>
+                                      <p:to>
+                                        <p:strVal val="visible"/>
+                                      </p:to>
+                                    </p:set>
+                                    <p:animEffect transition="in" filter="fade">
+                                      <p:cBhvr>
+                                        <p:cTn id="22" dur="500"/>
+                                        <p:tgtEl>
+                                          <p:spTgt spid="14"/>
+                                        </p:tgtEl>
+                                      </p:cBhvr>
+                                    </p:animEffect>
+                                  </p:childTnLst>
+                                </p:cTn>
+                              </p:par>
+                            </p:childTnLst>
+                          </p:cTn>
+                        </p:par>
+                      </p:childTnLst>
+                    </p:cTn>
+                  </p:par>
+                </p:childTnLst>
+              </p:cTn>
+              <p:prevCondLst>
+                <p:cond evt="onPrev" delay="0">
+                  <p:tgtEl>
+                    <p:sldTgt/>
+                  </p:tgtEl>
+                </p:cond>
+              </p:prevCondLst>
+              <p:nextCondLst>
+                <p:cond evt="onNext" delay="0">
+                  <p:tgtEl>
+                    <p:sldTgt/>
+                  </p:tgtEl>
+                </p:cond>
+              </p:nextCondLst>
+            </p:seq>
+          </p:childTnLst>
+        </p:cTn>
       </p:par>
     </p:tnLst>
+    <p:bldLst>
+      <p:bldP spid="11" grpId="0"/>
+      <p:bldP spid="12" grpId="0"/>
+      <p:bldP spid="13" grpId="0"/>
+      <p:bldP spid="14" grpId="0"/>
+    </p:bldLst>
   </p:timing>
 </p:sld>
 </file>
 
-<file path=ppt/slides/slide14.xml><?xml version="1.0" encoding="utf-8"?>
+<file path=ppt/slides/slide17.xml><?xml version="1.0" encoding="utf-8"?>
+<p:sld xmlns:a="http://schemas.openxmlformats.org/drawingml/2006/main" xmlns:r="http://schemas.openxmlformats.org/officeDocument/2006/relationships" xmlns:p="http://schemas.openxmlformats.org/presentationml/2006/main">
+  <p:cSld>
+    <p:spTree>
+      <p:nvGrpSpPr>
+        <p:cNvPr id="1" name=""/>
+        <p:cNvGrpSpPr/>
+        <p:nvPr/>
+      </p:nvGrpSpPr>
+      <p:grpSpPr>
+        <a:xfrm>
+          <a:off x="0" y="0"/>
+          <a:ext cx="0" cy="0"/>
+          <a:chOff x="0" y="0"/>
+          <a:chExt cx="0" cy="0"/>
+        </a:xfrm>
+      </p:grpSpPr>
+      <p:sp>
+        <p:nvSpPr>
+          <p:cNvPr id="8" name="TextBox 7"/>
+          <p:cNvSpPr txBox="1"/>
+          <p:nvPr/>
+        </p:nvSpPr>
+        <p:spPr>
+          <a:xfrm>
+            <a:off x="1622368" y="329685"/>
+            <a:ext cx="6549906" cy="400110"/>
+          </a:xfrm>
+          <a:prstGeom prst="rect">
+            <a:avLst/>
+          </a:prstGeom>
+          <a:noFill/>
+        </p:spPr>
+        <p:txBody>
+          <a:bodyPr wrap="square" rtlCol="0">
+            <a:spAutoFit/>
+          </a:bodyPr>
+          <a:lstStyle/>
+          <a:p>
+            <a:r>
+              <a:rPr lang="en-US" altLang="ko-KR" sz="2000" dirty="0">
+                <a:solidFill>
+                  <a:schemeClr val="bg1"/>
+                </a:solidFill>
+              </a:rPr>
+              <a:t>3. </a:t>
+            </a:r>
+            <a:r>
+              <a:rPr lang="ko-KR" altLang="en-US" sz="2000" dirty="0">
+                <a:solidFill>
+                  <a:schemeClr val="bg1"/>
+                </a:solidFill>
+              </a:rPr>
+              <a:t>구현 계획 </a:t>
+            </a:r>
+            <a:r>
+              <a:rPr lang="en-US" altLang="ko-KR" sz="2000" dirty="0">
+                <a:solidFill>
+                  <a:schemeClr val="bg1"/>
+                </a:solidFill>
+              </a:rPr>
+              <a:t>– </a:t>
+            </a:r>
+            <a:r>
+              <a:rPr lang="ko-KR" altLang="en-US" sz="2000" dirty="0">
+                <a:solidFill>
+                  <a:schemeClr val="bg1"/>
+                </a:solidFill>
+              </a:rPr>
+              <a:t>기초 화면 설계</a:t>
+            </a:r>
+            <a:endParaRPr lang="en-US" altLang="ko-KR" sz="2000" dirty="0">
+              <a:solidFill>
+                <a:schemeClr val="bg1"/>
+              </a:solidFill>
+            </a:endParaRPr>
+          </a:p>
+        </p:txBody>
+      </p:sp>
+      <p:pic>
+        <p:nvPicPr>
+          <p:cNvPr id="2" name="그림 1">
+            <a:extLst>
+              <a:ext uri="{FF2B5EF4-FFF2-40B4-BE49-F238E27FC236}">
+                <a16:creationId xmlns:a16="http://schemas.microsoft.com/office/drawing/2014/main" id="{5A63FBE4-D3A0-41CE-A6B2-E9AE374A2A9C}"/>
+              </a:ext>
+            </a:extLst>
+          </p:cNvPr>
+          <p:cNvPicPr>
+            <a:picLocks noChangeAspect="1"/>
+          </p:cNvPicPr>
+          <p:nvPr/>
+        </p:nvPicPr>
+        <p:blipFill>
+          <a:blip r:embed="rId2"/>
+          <a:stretch>
+            <a:fillRect/>
+          </a:stretch>
+        </p:blipFill>
+        <p:spPr>
+          <a:xfrm>
+            <a:off x="2738437" y="1383506"/>
+            <a:ext cx="6259357" cy="4090988"/>
+          </a:xfrm>
+          <a:prstGeom prst="rect">
+            <a:avLst/>
+          </a:prstGeom>
+        </p:spPr>
+      </p:pic>
+      <p:sp>
+        <p:nvSpPr>
+          <p:cNvPr id="3" name="TextBox 2">
+            <a:extLst>
+              <a:ext uri="{FF2B5EF4-FFF2-40B4-BE49-F238E27FC236}">
+                <a16:creationId xmlns:a16="http://schemas.microsoft.com/office/drawing/2014/main" id="{337FADFB-3C1C-4F8F-B593-63F79EA80E7B}"/>
+              </a:ext>
+            </a:extLst>
+          </p:cNvPr>
+          <p:cNvSpPr txBox="1"/>
+          <p:nvPr/>
+        </p:nvSpPr>
+        <p:spPr>
+          <a:xfrm>
+            <a:off x="4686300" y="3213100"/>
+            <a:ext cx="3060700" cy="646331"/>
+          </a:xfrm>
+          <a:prstGeom prst="rect">
+            <a:avLst/>
+          </a:prstGeom>
+          <a:noFill/>
+        </p:spPr>
+        <p:txBody>
+          <a:bodyPr wrap="square" rtlCol="0">
+            <a:spAutoFit/>
+          </a:bodyPr>
+          <a:lstStyle/>
+          <a:p>
+            <a:r>
+              <a:rPr lang="ko-KR" altLang="en-US" sz="3600" dirty="0"/>
+              <a:t>조조</a:t>
+            </a:r>
+          </a:p>
+        </p:txBody>
+      </p:sp>
+    </p:spTree>
+    <p:extLst>
+      <p:ext uri="{BB962C8B-B14F-4D97-AF65-F5344CB8AC3E}">
+        <p14:creationId xmlns:p14="http://schemas.microsoft.com/office/powerpoint/2010/main" val="522785865"/>
+      </p:ext>
+    </p:extLst>
+  </p:cSld>
+  <p:clrMapOvr>
+    <a:masterClrMapping/>
+  </p:clrMapOvr>
+  <p:timing>
+    <p:tnLst>
+      <p:par>
+        <p:cTn id="1" dur="indefinite" restart="never" nodeType="tmRoot">
+          <p:childTnLst>
+            <p:seq concurrent="1" nextAc="seek">
+              <p:cTn id="2" dur="indefinite" nodeType="mainSeq">
+                <p:childTnLst>
+                  <p:par>
+                    <p:cTn id="3" fill="hold">
+                      <p:stCondLst>
+                        <p:cond delay="indefinite"/>
+                      </p:stCondLst>
+                      <p:childTnLst>
+                        <p:par>
+                          <p:cTn id="4" fill="hold">
+                            <p:stCondLst>
+                              <p:cond delay="0"/>
+                            </p:stCondLst>
+                            <p:childTnLst>
+                              <p:par>
+                                <p:cTn id="5" presetID="10" presetClass="entr" presetSubtype="0" fill="hold" grpId="0" nodeType="clickEffect">
+                                  <p:stCondLst>
+                                    <p:cond delay="0"/>
+                                  </p:stCondLst>
+                                  <p:childTnLst>
+                                    <p:set>
+                                      <p:cBhvr>
+                                        <p:cTn id="6" dur="1" fill="hold">
+                                          <p:stCondLst>
+                                            <p:cond delay="0"/>
+                                          </p:stCondLst>
+                                        </p:cTn>
+                                        <p:tgtEl>
+                                          <p:spTgt spid="3"/>
+                                        </p:tgtEl>
+                                        <p:attrNameLst>
+                                          <p:attrName>style.visibility</p:attrName>
+                                        </p:attrNameLst>
+                                      </p:cBhvr>
+                                      <p:to>
+                                        <p:strVal val="visible"/>
+                                      </p:to>
+                                    </p:set>
+                                    <p:animEffect transition="in" filter="fade">
+                                      <p:cBhvr>
+                                        <p:cTn id="7" dur="500"/>
+                                        <p:tgtEl>
+                                          <p:spTgt spid="3"/>
+                                        </p:tgtEl>
+                                      </p:cBhvr>
+                                    </p:animEffect>
+                                  </p:childTnLst>
+                                </p:cTn>
+                              </p:par>
+                            </p:childTnLst>
+                          </p:cTn>
+                        </p:par>
+                      </p:childTnLst>
+                    </p:cTn>
+                  </p:par>
+                </p:childTnLst>
+              </p:cTn>
+              <p:prevCondLst>
+                <p:cond evt="onPrev" delay="0">
+                  <p:tgtEl>
+                    <p:sldTgt/>
+                  </p:tgtEl>
+                </p:cond>
+              </p:prevCondLst>
+              <p:nextCondLst>
+                <p:cond evt="onNext" delay="0">
+                  <p:tgtEl>
+                    <p:sldTgt/>
+                  </p:tgtEl>
+                </p:cond>
+              </p:nextCondLst>
+            </p:seq>
+          </p:childTnLst>
+        </p:cTn>
+      </p:par>
+    </p:tnLst>
+    <p:bldLst>
+      <p:bldP spid="3" grpId="0"/>
+    </p:bldLst>
+  </p:timing>
+</p:sld>
+</file>
+
+<file path=ppt/slides/slide18.xml><?xml version="1.0" encoding="utf-8"?>
+<p:sld xmlns:a="http://schemas.openxmlformats.org/drawingml/2006/main" xmlns:r="http://schemas.openxmlformats.org/officeDocument/2006/relationships" xmlns:p="http://schemas.openxmlformats.org/presentationml/2006/main">
+  <p:cSld>
+    <p:spTree>
+      <p:nvGrpSpPr>
+        <p:cNvPr id="1" name=""/>
+        <p:cNvGrpSpPr/>
+        <p:nvPr/>
+      </p:nvGrpSpPr>
+      <p:grpSpPr>
+        <a:xfrm>
+          <a:off x="0" y="0"/>
+          <a:ext cx="0" cy="0"/>
+          <a:chOff x="0" y="0"/>
+          <a:chExt cx="0" cy="0"/>
+        </a:xfrm>
+      </p:grpSpPr>
+      <p:sp>
+        <p:nvSpPr>
+          <p:cNvPr id="8" name="TextBox 7"/>
+          <p:cNvSpPr txBox="1"/>
+          <p:nvPr/>
+        </p:nvSpPr>
+        <p:spPr>
+          <a:xfrm>
+            <a:off x="1622368" y="329685"/>
+            <a:ext cx="6549906" cy="400110"/>
+          </a:xfrm>
+          <a:prstGeom prst="rect">
+            <a:avLst/>
+          </a:prstGeom>
+          <a:noFill/>
+        </p:spPr>
+        <p:txBody>
+          <a:bodyPr wrap="square" rtlCol="0">
+            <a:spAutoFit/>
+          </a:bodyPr>
+          <a:lstStyle/>
+          <a:p>
+            <a:r>
+              <a:rPr lang="en-US" altLang="ko-KR" sz="2000" dirty="0">
+                <a:solidFill>
+                  <a:schemeClr val="bg1"/>
+                </a:solidFill>
+              </a:rPr>
+              <a:t>3. </a:t>
+            </a:r>
+            <a:r>
+              <a:rPr lang="ko-KR" altLang="en-US" sz="2000" dirty="0">
+                <a:solidFill>
+                  <a:schemeClr val="bg1"/>
+                </a:solidFill>
+              </a:rPr>
+              <a:t>구현 계획 </a:t>
+            </a:r>
+            <a:r>
+              <a:rPr lang="en-US" altLang="ko-KR" sz="2000" dirty="0">
+                <a:solidFill>
+                  <a:schemeClr val="bg1"/>
+                </a:solidFill>
+              </a:rPr>
+              <a:t>– </a:t>
+            </a:r>
+            <a:r>
+              <a:rPr lang="ko-KR" altLang="en-US" sz="2000" dirty="0">
+                <a:solidFill>
+                  <a:schemeClr val="bg1"/>
+                </a:solidFill>
+              </a:rPr>
+              <a:t>기초 화면 설계</a:t>
+            </a:r>
+            <a:endParaRPr lang="en-US" altLang="ko-KR" sz="2000" dirty="0">
+              <a:solidFill>
+                <a:schemeClr val="bg1"/>
+              </a:solidFill>
+            </a:endParaRPr>
+          </a:p>
+        </p:txBody>
+      </p:sp>
+      <p:pic>
+        <p:nvPicPr>
+          <p:cNvPr id="2" name="그림 1">
+            <a:extLst>
+              <a:ext uri="{FF2B5EF4-FFF2-40B4-BE49-F238E27FC236}">
+                <a16:creationId xmlns:a16="http://schemas.microsoft.com/office/drawing/2014/main" id="{A843BF78-9AA4-4627-AAE2-5E0C2AF43A54}"/>
+              </a:ext>
+            </a:extLst>
+          </p:cNvPr>
+          <p:cNvPicPr>
+            <a:picLocks noChangeAspect="1"/>
+          </p:cNvPicPr>
+          <p:nvPr/>
+        </p:nvPicPr>
+        <p:blipFill>
+          <a:blip r:embed="rId2"/>
+          <a:stretch>
+            <a:fillRect/>
+          </a:stretch>
+        </p:blipFill>
+        <p:spPr>
+          <a:xfrm>
+            <a:off x="1771649" y="928914"/>
+            <a:ext cx="8734071" cy="5802085"/>
+          </a:xfrm>
+          <a:prstGeom prst="rect">
+            <a:avLst/>
+          </a:prstGeom>
+        </p:spPr>
+      </p:pic>
+      <p:cxnSp>
+        <p:nvCxnSpPr>
+          <p:cNvPr id="29" name="Straight Connector 10">
+            <a:extLst>
+              <a:ext uri="{FF2B5EF4-FFF2-40B4-BE49-F238E27FC236}">
+                <a16:creationId xmlns:a16="http://schemas.microsoft.com/office/drawing/2014/main" id="{ADC7C87A-4110-4889-8294-08DBEAB79037}"/>
+              </a:ext>
+            </a:extLst>
+          </p:cNvPr>
+          <p:cNvCxnSpPr>
+            <a:cxnSpLocks/>
+          </p:cNvCxnSpPr>
+          <p:nvPr/>
+        </p:nvCxnSpPr>
+        <p:spPr>
+          <a:xfrm flipV="1">
+            <a:off x="6115821" y="2615462"/>
+            <a:ext cx="2930263" cy="572652"/>
+          </a:xfrm>
+          <a:prstGeom prst="line">
+            <a:avLst/>
+          </a:prstGeom>
+          <a:ln w="76200">
+            <a:solidFill>
+              <a:srgbClr val="002060"/>
+            </a:solidFill>
+            <a:prstDash val="dash"/>
+          </a:ln>
+        </p:spPr>
+        <p:style>
+          <a:lnRef idx="1">
+            <a:schemeClr val="accent1"/>
+          </a:lnRef>
+          <a:fillRef idx="0">
+            <a:schemeClr val="accent1"/>
+          </a:fillRef>
+          <a:effectRef idx="0">
+            <a:schemeClr val="accent1"/>
+          </a:effectRef>
+          <a:fontRef idx="minor">
+            <a:schemeClr val="tx1"/>
+          </a:fontRef>
+        </p:style>
+      </p:cxnSp>
+      <p:cxnSp>
+        <p:nvCxnSpPr>
+          <p:cNvPr id="31" name="Straight Connector 11">
+            <a:extLst>
+              <a:ext uri="{FF2B5EF4-FFF2-40B4-BE49-F238E27FC236}">
+                <a16:creationId xmlns:a16="http://schemas.microsoft.com/office/drawing/2014/main" id="{B928C163-0081-41D1-A35A-B127F3C7226C}"/>
+              </a:ext>
+            </a:extLst>
+          </p:cNvPr>
+          <p:cNvCxnSpPr>
+            <a:cxnSpLocks/>
+            <a:stCxn id="38" idx="1"/>
+          </p:cNvCxnSpPr>
+          <p:nvPr/>
+        </p:nvCxnSpPr>
+        <p:spPr>
+          <a:xfrm flipH="1" flipV="1">
+            <a:off x="6702088" y="3332700"/>
+            <a:ext cx="1116544" cy="1235226"/>
+          </a:xfrm>
+          <a:prstGeom prst="line">
+            <a:avLst/>
+          </a:prstGeom>
+          <a:ln w="76200">
+            <a:solidFill>
+              <a:srgbClr val="002060"/>
+            </a:solidFill>
+            <a:prstDash val="dash"/>
+          </a:ln>
+        </p:spPr>
+        <p:style>
+          <a:lnRef idx="1">
+            <a:schemeClr val="accent1"/>
+          </a:lnRef>
+          <a:fillRef idx="0">
+            <a:schemeClr val="accent1"/>
+          </a:fillRef>
+          <a:effectRef idx="0">
+            <a:schemeClr val="accent1"/>
+          </a:effectRef>
+          <a:fontRef idx="minor">
+            <a:schemeClr val="tx1"/>
+          </a:fontRef>
+        </p:style>
+      </p:cxnSp>
+      <p:cxnSp>
+        <p:nvCxnSpPr>
+          <p:cNvPr id="32" name="Straight Connector 12">
+            <a:extLst>
+              <a:ext uri="{FF2B5EF4-FFF2-40B4-BE49-F238E27FC236}">
+                <a16:creationId xmlns:a16="http://schemas.microsoft.com/office/drawing/2014/main" id="{3CCBFD37-413C-42B8-8578-47FFA2610FFA}"/>
+              </a:ext>
+            </a:extLst>
+          </p:cNvPr>
+          <p:cNvCxnSpPr>
+            <a:cxnSpLocks/>
+          </p:cNvCxnSpPr>
+          <p:nvPr/>
+        </p:nvCxnSpPr>
+        <p:spPr>
+          <a:xfrm flipV="1">
+            <a:off x="4180090" y="3895497"/>
+            <a:ext cx="1651227" cy="1339498"/>
+          </a:xfrm>
+          <a:prstGeom prst="line">
+            <a:avLst/>
+          </a:prstGeom>
+          <a:ln w="76200">
+            <a:solidFill>
+              <a:srgbClr val="002060"/>
+            </a:solidFill>
+            <a:prstDash val="dash"/>
+          </a:ln>
+        </p:spPr>
+        <p:style>
+          <a:lnRef idx="1">
+            <a:schemeClr val="accent1"/>
+          </a:lnRef>
+          <a:fillRef idx="0">
+            <a:schemeClr val="accent1"/>
+          </a:fillRef>
+          <a:effectRef idx="0">
+            <a:schemeClr val="accent1"/>
+          </a:effectRef>
+          <a:fontRef idx="minor">
+            <a:schemeClr val="tx1"/>
+          </a:fontRef>
+        </p:style>
+      </p:cxnSp>
+      <p:cxnSp>
+        <p:nvCxnSpPr>
+          <p:cNvPr id="33" name="Straight Connector 13">
+            <a:extLst>
+              <a:ext uri="{FF2B5EF4-FFF2-40B4-BE49-F238E27FC236}">
+                <a16:creationId xmlns:a16="http://schemas.microsoft.com/office/drawing/2014/main" id="{5EF2E186-0D4C-498C-B155-E4B53342FAA6}"/>
+              </a:ext>
+            </a:extLst>
+          </p:cNvPr>
+          <p:cNvCxnSpPr>
+            <a:cxnSpLocks/>
+            <a:stCxn id="35" idx="6"/>
+          </p:cNvCxnSpPr>
+          <p:nvPr/>
+        </p:nvCxnSpPr>
+        <p:spPr>
+          <a:xfrm>
+            <a:off x="4268200" y="2710609"/>
+            <a:ext cx="1969777" cy="919756"/>
+          </a:xfrm>
+          <a:prstGeom prst="line">
+            <a:avLst/>
+          </a:prstGeom>
+          <a:ln w="76200">
+            <a:solidFill>
+              <a:srgbClr val="002060"/>
+            </a:solidFill>
+            <a:prstDash val="dash"/>
+          </a:ln>
+        </p:spPr>
+        <p:style>
+          <a:lnRef idx="1">
+            <a:schemeClr val="accent1"/>
+          </a:lnRef>
+          <a:fillRef idx="0">
+            <a:schemeClr val="accent1"/>
+          </a:fillRef>
+          <a:effectRef idx="0">
+            <a:schemeClr val="accent1"/>
+          </a:effectRef>
+          <a:fontRef idx="minor">
+            <a:schemeClr val="tx1"/>
+          </a:fontRef>
+        </p:style>
+      </p:cxnSp>
+      <p:sp>
+        <p:nvSpPr>
+          <p:cNvPr id="34" name="Oval 8">
+            <a:extLst>
+              <a:ext uri="{FF2B5EF4-FFF2-40B4-BE49-F238E27FC236}">
+                <a16:creationId xmlns:a16="http://schemas.microsoft.com/office/drawing/2014/main" id="{9062E06E-3565-4F4A-B122-0C708FA7E223}"/>
+              </a:ext>
+            </a:extLst>
+          </p:cNvPr>
+          <p:cNvSpPr>
+            <a:spLocks noChangeArrowheads="1"/>
+          </p:cNvSpPr>
+          <p:nvPr/>
+        </p:nvSpPr>
+        <p:spPr bwMode="auto">
+          <a:xfrm>
+            <a:off x="8144212" y="1694098"/>
+            <a:ext cx="1538637" cy="1388183"/>
+          </a:xfrm>
+          <a:prstGeom prst="ellipse">
+            <a:avLst/>
+          </a:prstGeom>
+          <a:solidFill>
+            <a:schemeClr val="accent2"/>
+          </a:solidFill>
+          <a:ln>
+            <a:solidFill>
+              <a:schemeClr val="accent2">
+                <a:lumMod val="75000"/>
+              </a:schemeClr>
+            </a:solidFill>
+          </a:ln>
+        </p:spPr>
+        <p:style>
+          <a:lnRef idx="2">
+            <a:schemeClr val="accent1">
+              <a:shade val="50000"/>
+            </a:schemeClr>
+          </a:lnRef>
+          <a:fillRef idx="1">
+            <a:schemeClr val="accent1"/>
+          </a:fillRef>
+          <a:effectRef idx="0">
+            <a:schemeClr val="accent1"/>
+          </a:effectRef>
+          <a:fontRef idx="minor">
+            <a:schemeClr val="lt1"/>
+          </a:fontRef>
+        </p:style>
+        <p:txBody>
+          <a:bodyPr rtlCol="0" anchor="ctr"/>
+          <a:lstStyle/>
+          <a:p>
+            <a:pPr algn="ctr"/>
+            <a:r>
+              <a:rPr lang="ko-KR" altLang="en-US" sz="2000" dirty="0"/>
+              <a:t>위나라</a:t>
+            </a:r>
+            <a:endParaRPr lang="en-US" sz="2000" dirty="0"/>
+          </a:p>
+        </p:txBody>
+      </p:sp>
+      <p:sp>
+        <p:nvSpPr>
+          <p:cNvPr id="35" name="Oval 17">
+            <a:extLst>
+              <a:ext uri="{FF2B5EF4-FFF2-40B4-BE49-F238E27FC236}">
+                <a16:creationId xmlns:a16="http://schemas.microsoft.com/office/drawing/2014/main" id="{6639EC70-2D0F-4790-AB8F-739F4D06CE0A}"/>
+              </a:ext>
+            </a:extLst>
+          </p:cNvPr>
+          <p:cNvSpPr>
+            <a:spLocks noChangeArrowheads="1"/>
+          </p:cNvSpPr>
+          <p:nvPr/>
+        </p:nvSpPr>
+        <p:spPr bwMode="auto">
+          <a:xfrm>
+            <a:off x="2912618" y="2128639"/>
+            <a:ext cx="1355582" cy="1163940"/>
+          </a:xfrm>
+          <a:prstGeom prst="ellipse">
+            <a:avLst/>
+          </a:prstGeom>
+          <a:solidFill>
+            <a:schemeClr val="accent6"/>
+          </a:solidFill>
+          <a:ln>
+            <a:solidFill>
+              <a:schemeClr val="accent6">
+                <a:lumMod val="75000"/>
+              </a:schemeClr>
+            </a:solidFill>
+          </a:ln>
+        </p:spPr>
+        <p:style>
+          <a:lnRef idx="2">
+            <a:schemeClr val="accent1">
+              <a:shade val="50000"/>
+            </a:schemeClr>
+          </a:lnRef>
+          <a:fillRef idx="1">
+            <a:schemeClr val="accent1"/>
+          </a:fillRef>
+          <a:effectRef idx="0">
+            <a:schemeClr val="accent1"/>
+          </a:effectRef>
+          <a:fontRef idx="minor">
+            <a:schemeClr val="lt1"/>
+          </a:fontRef>
+        </p:style>
+        <p:txBody>
+          <a:bodyPr rtlCol="0" anchor="ctr"/>
+          <a:lstStyle/>
+          <a:p>
+            <a:pPr algn="ctr"/>
+            <a:r>
+              <a:rPr lang="ko-KR" altLang="en-US" sz="2800" dirty="0"/>
+              <a:t>유비</a:t>
+            </a:r>
+            <a:endParaRPr lang="en-US" sz="2800" dirty="0"/>
+          </a:p>
+        </p:txBody>
+      </p:sp>
+      <p:sp>
+        <p:nvSpPr>
+          <p:cNvPr id="36" name="Oval 8">
+            <a:extLst>
+              <a:ext uri="{FF2B5EF4-FFF2-40B4-BE49-F238E27FC236}">
+                <a16:creationId xmlns:a16="http://schemas.microsoft.com/office/drawing/2014/main" id="{2821637E-8ABF-49CA-AA8D-9DABF11B03FB}"/>
+              </a:ext>
+            </a:extLst>
+          </p:cNvPr>
+          <p:cNvSpPr/>
+          <p:nvPr/>
+        </p:nvSpPr>
+        <p:spPr>
+          <a:xfrm>
+            <a:off x="5305732" y="2615461"/>
+            <a:ext cx="2157480" cy="1987702"/>
+          </a:xfrm>
+          <a:prstGeom prst="ellipse">
+            <a:avLst/>
+          </a:prstGeom>
+          <a:solidFill>
+            <a:schemeClr val="accent5"/>
+          </a:solidFill>
+          <a:ln w="76200">
+            <a:solidFill>
+              <a:schemeClr val="accent5">
+                <a:lumMod val="75000"/>
+              </a:schemeClr>
+            </a:solidFill>
+          </a:ln>
+        </p:spPr>
+        <p:style>
+          <a:lnRef idx="2">
+            <a:schemeClr val="accent1">
+              <a:shade val="50000"/>
+            </a:schemeClr>
+          </a:lnRef>
+          <a:fillRef idx="1">
+            <a:schemeClr val="accent1"/>
+          </a:fillRef>
+          <a:effectRef idx="0">
+            <a:schemeClr val="accent1"/>
+          </a:effectRef>
+          <a:fontRef idx="minor">
+            <a:schemeClr val="lt1"/>
+          </a:fontRef>
+        </p:style>
+        <p:txBody>
+          <a:bodyPr rtlCol="0" anchor="ctr"/>
+          <a:lstStyle/>
+          <a:p>
+            <a:pPr algn="ctr"/>
+            <a:r>
+              <a:rPr lang="ko-KR" altLang="en-US" sz="4800" dirty="0"/>
+              <a:t>조조</a:t>
+            </a:r>
+            <a:endParaRPr lang="en-US" sz="900" dirty="0"/>
+          </a:p>
+        </p:txBody>
+      </p:sp>
+      <p:sp>
+        <p:nvSpPr>
+          <p:cNvPr id="37" name="Oval 14">
+            <a:extLst>
+              <a:ext uri="{FF2B5EF4-FFF2-40B4-BE49-F238E27FC236}">
+                <a16:creationId xmlns:a16="http://schemas.microsoft.com/office/drawing/2014/main" id="{46D3CF58-3294-4D06-AEEA-3206563F4A21}"/>
+              </a:ext>
+            </a:extLst>
+          </p:cNvPr>
+          <p:cNvSpPr>
+            <a:spLocks noChangeArrowheads="1"/>
+          </p:cNvSpPr>
+          <p:nvPr/>
+        </p:nvSpPr>
+        <p:spPr bwMode="auto">
+          <a:xfrm>
+            <a:off x="3210547" y="4308708"/>
+            <a:ext cx="1354987" cy="1365815"/>
+          </a:xfrm>
+          <a:prstGeom prst="ellipse">
+            <a:avLst/>
+          </a:prstGeom>
+          <a:solidFill>
+            <a:schemeClr val="accent3"/>
+          </a:solidFill>
+          <a:ln>
+            <a:solidFill>
+              <a:schemeClr val="accent3">
+                <a:lumMod val="75000"/>
+              </a:schemeClr>
+            </a:solidFill>
+          </a:ln>
+        </p:spPr>
+        <p:style>
+          <a:lnRef idx="2">
+            <a:schemeClr val="accent1">
+              <a:shade val="50000"/>
+            </a:schemeClr>
+          </a:lnRef>
+          <a:fillRef idx="1">
+            <a:schemeClr val="accent1"/>
+          </a:fillRef>
+          <a:effectRef idx="0">
+            <a:schemeClr val="accent1"/>
+          </a:effectRef>
+          <a:fontRef idx="minor">
+            <a:schemeClr val="lt1"/>
+          </a:fontRef>
+        </p:style>
+        <p:txBody>
+          <a:bodyPr rtlCol="0" anchor="ctr"/>
+          <a:lstStyle/>
+          <a:p>
+            <a:pPr algn="ctr"/>
+            <a:r>
+              <a:rPr lang="ko-KR" altLang="en-US" sz="2800" dirty="0"/>
+              <a:t>동탁</a:t>
+            </a:r>
+            <a:endParaRPr lang="en-US" sz="2800" dirty="0"/>
+          </a:p>
+        </p:txBody>
+      </p:sp>
+      <p:sp>
+        <p:nvSpPr>
+          <p:cNvPr id="38" name="Oval 11">
+            <a:extLst>
+              <a:ext uri="{FF2B5EF4-FFF2-40B4-BE49-F238E27FC236}">
+                <a16:creationId xmlns:a16="http://schemas.microsoft.com/office/drawing/2014/main" id="{97495589-4A53-4C3E-B025-4101847DB134}"/>
+              </a:ext>
+            </a:extLst>
+          </p:cNvPr>
+          <p:cNvSpPr>
+            <a:spLocks noChangeArrowheads="1"/>
+          </p:cNvSpPr>
+          <p:nvPr/>
+        </p:nvSpPr>
+        <p:spPr bwMode="auto">
+          <a:xfrm>
+            <a:off x="7593559" y="4364631"/>
+            <a:ext cx="1536893" cy="1388183"/>
+          </a:xfrm>
+          <a:prstGeom prst="ellipse">
+            <a:avLst/>
+          </a:prstGeom>
+        </p:spPr>
+        <p:style>
+          <a:lnRef idx="2">
+            <a:schemeClr val="accent1">
+              <a:shade val="50000"/>
+            </a:schemeClr>
+          </a:lnRef>
+          <a:fillRef idx="1">
+            <a:schemeClr val="accent1"/>
+          </a:fillRef>
+          <a:effectRef idx="0">
+            <a:schemeClr val="accent1"/>
+          </a:effectRef>
+          <a:fontRef idx="minor">
+            <a:schemeClr val="lt1"/>
+          </a:fontRef>
+        </p:style>
+        <p:txBody>
+          <a:bodyPr rtlCol="0" anchor="ctr"/>
+          <a:lstStyle/>
+          <a:p>
+            <a:pPr algn="ctr"/>
+            <a:r>
+              <a:rPr lang="ko-KR" altLang="en-US" sz="2800" dirty="0"/>
+              <a:t>원소</a:t>
+            </a:r>
+            <a:endParaRPr lang="en-US" sz="2800" dirty="0"/>
+          </a:p>
+        </p:txBody>
+      </p:sp>
+    </p:spTree>
+    <p:extLst>
+      <p:ext uri="{BB962C8B-B14F-4D97-AF65-F5344CB8AC3E}">
+        <p14:creationId xmlns:p14="http://schemas.microsoft.com/office/powerpoint/2010/main" val="1188973260"/>
+      </p:ext>
+    </p:extLst>
+  </p:cSld>
+  <p:clrMapOvr>
+    <a:masterClrMapping/>
+  </p:clrMapOvr>
+</p:sld>
+</file>
+
+<file path=ppt/slides/slide19.xml><?xml version="1.0" encoding="utf-8"?>
 <p:sld xmlns:a="http://schemas.openxmlformats.org/drawingml/2006/main" xmlns:r="http://schemas.openxmlformats.org/officeDocument/2006/relationships" xmlns:p="http://schemas.openxmlformats.org/presentationml/2006/main">
   <p:cSld>
     <p:spTree>
@@ -5400,611 +8448,6 @@
 </p:sld>
 </file>
 
-<file path=ppt/slides/slide15.xml><?xml version="1.0" encoding="utf-8"?>
-<p:sld xmlns:a="http://schemas.openxmlformats.org/drawingml/2006/main" xmlns:r="http://schemas.openxmlformats.org/officeDocument/2006/relationships" xmlns:p="http://schemas.openxmlformats.org/presentationml/2006/main">
-  <p:cSld>
-    <p:spTree>
-      <p:nvGrpSpPr>
-        <p:cNvPr id="1" name=""/>
-        <p:cNvGrpSpPr/>
-        <p:nvPr/>
-      </p:nvGrpSpPr>
-      <p:grpSpPr>
-        <a:xfrm>
-          <a:off x="0" y="0"/>
-          <a:ext cx="0" cy="0"/>
-          <a:chOff x="0" y="0"/>
-          <a:chExt cx="0" cy="0"/>
-        </a:xfrm>
-      </p:grpSpPr>
-      <p:sp>
-        <p:nvSpPr>
-          <p:cNvPr id="16" name="직사각형 15"/>
-          <p:cNvSpPr/>
-          <p:nvPr/>
-        </p:nvSpPr>
-        <p:spPr>
-          <a:xfrm>
-            <a:off x="0" y="883920"/>
-            <a:ext cx="12192000" cy="5974080"/>
-          </a:xfrm>
-          <a:prstGeom prst="rect">
-            <a:avLst/>
-          </a:prstGeom>
-          <a:solidFill>
-            <a:schemeClr val="bg1"/>
-          </a:solidFill>
-          <a:ln>
-            <a:noFill/>
-          </a:ln>
-        </p:spPr>
-        <p:style>
-          <a:lnRef idx="2">
-            <a:schemeClr val="accent1">
-              <a:shade val="50000"/>
-            </a:schemeClr>
-          </a:lnRef>
-          <a:fillRef idx="1">
-            <a:schemeClr val="accent1"/>
-          </a:fillRef>
-          <a:effectRef idx="0">
-            <a:schemeClr val="accent1"/>
-          </a:effectRef>
-          <a:fontRef idx="minor">
-            <a:schemeClr val="lt1"/>
-          </a:fontRef>
-        </p:style>
-        <p:txBody>
-          <a:bodyPr rtlCol="0" anchor="ctr"/>
-          <a:lstStyle/>
-          <a:p>
-            <a:pPr algn="ctr"/>
-            <a:endParaRPr lang="ko-KR" altLang="en-US"/>
-          </a:p>
-        </p:txBody>
-      </p:sp>
-      <p:sp>
-        <p:nvSpPr>
-          <p:cNvPr id="20" name="TextBox 19"/>
-          <p:cNvSpPr txBox="1"/>
-          <p:nvPr/>
-        </p:nvSpPr>
-        <p:spPr>
-          <a:xfrm>
-            <a:off x="426720" y="367392"/>
-            <a:ext cx="1587294" cy="400110"/>
-          </a:xfrm>
-          <a:prstGeom prst="rect">
-            <a:avLst/>
-          </a:prstGeom>
-          <a:noFill/>
-        </p:spPr>
-        <p:txBody>
-          <a:bodyPr wrap="none" rtlCol="0">
-            <a:spAutoFit/>
-          </a:bodyPr>
-          <a:lstStyle/>
-          <a:p>
-            <a:r>
-              <a:rPr lang="en-US" altLang="ko-KR" sz="2000" dirty="0">
-                <a:solidFill>
-                  <a:schemeClr val="bg1"/>
-                </a:solidFill>
-              </a:rPr>
-              <a:t>4. </a:t>
-            </a:r>
-            <a:r>
-              <a:rPr lang="ko-KR" altLang="en-US" sz="2000" dirty="0">
-                <a:solidFill>
-                  <a:schemeClr val="bg1"/>
-                </a:solidFill>
-              </a:rPr>
-              <a:t>사용 기술</a:t>
-            </a:r>
-            <a:endParaRPr lang="ko-KR" altLang="en-US" sz="2000" b="1" dirty="0">
-              <a:solidFill>
-                <a:schemeClr val="bg1"/>
-              </a:solidFill>
-              <a:latin typeface="나눔스퀘어 Bold" panose="020B0600000101010101" pitchFamily="50" charset="-127"/>
-              <a:ea typeface="나눔스퀘어 Bold" panose="020B0600000101010101" pitchFamily="50" charset="-127"/>
-            </a:endParaRPr>
-          </a:p>
-        </p:txBody>
-      </p:sp>
-      <p:sp>
-        <p:nvSpPr>
-          <p:cNvPr id="28" name="TextBox 27"/>
-          <p:cNvSpPr txBox="1"/>
-          <p:nvPr/>
-        </p:nvSpPr>
-        <p:spPr>
-          <a:xfrm>
-            <a:off x="11565700" y="90393"/>
-            <a:ext cx="569388" cy="276999"/>
-          </a:xfrm>
-          <a:prstGeom prst="rect">
-            <a:avLst/>
-          </a:prstGeom>
-          <a:noFill/>
-        </p:spPr>
-        <p:txBody>
-          <a:bodyPr wrap="none" rtlCol="0">
-            <a:spAutoFit/>
-          </a:bodyPr>
-          <a:lstStyle/>
-          <a:p>
-            <a:pPr algn="r"/>
-            <a:r>
-              <a:rPr lang="en-US" altLang="ko-KR" sz="1200" dirty="0" smtClean="0">
-                <a:solidFill>
-                  <a:schemeClr val="tx1">
-                    <a:lumMod val="50000"/>
-                    <a:lumOff val="50000"/>
-                  </a:schemeClr>
-                </a:solidFill>
-                <a:latin typeface="+mn-ea"/>
-              </a:rPr>
-              <a:t>TITLE</a:t>
-            </a:r>
-            <a:endParaRPr lang="ko-KR" altLang="en-US" sz="1200" dirty="0">
-              <a:solidFill>
-                <a:schemeClr val="tx1">
-                  <a:lumMod val="50000"/>
-                  <a:lumOff val="50000"/>
-                </a:schemeClr>
-              </a:solidFill>
-              <a:latin typeface="+mn-ea"/>
-            </a:endParaRPr>
-          </a:p>
-        </p:txBody>
-      </p:sp>
-      <p:pic>
-        <p:nvPicPr>
-          <p:cNvPr id="5" name="그림 4"/>
-          <p:cNvPicPr>
-            <a:picLocks noChangeAspect="1"/>
-          </p:cNvPicPr>
-          <p:nvPr/>
-        </p:nvPicPr>
-        <p:blipFill>
-          <a:blip r:embed="rId2" cstate="print">
-            <a:extLst>
-              <a:ext uri="{28A0092B-C50C-407E-A947-70E740481C1C}">
-                <a14:useLocalDpi xmlns:a14="http://schemas.microsoft.com/office/drawing/2010/main" val="0"/>
-              </a:ext>
-            </a:extLst>
-          </a:blip>
-          <a:stretch>
-            <a:fillRect/>
-          </a:stretch>
-        </p:blipFill>
-        <p:spPr>
-          <a:xfrm>
-            <a:off x="4551340" y="3672035"/>
-            <a:ext cx="1571597" cy="1571597"/>
-          </a:xfrm>
-          <a:prstGeom prst="rect">
-            <a:avLst/>
-          </a:prstGeom>
-        </p:spPr>
-      </p:pic>
-      <p:pic>
-        <p:nvPicPr>
-          <p:cNvPr id="6" name="그림 5"/>
-          <p:cNvPicPr>
-            <a:picLocks noChangeAspect="1"/>
-          </p:cNvPicPr>
-          <p:nvPr/>
-        </p:nvPicPr>
-        <p:blipFill>
-          <a:blip r:embed="rId3" cstate="print">
-            <a:extLst>
-              <a:ext uri="{28A0092B-C50C-407E-A947-70E740481C1C}">
-                <a14:useLocalDpi xmlns:a14="http://schemas.microsoft.com/office/drawing/2010/main" val="0"/>
-              </a:ext>
-            </a:extLst>
-          </a:blip>
-          <a:stretch>
-            <a:fillRect/>
-          </a:stretch>
-        </p:blipFill>
-        <p:spPr>
-          <a:xfrm>
-            <a:off x="2332369" y="3638670"/>
-            <a:ext cx="1874970" cy="1874970"/>
-          </a:xfrm>
-          <a:prstGeom prst="rect">
-            <a:avLst/>
-          </a:prstGeom>
-        </p:spPr>
-      </p:pic>
-      <p:pic>
-        <p:nvPicPr>
-          <p:cNvPr id="7" name="그림 6"/>
-          <p:cNvPicPr>
-            <a:picLocks noChangeAspect="1"/>
-          </p:cNvPicPr>
-          <p:nvPr/>
-        </p:nvPicPr>
-        <p:blipFill>
-          <a:blip r:embed="rId4" cstate="print">
-            <a:duotone>
-              <a:prstClr val="black"/>
-              <a:schemeClr val="accent5">
-                <a:tint val="45000"/>
-                <a:satMod val="400000"/>
-              </a:schemeClr>
-            </a:duotone>
-            <a:extLst>
-              <a:ext uri="{28A0092B-C50C-407E-A947-70E740481C1C}">
-                <a14:useLocalDpi xmlns:a14="http://schemas.microsoft.com/office/drawing/2010/main" val="0"/>
-              </a:ext>
-            </a:extLst>
-          </a:blip>
-          <a:stretch>
-            <a:fillRect/>
-          </a:stretch>
-        </p:blipFill>
-        <p:spPr>
-          <a:xfrm>
-            <a:off x="327786" y="3638670"/>
-            <a:ext cx="1810218" cy="1810218"/>
-          </a:xfrm>
-          <a:prstGeom prst="rect">
-            <a:avLst/>
-          </a:prstGeom>
-        </p:spPr>
-      </p:pic>
-      <p:pic>
-        <p:nvPicPr>
-          <p:cNvPr id="8" name="그림 7"/>
-          <p:cNvPicPr>
-            <a:picLocks noChangeAspect="1"/>
-          </p:cNvPicPr>
-          <p:nvPr/>
-        </p:nvPicPr>
-        <p:blipFill>
-          <a:blip r:embed="rId5">
-            <a:extLst>
-              <a:ext uri="{28A0092B-C50C-407E-A947-70E740481C1C}">
-                <a14:useLocalDpi xmlns:a14="http://schemas.microsoft.com/office/drawing/2010/main" val="0"/>
-              </a:ext>
-            </a:extLst>
-          </a:blip>
-          <a:stretch>
-            <a:fillRect/>
-          </a:stretch>
-        </p:blipFill>
-        <p:spPr>
-          <a:xfrm>
-            <a:off x="8524110" y="2958117"/>
-            <a:ext cx="3326099" cy="2494575"/>
-          </a:xfrm>
-          <a:prstGeom prst="rect">
-            <a:avLst/>
-          </a:prstGeom>
-        </p:spPr>
-      </p:pic>
-      <p:pic>
-        <p:nvPicPr>
-          <p:cNvPr id="9" name="그림 8"/>
-          <p:cNvPicPr>
-            <a:picLocks noChangeAspect="1"/>
-          </p:cNvPicPr>
-          <p:nvPr/>
-        </p:nvPicPr>
-        <p:blipFill>
-          <a:blip r:embed="rId6" cstate="print">
-            <a:extLst>
-              <a:ext uri="{28A0092B-C50C-407E-A947-70E740481C1C}">
-                <a14:useLocalDpi xmlns:a14="http://schemas.microsoft.com/office/drawing/2010/main" val="0"/>
-              </a:ext>
-            </a:extLst>
-          </a:blip>
-          <a:stretch>
-            <a:fillRect/>
-          </a:stretch>
-        </p:blipFill>
-        <p:spPr>
-          <a:xfrm>
-            <a:off x="2830484" y="1122257"/>
-            <a:ext cx="2037460" cy="2030888"/>
-          </a:xfrm>
-          <a:prstGeom prst="rect">
-            <a:avLst/>
-          </a:prstGeom>
-        </p:spPr>
-      </p:pic>
-      <p:pic>
-        <p:nvPicPr>
-          <p:cNvPr id="10" name="그림 9"/>
-          <p:cNvPicPr>
-            <a:picLocks noChangeAspect="1"/>
-          </p:cNvPicPr>
-          <p:nvPr/>
-        </p:nvPicPr>
-        <p:blipFill>
-          <a:blip r:embed="rId7" cstate="print">
-            <a:extLst>
-              <a:ext uri="{28A0092B-C50C-407E-A947-70E740481C1C}">
-                <a14:useLocalDpi xmlns:a14="http://schemas.microsoft.com/office/drawing/2010/main" val="0"/>
-              </a:ext>
-            </a:extLst>
-          </a:blip>
-          <a:stretch>
-            <a:fillRect/>
-          </a:stretch>
-        </p:blipFill>
-        <p:spPr>
-          <a:xfrm>
-            <a:off x="502222" y="1227403"/>
-            <a:ext cx="1823763" cy="1820597"/>
-          </a:xfrm>
-          <a:prstGeom prst="rect">
-            <a:avLst/>
-          </a:prstGeom>
-        </p:spPr>
-      </p:pic>
-      <p:pic>
-        <p:nvPicPr>
-          <p:cNvPr id="11" name="그림 10"/>
-          <p:cNvPicPr>
-            <a:picLocks noChangeAspect="1"/>
-          </p:cNvPicPr>
-          <p:nvPr/>
-        </p:nvPicPr>
-        <p:blipFill>
-          <a:blip r:embed="rId8" cstate="print">
-            <a:extLst>
-              <a:ext uri="{28A0092B-C50C-407E-A947-70E740481C1C}">
-                <a14:useLocalDpi xmlns:a14="http://schemas.microsoft.com/office/drawing/2010/main" val="0"/>
-              </a:ext>
-            </a:extLst>
-          </a:blip>
-          <a:stretch>
-            <a:fillRect/>
-          </a:stretch>
-        </p:blipFill>
-        <p:spPr>
-          <a:xfrm>
-            <a:off x="7455824" y="5196534"/>
-            <a:ext cx="4482373" cy="1661466"/>
-          </a:xfrm>
-          <a:prstGeom prst="rect">
-            <a:avLst/>
-          </a:prstGeom>
-        </p:spPr>
-      </p:pic>
-      <p:pic>
-        <p:nvPicPr>
-          <p:cNvPr id="12" name="그림 11"/>
-          <p:cNvPicPr>
-            <a:picLocks noChangeAspect="1"/>
-          </p:cNvPicPr>
-          <p:nvPr/>
-        </p:nvPicPr>
-        <p:blipFill>
-          <a:blip r:embed="rId9" cstate="print">
-            <a:extLst>
-              <a:ext uri="{28A0092B-C50C-407E-A947-70E740481C1C}">
-                <a14:useLocalDpi xmlns:a14="http://schemas.microsoft.com/office/drawing/2010/main" val="0"/>
-              </a:ext>
-            </a:extLst>
-          </a:blip>
-          <a:stretch>
-            <a:fillRect/>
-          </a:stretch>
-        </p:blipFill>
-        <p:spPr>
-          <a:xfrm>
-            <a:off x="9454824" y="1638477"/>
-            <a:ext cx="2395385" cy="928451"/>
-          </a:xfrm>
-          <a:prstGeom prst="rect">
-            <a:avLst/>
-          </a:prstGeom>
-        </p:spPr>
-      </p:pic>
-      <p:pic>
-        <p:nvPicPr>
-          <p:cNvPr id="13" name="그림 12"/>
-          <p:cNvPicPr>
-            <a:picLocks noChangeAspect="1"/>
-          </p:cNvPicPr>
-          <p:nvPr/>
-        </p:nvPicPr>
-        <p:blipFill>
-          <a:blip r:embed="rId10">
-            <a:extLst>
-              <a:ext uri="{28A0092B-C50C-407E-A947-70E740481C1C}">
-                <a14:useLocalDpi xmlns:a14="http://schemas.microsoft.com/office/drawing/2010/main" val="0"/>
-              </a:ext>
-            </a:extLst>
-          </a:blip>
-          <a:stretch>
-            <a:fillRect/>
-          </a:stretch>
-        </p:blipFill>
-        <p:spPr>
-          <a:xfrm>
-            <a:off x="5887407" y="2849654"/>
-            <a:ext cx="2949962" cy="2949962"/>
-          </a:xfrm>
-          <a:prstGeom prst="rect">
-            <a:avLst/>
-          </a:prstGeom>
-        </p:spPr>
-      </p:pic>
-      <p:pic>
-        <p:nvPicPr>
-          <p:cNvPr id="14" name="그림 13"/>
-          <p:cNvPicPr>
-            <a:picLocks noChangeAspect="1"/>
-          </p:cNvPicPr>
-          <p:nvPr/>
-        </p:nvPicPr>
-        <p:blipFill rotWithShape="1">
-          <a:blip r:embed="rId11" cstate="print">
-            <a:extLst>
-              <a:ext uri="{28A0092B-C50C-407E-A947-70E740481C1C}">
-                <a14:useLocalDpi xmlns:a14="http://schemas.microsoft.com/office/drawing/2010/main" val="0"/>
-              </a:ext>
-            </a:extLst>
-          </a:blip>
-          <a:srcRect b="49580"/>
-          <a:stretch/>
-        </p:blipFill>
-        <p:spPr>
-          <a:xfrm>
-            <a:off x="5048644" y="1255964"/>
-            <a:ext cx="2863144" cy="1443604"/>
-          </a:xfrm>
-          <a:prstGeom prst="rect">
-            <a:avLst/>
-          </a:prstGeom>
-        </p:spPr>
-      </p:pic>
-      <p:pic>
-        <p:nvPicPr>
-          <p:cNvPr id="15" name="그림 14"/>
-          <p:cNvPicPr>
-            <a:picLocks noChangeAspect="1"/>
-          </p:cNvPicPr>
-          <p:nvPr/>
-        </p:nvPicPr>
-        <p:blipFill rotWithShape="1">
-          <a:blip r:embed="rId11" cstate="print">
-            <a:extLst>
-              <a:ext uri="{28A0092B-C50C-407E-A947-70E740481C1C}">
-                <a14:useLocalDpi xmlns:a14="http://schemas.microsoft.com/office/drawing/2010/main" val="0"/>
-              </a:ext>
-            </a:extLst>
-          </a:blip>
-          <a:srcRect t="47724" r="51030"/>
-          <a:stretch/>
-        </p:blipFill>
-        <p:spPr>
-          <a:xfrm>
-            <a:off x="7911788" y="1105878"/>
-            <a:ext cx="1402079" cy="1496728"/>
-          </a:xfrm>
-          <a:prstGeom prst="rect">
-            <a:avLst/>
-          </a:prstGeom>
-        </p:spPr>
-      </p:pic>
-    </p:spTree>
-    <p:extLst>
-      <p:ext uri="{BB962C8B-B14F-4D97-AF65-F5344CB8AC3E}">
-        <p14:creationId xmlns:p14="http://schemas.microsoft.com/office/powerpoint/2010/main" val="1752529367"/>
-      </p:ext>
-    </p:extLst>
-  </p:cSld>
-  <p:clrMapOvr>
-    <a:masterClrMapping/>
-  </p:clrMapOvr>
-  <p:timing>
-    <p:tnLst>
-      <p:par>
-        <p:cTn id="1" dur="indefinite" restart="never" nodeType="tmRoot"/>
-      </p:par>
-    </p:tnLst>
-  </p:timing>
-</p:sld>
-</file>
-
-<file path=ppt/slides/slide16.xml><?xml version="1.0" encoding="utf-8"?>
-<p:sld xmlns:a="http://schemas.openxmlformats.org/drawingml/2006/main" xmlns:r="http://schemas.openxmlformats.org/officeDocument/2006/relationships" xmlns:p="http://schemas.openxmlformats.org/presentationml/2006/main">
-  <p:cSld>
-    <p:spTree>
-      <p:nvGrpSpPr>
-        <p:cNvPr id="1" name=""/>
-        <p:cNvGrpSpPr/>
-        <p:nvPr/>
-      </p:nvGrpSpPr>
-      <p:grpSpPr>
-        <a:xfrm>
-          <a:off x="0" y="0"/>
-          <a:ext cx="0" cy="0"/>
-          <a:chOff x="0" y="0"/>
-          <a:chExt cx="0" cy="0"/>
-        </a:xfrm>
-      </p:grpSpPr>
-      <p:sp>
-        <p:nvSpPr>
-          <p:cNvPr id="10" name="TextBox 9"/>
-          <p:cNvSpPr txBox="1"/>
-          <p:nvPr/>
-        </p:nvSpPr>
-        <p:spPr>
-          <a:xfrm>
-            <a:off x="4612872" y="3136613"/>
-            <a:ext cx="2966261" cy="584775"/>
-          </a:xfrm>
-          <a:prstGeom prst="rect">
-            <a:avLst/>
-          </a:prstGeom>
-          <a:noFill/>
-        </p:spPr>
-        <p:txBody>
-          <a:bodyPr wrap="none" rtlCol="0" anchor="ctr">
-            <a:spAutoFit/>
-          </a:bodyPr>
-          <a:lstStyle/>
-          <a:p>
-            <a:pPr algn="ctr"/>
-            <a:r>
-              <a:rPr lang="en-US" altLang="ko-KR" sz="3200" b="1" spc="300" dirty="0" smtClean="0">
-                <a:solidFill>
-                  <a:srgbClr val="F15A3E"/>
-                </a:solidFill>
-                <a:effectLst>
-                  <a:outerShdw blurRad="114300" dist="50800" dir="2700000" sx="102000" sy="102000" algn="tl" rotWithShape="0">
-                    <a:prstClr val="black">
-                      <a:alpha val="34000"/>
-                    </a:prstClr>
-                  </a:outerShdw>
-                </a:effectLst>
-                <a:ea typeface="나눔스퀘어 Bold" panose="020B0600000101010101" pitchFamily="50" charset="-127"/>
-              </a:rPr>
-              <a:t>THANK YOU</a:t>
-            </a:r>
-            <a:endParaRPr lang="ko-KR" altLang="en-US" sz="3200" b="1" spc="300" dirty="0">
-              <a:solidFill>
-                <a:srgbClr val="F15A3E"/>
-              </a:solidFill>
-              <a:effectLst>
-                <a:outerShdw blurRad="114300" dist="50800" dir="2700000" sx="102000" sy="102000" algn="tl" rotWithShape="0">
-                  <a:prstClr val="black">
-                    <a:alpha val="34000"/>
-                  </a:prstClr>
-                </a:outerShdw>
-              </a:effectLst>
-              <a:ea typeface="나눔스퀘어 Bold" panose="020B0600000101010101" pitchFamily="50" charset="-127"/>
-            </a:endParaRPr>
-          </a:p>
-        </p:txBody>
-      </p:sp>
-    </p:spTree>
-    <p:extLst>
-      <p:ext uri="{BB962C8B-B14F-4D97-AF65-F5344CB8AC3E}">
-        <p14:creationId xmlns:p14="http://schemas.microsoft.com/office/powerpoint/2010/main" val="205915672"/>
-      </p:ext>
-    </p:extLst>
-  </p:cSld>
-  <p:clrMapOvr>
-    <a:masterClrMapping/>
-  </p:clrMapOvr>
-  <p:timing>
-    <p:tnLst>
-      <p:par>
-        <p:cTn id="1" dur="indefinite" restart="never" nodeType="tmRoot"/>
-      </p:par>
-    </p:tnLst>
-  </p:timing>
-</p:sld>
-</file>
-
 <file path=ppt/slides/slide2.xml><?xml version="1.0" encoding="utf-8"?>
 <p:sld xmlns:a="http://schemas.openxmlformats.org/drawingml/2006/main" xmlns:r="http://schemas.openxmlformats.org/officeDocument/2006/relationships" xmlns:p="http://schemas.openxmlformats.org/presentationml/2006/main">
   <p:cSld>
@@ -6027,7 +8470,7 @@
           <p:cNvPr id="5" name="직사각형 4">
             <a:extLst>
               <a:ext uri="{FF2B5EF4-FFF2-40B4-BE49-F238E27FC236}">
-                <a16:creationId xmlns:a16="http://schemas.microsoft.com/office/drawing/2014/main" xmlns="" id="{311022E5-84E5-40A1-BCEF-EF44018E7A40}"/>
+                <a16:creationId xmlns:a16="http://schemas.microsoft.com/office/drawing/2014/main" id="{311022E5-84E5-40A1-BCEF-EF44018E7A40}"/>
               </a:ext>
             </a:extLst>
           </p:cNvPr>
@@ -6079,7 +8522,7 @@
           <p:cNvPr id="6" name="직사각형 5">
             <a:extLst>
               <a:ext uri="{FF2B5EF4-FFF2-40B4-BE49-F238E27FC236}">
-                <a16:creationId xmlns:a16="http://schemas.microsoft.com/office/drawing/2014/main" xmlns="" id="{94E748CC-21EC-47F6-B848-1A3450880148}"/>
+                <a16:creationId xmlns:a16="http://schemas.microsoft.com/office/drawing/2014/main" id="{94E748CC-21EC-47F6-B848-1A3450880148}"/>
               </a:ext>
             </a:extLst>
           </p:cNvPr>
@@ -6088,8 +8531,8 @@
         </p:nvSpPr>
         <p:spPr>
           <a:xfrm>
-            <a:off x="10256043" y="1695450"/>
-            <a:ext cx="1814514" cy="276225"/>
+            <a:off x="10256043" y="1238250"/>
+            <a:ext cx="1814514" cy="561662"/>
           </a:xfrm>
           <a:prstGeom prst="rect">
             <a:avLst/>
@@ -6121,16 +8564,13 @@
           <a:bodyPr rtlCol="0" anchor="ctr"/>
           <a:lstStyle/>
           <a:p>
-            <a:r>
-              <a:rPr lang="ko-KR" altLang="en-US" sz="800" dirty="0">
-                <a:solidFill>
-                  <a:schemeClr val="bg1">
-                    <a:lumMod val="95000"/>
-                  </a:schemeClr>
-                </a:solidFill>
-              </a:rPr>
-              <a:t>텍스트를 입력해 주세요</a:t>
-            </a:r>
+            <a:endParaRPr lang="ko-KR" altLang="en-US" sz="800" dirty="0">
+              <a:solidFill>
+                <a:schemeClr val="bg1">
+                  <a:lumMod val="95000"/>
+                </a:schemeClr>
+              </a:solidFill>
+            </a:endParaRPr>
           </a:p>
         </p:txBody>
       </p:sp>
@@ -6139,7 +8579,7 @@
           <p:cNvPr id="7" name="직사각형 6">
             <a:extLst>
               <a:ext uri="{FF2B5EF4-FFF2-40B4-BE49-F238E27FC236}">
-                <a16:creationId xmlns:a16="http://schemas.microsoft.com/office/drawing/2014/main" xmlns="" id="{1DB9381C-449C-423D-9A8E-55C185B22F44}"/>
+                <a16:creationId xmlns:a16="http://schemas.microsoft.com/office/drawing/2014/main" id="{1DB9381C-449C-423D-9A8E-55C185B22F44}"/>
               </a:ext>
             </a:extLst>
           </p:cNvPr>
@@ -6181,26 +8621,6 @@
           <a:bodyPr rtlCol="0" anchor="ctr"/>
           <a:lstStyle/>
           <a:p>
-            <a:r>
-              <a:rPr lang="ko-KR" altLang="en-US" sz="800" dirty="0">
-                <a:solidFill>
-                  <a:schemeClr val="bg1">
-                    <a:lumMod val="95000"/>
-                  </a:schemeClr>
-                </a:solidFill>
-              </a:rPr>
-              <a:t>텍스트를 입력해 </a:t>
-            </a:r>
-            <a:r>
-              <a:rPr lang="ko-KR" altLang="en-US" sz="800" dirty="0" smtClean="0">
-                <a:solidFill>
-                  <a:schemeClr val="bg1">
-                    <a:lumMod val="95000"/>
-                  </a:schemeClr>
-                </a:solidFill>
-              </a:rPr>
-              <a:t>주세요</a:t>
-            </a:r>
             <a:endParaRPr lang="ko-KR" altLang="en-US" sz="800" dirty="0">
               <a:solidFill>
                 <a:schemeClr val="bg1">
@@ -6216,7 +8636,7 @@
           <p:cNvPr id="8" name="그룹 7">
             <a:extLst>
               <a:ext uri="{FF2B5EF4-FFF2-40B4-BE49-F238E27FC236}">
-                <a16:creationId xmlns:a16="http://schemas.microsoft.com/office/drawing/2014/main" xmlns="" id="{2DA54794-10FE-4AA4-86B4-207613DBC319}"/>
+                <a16:creationId xmlns:a16="http://schemas.microsoft.com/office/drawing/2014/main" id="{2DA54794-10FE-4AA4-86B4-207613DBC319}"/>
               </a:ext>
             </a:extLst>
           </p:cNvPr>
@@ -6236,7 +8656,7 @@
             <p:cNvPr id="9" name="그래픽 8" descr="단일 톱니바퀴">
               <a:extLst>
                 <a:ext uri="{FF2B5EF4-FFF2-40B4-BE49-F238E27FC236}">
-                  <a16:creationId xmlns:a16="http://schemas.microsoft.com/office/drawing/2014/main" xmlns="" id="{07124D4B-4303-49F5-A728-0167385D2351}"/>
+                  <a16:creationId xmlns:a16="http://schemas.microsoft.com/office/drawing/2014/main" id="{07124D4B-4303-49F5-A728-0167385D2351}"/>
                 </a:ext>
               </a:extLst>
             </p:cNvPr>
@@ -6252,7 +8672,7 @@
                   <a14:useLocalDpi xmlns:a14="http://schemas.microsoft.com/office/drawing/2010/main" val="0"/>
                 </a:ext>
                 <a:ext uri="{96DAC541-7B7A-43D3-8B79-37D633B846F1}">
-                  <asvg:svgBlip xmlns:asvg="http://schemas.microsoft.com/office/drawing/2016/SVG/main" xmlns="" r:embed="rId4"/>
+                  <asvg:svgBlip xmlns:asvg="http://schemas.microsoft.com/office/drawing/2016/SVG/main" r:embed="rId3"/>
                 </a:ext>
               </a:extLst>
             </a:blip>
@@ -6275,7 +8695,7 @@
             <p:cNvPr id="10" name="곱하기 기호 9">
               <a:extLst>
                 <a:ext uri="{FF2B5EF4-FFF2-40B4-BE49-F238E27FC236}">
-                  <a16:creationId xmlns:a16="http://schemas.microsoft.com/office/drawing/2014/main" xmlns="" id="{E9C8B5A4-FF35-41A2-99C4-B5CD9B5BC6BE}"/>
+                  <a16:creationId xmlns:a16="http://schemas.microsoft.com/office/drawing/2014/main" id="{E9C8B5A4-FF35-41A2-99C4-B5CD9B5BC6BE}"/>
                 </a:ext>
               </a:extLst>
             </p:cNvPr>
@@ -6331,7 +8751,7 @@
             <p:cNvPr id="11" name="빼기 기호 10">
               <a:extLst>
                 <a:ext uri="{FF2B5EF4-FFF2-40B4-BE49-F238E27FC236}">
-                  <a16:creationId xmlns:a16="http://schemas.microsoft.com/office/drawing/2014/main" xmlns="" id="{A6FFB336-4E5E-40C0-9F60-1554AF0D29BA}"/>
+                  <a16:creationId xmlns:a16="http://schemas.microsoft.com/office/drawing/2014/main" id="{A6FFB336-4E5E-40C0-9F60-1554AF0D29BA}"/>
                 </a:ext>
               </a:extLst>
             </p:cNvPr>
@@ -6385,7 +8805,7 @@
             <p:cNvPr id="12" name="그래픽 11" descr="물음표">
               <a:extLst>
                 <a:ext uri="{FF2B5EF4-FFF2-40B4-BE49-F238E27FC236}">
-                  <a16:creationId xmlns:a16="http://schemas.microsoft.com/office/drawing/2014/main" xmlns="" id="{9932D176-5C6C-4305-A9F6-3951CD776493}"/>
+                  <a16:creationId xmlns:a16="http://schemas.microsoft.com/office/drawing/2014/main" id="{9932D176-5C6C-4305-A9F6-3951CD776493}"/>
                 </a:ext>
               </a:extLst>
             </p:cNvPr>
@@ -6395,13 +8815,13 @@
             <p:nvPr/>
           </p:nvPicPr>
           <p:blipFill>
-            <a:blip r:embed="rId5" cstate="print">
+            <a:blip r:embed="rId4" cstate="print">
               <a:extLst>
                 <a:ext uri="{28A0092B-C50C-407E-A947-70E740481C1C}">
                   <a14:useLocalDpi xmlns:a14="http://schemas.microsoft.com/office/drawing/2010/main" val="0"/>
                 </a:ext>
                 <a:ext uri="{96DAC541-7B7A-43D3-8B79-37D633B846F1}">
-                  <asvg:svgBlip xmlns:asvg="http://schemas.microsoft.com/office/drawing/2016/SVG/main" xmlns="" r:embed="rId6"/>
+                  <asvg:svgBlip xmlns:asvg="http://schemas.microsoft.com/office/drawing/2016/SVG/main" r:embed="rId5"/>
                 </a:ext>
               </a:extLst>
             </a:blip>
@@ -6425,7 +8845,7 @@
           <p:cNvPr id="14" name="TextBox 13">
             <a:extLst>
               <a:ext uri="{FF2B5EF4-FFF2-40B4-BE49-F238E27FC236}">
-                <a16:creationId xmlns:a16="http://schemas.microsoft.com/office/drawing/2014/main" xmlns="" id="{5C0C8E12-56BD-48CE-B7F0-BC87F38382B7}"/>
+                <a16:creationId xmlns:a16="http://schemas.microsoft.com/office/drawing/2014/main" id="{5C0C8E12-56BD-48CE-B7F0-BC87F38382B7}"/>
               </a:ext>
             </a:extLst>
           </p:cNvPr>
@@ -6434,7 +8854,7 @@
         </p:nvSpPr>
         <p:spPr>
           <a:xfrm>
-            <a:off x="10156032" y="1480006"/>
+            <a:off x="10156032" y="1022806"/>
             <a:ext cx="604837" cy="215444"/>
           </a:xfrm>
           <a:prstGeom prst="rect">
@@ -6466,7 +8886,7 @@
           <p:cNvPr id="15" name="TextBox 14">
             <a:extLst>
               <a:ext uri="{FF2B5EF4-FFF2-40B4-BE49-F238E27FC236}">
-                <a16:creationId xmlns:a16="http://schemas.microsoft.com/office/drawing/2014/main" xmlns="" id="{5F38C2D0-77FA-4CB8-8F2D-18DD38109A08}"/>
+                <a16:creationId xmlns:a16="http://schemas.microsoft.com/office/drawing/2014/main" id="{5F38C2D0-77FA-4CB8-8F2D-18DD38109A08}"/>
               </a:ext>
             </a:extLst>
           </p:cNvPr>
@@ -6490,7 +8910,7 @@
           <a:lstStyle/>
           <a:p>
             <a:r>
-              <a:rPr lang="ko-KR" altLang="en-US" sz="800">
+              <a:rPr lang="ko-KR" altLang="en-US" sz="800" dirty="0">
                 <a:solidFill>
                   <a:schemeClr val="bg1">
                     <a:lumMod val="50000"/>
@@ -6507,7 +8927,7 @@
           <p:cNvPr id="23" name="그룹 22">
             <a:extLst>
               <a:ext uri="{FF2B5EF4-FFF2-40B4-BE49-F238E27FC236}">
-                <a16:creationId xmlns:a16="http://schemas.microsoft.com/office/drawing/2014/main" xmlns="" id="{2377FE01-8B1E-4105-828F-18B88D8089FB}"/>
+                <a16:creationId xmlns:a16="http://schemas.microsoft.com/office/drawing/2014/main" id="{2377FE01-8B1E-4105-828F-18B88D8089FB}"/>
               </a:ext>
             </a:extLst>
           </p:cNvPr>
@@ -6527,7 +8947,7 @@
             <p:cNvPr id="17" name="TextBox 16">
               <a:extLst>
                 <a:ext uri="{FF2B5EF4-FFF2-40B4-BE49-F238E27FC236}">
-                  <a16:creationId xmlns:a16="http://schemas.microsoft.com/office/drawing/2014/main" xmlns="" id="{B0D05D67-679D-42EF-9ECC-B5F50020CABE}"/>
+                  <a16:creationId xmlns:a16="http://schemas.microsoft.com/office/drawing/2014/main" id="{B0D05D67-679D-42EF-9ECC-B5F50020CABE}"/>
                 </a:ext>
               </a:extLst>
             </p:cNvPr>
@@ -6568,7 +8988,7 @@
             <p:cNvPr id="18" name="그래픽 17" descr="확인 표시">
               <a:extLst>
                 <a:ext uri="{FF2B5EF4-FFF2-40B4-BE49-F238E27FC236}">
-                  <a16:creationId xmlns:a16="http://schemas.microsoft.com/office/drawing/2014/main" xmlns="" id="{A652EB5E-7213-4E02-BD7D-0A6F062C4C5E}"/>
+                  <a16:creationId xmlns:a16="http://schemas.microsoft.com/office/drawing/2014/main" id="{A652EB5E-7213-4E02-BD7D-0A6F062C4C5E}"/>
                 </a:ext>
               </a:extLst>
             </p:cNvPr>
@@ -6578,13 +8998,13 @@
             <p:nvPr/>
           </p:nvPicPr>
           <p:blipFill>
-            <a:blip r:embed="rId7" cstate="print">
+            <a:blip r:embed="rId6" cstate="print">
               <a:extLst>
                 <a:ext uri="{28A0092B-C50C-407E-A947-70E740481C1C}">
                   <a14:useLocalDpi xmlns:a14="http://schemas.microsoft.com/office/drawing/2010/main" val="0"/>
                 </a:ext>
                 <a:ext uri="{96DAC541-7B7A-43D3-8B79-37D633B846F1}">
-                  <asvg:svgBlip xmlns:asvg="http://schemas.microsoft.com/office/drawing/2016/SVG/main" xmlns="" r:embed="rId8"/>
+                  <asvg:svgBlip xmlns:asvg="http://schemas.microsoft.com/office/drawing/2016/SVG/main" r:embed="rId7"/>
                 </a:ext>
               </a:extLst>
             </a:blip>
@@ -6607,7 +9027,7 @@
             <p:cNvPr id="19" name="직선 연결선 18">
               <a:extLst>
                 <a:ext uri="{FF2B5EF4-FFF2-40B4-BE49-F238E27FC236}">
-                  <a16:creationId xmlns:a16="http://schemas.microsoft.com/office/drawing/2014/main" xmlns="" id="{3800A073-1CDB-4681-AFCB-C4DE0967C23F}"/>
+                  <a16:creationId xmlns:a16="http://schemas.microsoft.com/office/drawing/2014/main" id="{3800A073-1CDB-4681-AFCB-C4DE0967C23F}"/>
                 </a:ext>
               </a:extLst>
             </p:cNvPr>
@@ -6650,7 +9070,7 @@
             <p:cNvPr id="20" name="직선 연결선 19">
               <a:extLst>
                 <a:ext uri="{FF2B5EF4-FFF2-40B4-BE49-F238E27FC236}">
-                  <a16:creationId xmlns:a16="http://schemas.microsoft.com/office/drawing/2014/main" xmlns="" id="{2FB30297-0699-4BB7-A6FE-3726F8AD1639}"/>
+                  <a16:creationId xmlns:a16="http://schemas.microsoft.com/office/drawing/2014/main" id="{2FB30297-0699-4BB7-A6FE-3726F8AD1639}"/>
                 </a:ext>
               </a:extLst>
             </p:cNvPr>
@@ -6691,7 +9111,7 @@
             <p:cNvPr id="21" name="직선 연결선 20">
               <a:extLst>
                 <a:ext uri="{FF2B5EF4-FFF2-40B4-BE49-F238E27FC236}">
-                  <a16:creationId xmlns:a16="http://schemas.microsoft.com/office/drawing/2014/main" xmlns="" id="{0C4CA686-CA40-4778-B7BB-4C51144FE6A2}"/>
+                  <a16:creationId xmlns:a16="http://schemas.microsoft.com/office/drawing/2014/main" id="{0C4CA686-CA40-4778-B7BB-4C51144FE6A2}"/>
                 </a:ext>
               </a:extLst>
             </p:cNvPr>
@@ -6734,7 +9154,7 @@
             <p:cNvPr id="22" name="직선 연결선 21">
               <a:extLst>
                 <a:ext uri="{FF2B5EF4-FFF2-40B4-BE49-F238E27FC236}">
-                  <a16:creationId xmlns:a16="http://schemas.microsoft.com/office/drawing/2014/main" xmlns="" id="{5E129560-370D-4CED-BFD0-706166998151}"/>
+                  <a16:creationId xmlns:a16="http://schemas.microsoft.com/office/drawing/2014/main" id="{5E129560-370D-4CED-BFD0-706166998151}"/>
                 </a:ext>
               </a:extLst>
             </p:cNvPr>
@@ -6776,7 +9196,7 @@
           <p:cNvPr id="24" name="TextBox 23">
             <a:extLst>
               <a:ext uri="{FF2B5EF4-FFF2-40B4-BE49-F238E27FC236}">
-                <a16:creationId xmlns:a16="http://schemas.microsoft.com/office/drawing/2014/main" xmlns="" id="{1608C0FD-FAD5-437C-B50C-DEF2E7D0D6CE}"/>
+                <a16:creationId xmlns:a16="http://schemas.microsoft.com/office/drawing/2014/main" id="{1608C0FD-FAD5-437C-B50C-DEF2E7D0D6CE}"/>
               </a:ext>
             </a:extLst>
           </p:cNvPr>
@@ -6837,7 +9257,7 @@
           <p:cNvPr id="25" name="TextBox 24">
             <a:extLst>
               <a:ext uri="{FF2B5EF4-FFF2-40B4-BE49-F238E27FC236}">
-                <a16:creationId xmlns:a16="http://schemas.microsoft.com/office/drawing/2014/main" xmlns="" id="{13CC60B1-D486-4692-ACEE-DE247E2A91A9}"/>
+                <a16:creationId xmlns:a16="http://schemas.microsoft.com/office/drawing/2014/main" id="{13CC60B1-D486-4692-ACEE-DE247E2A91A9}"/>
               </a:ext>
             </a:extLst>
           </p:cNvPr>
@@ -6913,7 +9333,7 @@
           <p:cNvPr id="26" name="이등변 삼각형 25">
             <a:extLst>
               <a:ext uri="{FF2B5EF4-FFF2-40B4-BE49-F238E27FC236}">
-                <a16:creationId xmlns:a16="http://schemas.microsoft.com/office/drawing/2014/main" xmlns="" id="{552EEEB0-E52D-4013-9E74-EF23CC4E9E4C}"/>
+                <a16:creationId xmlns:a16="http://schemas.microsoft.com/office/drawing/2014/main" id="{552EEEB0-E52D-4013-9E74-EF23CC4E9E4C}"/>
               </a:ext>
             </a:extLst>
           </p:cNvPr>
@@ -6965,7 +9385,7 @@
           <p:cNvPr id="27" name="TextBox 26">
             <a:extLst>
               <a:ext uri="{FF2B5EF4-FFF2-40B4-BE49-F238E27FC236}">
-                <a16:creationId xmlns:a16="http://schemas.microsoft.com/office/drawing/2014/main" xmlns="" id="{014ED4F0-DA4D-427E-929B-4493B27EC790}"/>
+                <a16:creationId xmlns:a16="http://schemas.microsoft.com/office/drawing/2014/main" id="{014ED4F0-DA4D-427E-929B-4493B27EC790}"/>
               </a:ext>
             </a:extLst>
           </p:cNvPr>
@@ -6974,7 +9394,7 @@
         </p:nvSpPr>
         <p:spPr>
           <a:xfrm>
-            <a:off x="10158411" y="1050538"/>
+            <a:off x="10158411" y="593338"/>
             <a:ext cx="800344" cy="261610"/>
           </a:xfrm>
           <a:prstGeom prst="rect">
@@ -7006,7 +9426,7 @@
           <p:cNvPr id="30" name="직사각형 29">
             <a:extLst>
               <a:ext uri="{FF2B5EF4-FFF2-40B4-BE49-F238E27FC236}">
-                <a16:creationId xmlns:a16="http://schemas.microsoft.com/office/drawing/2014/main" xmlns="" id="{5A50983B-71D9-4B5E-9C45-BBDE63C6982D}"/>
+                <a16:creationId xmlns:a16="http://schemas.microsoft.com/office/drawing/2014/main" id="{5A50983B-71D9-4B5E-9C45-BBDE63C6982D}"/>
               </a:ext>
             </a:extLst>
           </p:cNvPr>
@@ -7065,7 +9485,7 @@
           <p:cNvPr id="31" name="TextBox 30">
             <a:extLst>
               <a:ext uri="{FF2B5EF4-FFF2-40B4-BE49-F238E27FC236}">
-                <a16:creationId xmlns:a16="http://schemas.microsoft.com/office/drawing/2014/main" xmlns="" id="{7FDD4E91-666B-445D-B6EF-B2B2AC77BADB}"/>
+                <a16:creationId xmlns:a16="http://schemas.microsoft.com/office/drawing/2014/main" id="{7FDD4E91-666B-445D-B6EF-B2B2AC77BADB}"/>
               </a:ext>
             </a:extLst>
           </p:cNvPr>
@@ -7104,7 +9524,7 @@
           <p:cNvPr id="32" name="TextBox 31">
             <a:extLst>
               <a:ext uri="{FF2B5EF4-FFF2-40B4-BE49-F238E27FC236}">
-                <a16:creationId xmlns:a16="http://schemas.microsoft.com/office/drawing/2014/main" xmlns="" id="{52690CA9-D532-45B2-B5BE-FEB691E4AEF0}"/>
+                <a16:creationId xmlns:a16="http://schemas.microsoft.com/office/drawing/2014/main" id="{52690CA9-D532-45B2-B5BE-FEB691E4AEF0}"/>
               </a:ext>
             </a:extLst>
           </p:cNvPr>
@@ -7143,7 +9563,7 @@
           <p:cNvPr id="33" name="TextBox 32">
             <a:extLst>
               <a:ext uri="{FF2B5EF4-FFF2-40B4-BE49-F238E27FC236}">
-                <a16:creationId xmlns:a16="http://schemas.microsoft.com/office/drawing/2014/main" xmlns="" id="{F84E8192-4AA5-4F56-9F6A-1C7C5364CCF8}"/>
+                <a16:creationId xmlns:a16="http://schemas.microsoft.com/office/drawing/2014/main" id="{F84E8192-4AA5-4F56-9F6A-1C7C5364CCF8}"/>
               </a:ext>
             </a:extLst>
           </p:cNvPr>
@@ -7182,7 +9602,7 @@
           <p:cNvPr id="35" name="직선 화살표 연결선 34">
             <a:extLst>
               <a:ext uri="{FF2B5EF4-FFF2-40B4-BE49-F238E27FC236}">
-                <a16:creationId xmlns:a16="http://schemas.microsoft.com/office/drawing/2014/main" xmlns="" id="{3C8DCFE0-6326-42CC-A7AA-F56E3AB9E355}"/>
+                <a16:creationId xmlns:a16="http://schemas.microsoft.com/office/drawing/2014/main" id="{3C8DCFE0-6326-42CC-A7AA-F56E3AB9E355}"/>
               </a:ext>
             </a:extLst>
           </p:cNvPr>
@@ -7227,7 +9647,7 @@
           <p:cNvPr id="37" name="직선 화살표 연결선 36">
             <a:extLst>
               <a:ext uri="{FF2B5EF4-FFF2-40B4-BE49-F238E27FC236}">
-                <a16:creationId xmlns:a16="http://schemas.microsoft.com/office/drawing/2014/main" xmlns="" id="{E5A544DE-C57D-4CD2-AF54-ABACC1F3C196}"/>
+                <a16:creationId xmlns:a16="http://schemas.microsoft.com/office/drawing/2014/main" id="{E5A544DE-C57D-4CD2-AF54-ABACC1F3C196}"/>
               </a:ext>
             </a:extLst>
           </p:cNvPr>
@@ -7272,7 +9692,7 @@
           <p:cNvPr id="38" name="직선 화살표 연결선 37">
             <a:extLst>
               <a:ext uri="{FF2B5EF4-FFF2-40B4-BE49-F238E27FC236}">
-                <a16:creationId xmlns:a16="http://schemas.microsoft.com/office/drawing/2014/main" xmlns="" id="{0564E45A-D391-4D85-B411-509DC326D99A}"/>
+                <a16:creationId xmlns:a16="http://schemas.microsoft.com/office/drawing/2014/main" id="{0564E45A-D391-4D85-B411-509DC326D99A}"/>
               </a:ext>
             </a:extLst>
           </p:cNvPr>
@@ -7317,7 +9737,7 @@
           <p:cNvPr id="39" name="직사각형 38">
             <a:extLst>
               <a:ext uri="{FF2B5EF4-FFF2-40B4-BE49-F238E27FC236}">
-                <a16:creationId xmlns:a16="http://schemas.microsoft.com/office/drawing/2014/main" xmlns="" id="{239EDD44-DE5B-401C-B3C9-B21048E70324}"/>
+                <a16:creationId xmlns:a16="http://schemas.microsoft.com/office/drawing/2014/main" id="{239EDD44-DE5B-401C-B3C9-B21048E70324}"/>
               </a:ext>
             </a:extLst>
           </p:cNvPr>
@@ -7369,7 +9789,7 @@
           <p:cNvPr id="40" name="TextBox 39">
             <a:extLst>
               <a:ext uri="{FF2B5EF4-FFF2-40B4-BE49-F238E27FC236}">
-                <a16:creationId xmlns:a16="http://schemas.microsoft.com/office/drawing/2014/main" xmlns="" id="{24DC2AAC-3E56-4511-8033-9800CC190C7B}"/>
+                <a16:creationId xmlns:a16="http://schemas.microsoft.com/office/drawing/2014/main" id="{24DC2AAC-3E56-4511-8033-9800CC190C7B}"/>
               </a:ext>
             </a:extLst>
           </p:cNvPr>
@@ -7410,7 +9830,7 @@
           <p:cNvPr id="41" name="직사각형 40">
             <a:extLst>
               <a:ext uri="{FF2B5EF4-FFF2-40B4-BE49-F238E27FC236}">
-                <a16:creationId xmlns:a16="http://schemas.microsoft.com/office/drawing/2014/main" xmlns="" id="{CF320094-551C-4BF4-BFCE-878086E5ECEA}"/>
+                <a16:creationId xmlns:a16="http://schemas.microsoft.com/office/drawing/2014/main" id="{CF320094-551C-4BF4-BFCE-878086E5ECEA}"/>
               </a:ext>
             </a:extLst>
           </p:cNvPr>
@@ -7462,7 +9882,7 @@
           <p:cNvPr id="42" name="TextBox 41">
             <a:extLst>
               <a:ext uri="{FF2B5EF4-FFF2-40B4-BE49-F238E27FC236}">
-                <a16:creationId xmlns:a16="http://schemas.microsoft.com/office/drawing/2014/main" xmlns="" id="{301D09D3-62C5-4144-B521-912127A3C7E7}"/>
+                <a16:creationId xmlns:a16="http://schemas.microsoft.com/office/drawing/2014/main" id="{301D09D3-62C5-4144-B521-912127A3C7E7}"/>
               </a:ext>
             </a:extLst>
           </p:cNvPr>
@@ -7503,7 +9923,7 @@
           <p:cNvPr id="45" name="Picture 2" descr="ë¡¤ ë¡ê³  pngì ëí ì´ë¯¸ì§ ê²ìê²°ê³¼">
             <a:extLst>
               <a:ext uri="{FF2B5EF4-FFF2-40B4-BE49-F238E27FC236}">
-                <a16:creationId xmlns:a16="http://schemas.microsoft.com/office/drawing/2014/main" xmlns="" id="{719FBDCD-6C3F-4C87-A2D1-999E78D4CDDC}"/>
+                <a16:creationId xmlns:a16="http://schemas.microsoft.com/office/drawing/2014/main" id="{719FBDCD-6C3F-4C87-A2D1-999E78D4CDDC}"/>
               </a:ext>
             </a:extLst>
           </p:cNvPr>
@@ -7513,7 +9933,7 @@
           <p:nvPr/>
         </p:nvPicPr>
         <p:blipFill>
-          <a:blip r:embed="rId9">
+          <a:blip r:embed="rId8">
             <a:extLst>
               <a:ext uri="{28A0092B-C50C-407E-A947-70E740481C1C}">
                 <a14:useLocalDpi xmlns:a14="http://schemas.microsoft.com/office/drawing/2010/main" val="0"/>
@@ -7550,7 +9970,7 @@
           <p:cNvPr id="43" name="Straight Connector 9">
             <a:extLst>
               <a:ext uri="{FF2B5EF4-FFF2-40B4-BE49-F238E27FC236}">
-                <a16:creationId xmlns="" xmlns:a16="http://schemas.microsoft.com/office/drawing/2014/main" id="{90EC1C39-6125-405C-80EF-E17D655E13F3}"/>
+                <a16:creationId xmlns:a16="http://schemas.microsoft.com/office/drawing/2014/main" id="{90EC1C39-6125-405C-80EF-E17D655E13F3}"/>
               </a:ext>
             </a:extLst>
           </p:cNvPr>
@@ -7595,7 +10015,7 @@
           <p:cNvPr id="44" name="Straight Connector 10">
             <a:extLst>
               <a:ext uri="{FF2B5EF4-FFF2-40B4-BE49-F238E27FC236}">
-                <a16:creationId xmlns="" xmlns:a16="http://schemas.microsoft.com/office/drawing/2014/main" id="{668DEF94-82F1-489B-9FA5-069A5565E78C}"/>
+                <a16:creationId xmlns:a16="http://schemas.microsoft.com/office/drawing/2014/main" id="{668DEF94-82F1-489B-9FA5-069A5565E78C}"/>
               </a:ext>
             </a:extLst>
           </p:cNvPr>
@@ -7639,7 +10059,7 @@
           <p:cNvPr id="48" name="Straight Connector 11">
             <a:extLst>
               <a:ext uri="{FF2B5EF4-FFF2-40B4-BE49-F238E27FC236}">
-                <a16:creationId xmlns="" xmlns:a16="http://schemas.microsoft.com/office/drawing/2014/main" id="{0B55662F-4309-4AE6-B7AE-C07CA4DAF119}"/>
+                <a16:creationId xmlns:a16="http://schemas.microsoft.com/office/drawing/2014/main" id="{0B55662F-4309-4AE6-B7AE-C07CA4DAF119}"/>
               </a:ext>
             </a:extLst>
           </p:cNvPr>
@@ -7684,7 +10104,7 @@
           <p:cNvPr id="49" name="Straight Connector 12">
             <a:extLst>
               <a:ext uri="{FF2B5EF4-FFF2-40B4-BE49-F238E27FC236}">
-                <a16:creationId xmlns="" xmlns:a16="http://schemas.microsoft.com/office/drawing/2014/main" id="{CB1DB716-5E36-4469-B63E-73556A3191E8}"/>
+                <a16:creationId xmlns:a16="http://schemas.microsoft.com/office/drawing/2014/main" id="{CB1DB716-5E36-4469-B63E-73556A3191E8}"/>
               </a:ext>
             </a:extLst>
           </p:cNvPr>
@@ -7728,7 +10148,7 @@
           <p:cNvPr id="50" name="Straight Connector 13">
             <a:extLst>
               <a:ext uri="{FF2B5EF4-FFF2-40B4-BE49-F238E27FC236}">
-                <a16:creationId xmlns="" xmlns:a16="http://schemas.microsoft.com/office/drawing/2014/main" id="{2206D1B5-D5A4-468D-8C7E-FA1517BF980F}"/>
+                <a16:creationId xmlns:a16="http://schemas.microsoft.com/office/drawing/2014/main" id="{2206D1B5-D5A4-468D-8C7E-FA1517BF980F}"/>
               </a:ext>
             </a:extLst>
           </p:cNvPr>
@@ -7787,7 +10207,7 @@
             <p:cNvPr id="55" name="Oval 8">
               <a:extLst>
                 <a:ext uri="{FF2B5EF4-FFF2-40B4-BE49-F238E27FC236}">
-                  <a16:creationId xmlns="" xmlns:a16="http://schemas.microsoft.com/office/drawing/2014/main" id="{3CE7944F-5F28-4801-AF3A-2284529A6A5A}"/>
+                  <a16:creationId xmlns:a16="http://schemas.microsoft.com/office/drawing/2014/main" id="{3CE7944F-5F28-4801-AF3A-2284529A6A5A}"/>
                 </a:ext>
               </a:extLst>
             </p:cNvPr>
@@ -7845,7 +10265,7 @@
             <p:cNvPr id="57" name="Freeform 305">
               <a:extLst>
                 <a:ext uri="{FF2B5EF4-FFF2-40B4-BE49-F238E27FC236}">
-                  <a16:creationId xmlns="" xmlns:a16="http://schemas.microsoft.com/office/drawing/2014/main" id="{25EE97ED-C6D9-4520-8BA8-5107F2072231}"/>
+                  <a16:creationId xmlns:a16="http://schemas.microsoft.com/office/drawing/2014/main" id="{25EE97ED-C6D9-4520-8BA8-5107F2072231}"/>
                 </a:ext>
               </a:extLst>
             </p:cNvPr>
@@ -8530,7 +10950,7 @@
             <p:cNvPr id="56" name="Oval 17">
               <a:extLst>
                 <a:ext uri="{FF2B5EF4-FFF2-40B4-BE49-F238E27FC236}">
-                  <a16:creationId xmlns="" xmlns:a16="http://schemas.microsoft.com/office/drawing/2014/main" id="{AE2D4836-485A-4566-A3FA-3DB008C70CFB}"/>
+                  <a16:creationId xmlns:a16="http://schemas.microsoft.com/office/drawing/2014/main" id="{AE2D4836-485A-4566-A3FA-3DB008C70CFB}"/>
                 </a:ext>
               </a:extLst>
             </p:cNvPr>
@@ -8588,7 +11008,7 @@
             <p:cNvPr id="58" name="Freeform 309">
               <a:extLst>
                 <a:ext uri="{FF2B5EF4-FFF2-40B4-BE49-F238E27FC236}">
-                  <a16:creationId xmlns="" xmlns:a16="http://schemas.microsoft.com/office/drawing/2014/main" id="{7E96E1FF-20E6-4E92-9593-6DAB57B8AF28}"/>
+                  <a16:creationId xmlns:a16="http://schemas.microsoft.com/office/drawing/2014/main" id="{7E96E1FF-20E6-4E92-9593-6DAB57B8AF28}"/>
                 </a:ext>
               </a:extLst>
             </p:cNvPr>
@@ -9188,7 +11608,7 @@
           <p:cNvPr id="51" name="Oval 8">
             <a:extLst>
               <a:ext uri="{FF2B5EF4-FFF2-40B4-BE49-F238E27FC236}">
-                <a16:creationId xmlns="" xmlns:a16="http://schemas.microsoft.com/office/drawing/2014/main" id="{FA97BFF2-880E-4F07-9949-98F8EB8CC569}"/>
+                <a16:creationId xmlns:a16="http://schemas.microsoft.com/office/drawing/2014/main" id="{FA97BFF2-880E-4F07-9949-98F8EB8CC569}"/>
               </a:ext>
             </a:extLst>
           </p:cNvPr>
@@ -9236,7 +11656,7 @@
           <a:p>
             <a:pPr algn="ctr"/>
             <a:r>
-              <a:rPr lang="en-US" sz="8000" dirty="0" smtClean="0"/>
+              <a:rPr lang="en-US" sz="8000" dirty="0"/>
               <a:t>?</a:t>
             </a:r>
             <a:endParaRPr lang="en-US" sz="1350" dirty="0"/>
@@ -9262,7 +11682,7 @@
             <p:cNvPr id="54" name="Oval 14">
               <a:extLst>
                 <a:ext uri="{FF2B5EF4-FFF2-40B4-BE49-F238E27FC236}">
-                  <a16:creationId xmlns="" xmlns:a16="http://schemas.microsoft.com/office/drawing/2014/main" id="{552023C7-4D98-413B-A7B1-686BECB3ECCA}"/>
+                  <a16:creationId xmlns:a16="http://schemas.microsoft.com/office/drawing/2014/main" id="{552023C7-4D98-413B-A7B1-686BECB3ECCA}"/>
                 </a:ext>
               </a:extLst>
             </p:cNvPr>
@@ -9320,7 +11740,7 @@
             <p:cNvPr id="60" name="Freeform 455">
               <a:extLst>
                 <a:ext uri="{FF2B5EF4-FFF2-40B4-BE49-F238E27FC236}">
-                  <a16:creationId xmlns="" xmlns:a16="http://schemas.microsoft.com/office/drawing/2014/main" id="{7DBD7BEC-0A0F-497E-94B5-14E46A4BFF0E}"/>
+                  <a16:creationId xmlns:a16="http://schemas.microsoft.com/office/drawing/2014/main" id="{7DBD7BEC-0A0F-497E-94B5-14E46A4BFF0E}"/>
                 </a:ext>
               </a:extLst>
             </p:cNvPr>
@@ -9660,7 +12080,7 @@
             <p:cNvPr id="53" name="Oval 11">
               <a:extLst>
                 <a:ext uri="{FF2B5EF4-FFF2-40B4-BE49-F238E27FC236}">
-                  <a16:creationId xmlns="" xmlns:a16="http://schemas.microsoft.com/office/drawing/2014/main" id="{8DDFE999-A034-4620-B626-841A27B919B0}"/>
+                  <a16:creationId xmlns:a16="http://schemas.microsoft.com/office/drawing/2014/main" id="{8DDFE999-A034-4620-B626-841A27B919B0}"/>
                 </a:ext>
               </a:extLst>
             </p:cNvPr>
@@ -9708,7 +12128,7 @@
             <p:cNvPr id="61" name="Freeform 397">
               <a:extLst>
                 <a:ext uri="{FF2B5EF4-FFF2-40B4-BE49-F238E27FC236}">
-                  <a16:creationId xmlns="" xmlns:a16="http://schemas.microsoft.com/office/drawing/2014/main" id="{FE17E535-1238-4CEC-9F4D-0B48E9FB5A0C}"/>
+                  <a16:creationId xmlns:a16="http://schemas.microsoft.com/office/drawing/2014/main" id="{FE17E535-1238-4CEC-9F4D-0B48E9FB5A0C}"/>
                 </a:ext>
               </a:extLst>
             </p:cNvPr>
@@ -10158,7 +12578,7 @@
             <p:cNvPr id="52" name="Oval 5">
               <a:extLst>
                 <a:ext uri="{FF2B5EF4-FFF2-40B4-BE49-F238E27FC236}">
-                  <a16:creationId xmlns="" xmlns:a16="http://schemas.microsoft.com/office/drawing/2014/main" id="{65E92E75-453C-482E-8E46-5CED71BF917A}"/>
+                  <a16:creationId xmlns:a16="http://schemas.microsoft.com/office/drawing/2014/main" id="{65E92E75-453C-482E-8E46-5CED71BF917A}"/>
                 </a:ext>
               </a:extLst>
             </p:cNvPr>
@@ -10216,7 +12636,7 @@
             <p:cNvPr id="62" name="Freeform 450">
               <a:extLst>
                 <a:ext uri="{FF2B5EF4-FFF2-40B4-BE49-F238E27FC236}">
-                  <a16:creationId xmlns="" xmlns:a16="http://schemas.microsoft.com/office/drawing/2014/main" id="{CECBA446-2552-4CF0-9BBD-1BA54C70ADF0}"/>
+                  <a16:creationId xmlns:a16="http://schemas.microsoft.com/office/drawing/2014/main" id="{CECBA446-2552-4CF0-9BBD-1BA54C70ADF0}"/>
                 </a:ext>
               </a:extLst>
             </p:cNvPr>
@@ -10701,7 +13121,7 @@
           <p:cNvPr id="71" name="Straight Connector 9">
             <a:extLst>
               <a:ext uri="{FF2B5EF4-FFF2-40B4-BE49-F238E27FC236}">
-                <a16:creationId xmlns="" xmlns:a16="http://schemas.microsoft.com/office/drawing/2014/main" id="{90EC1C39-6125-405C-80EF-E17D655E13F3}"/>
+                <a16:creationId xmlns:a16="http://schemas.microsoft.com/office/drawing/2014/main" id="{90EC1C39-6125-405C-80EF-E17D655E13F3}"/>
               </a:ext>
             </a:extLst>
           </p:cNvPr>
@@ -10743,7 +13163,7 @@
           <p:cNvPr id="73" name="Oval 5">
             <a:extLst>
               <a:ext uri="{FF2B5EF4-FFF2-40B4-BE49-F238E27FC236}">
-                <a16:creationId xmlns="" xmlns:a16="http://schemas.microsoft.com/office/drawing/2014/main" id="{65E92E75-453C-482E-8E46-5CED71BF917A}"/>
+                <a16:creationId xmlns:a16="http://schemas.microsoft.com/office/drawing/2014/main" id="{65E92E75-453C-482E-8E46-5CED71BF917A}"/>
               </a:ext>
             </a:extLst>
           </p:cNvPr>
@@ -10801,7 +13221,7 @@
           <p:cNvPr id="76" name="Graphic 22" descr="Puzzle">
             <a:extLst>
               <a:ext uri="{FF2B5EF4-FFF2-40B4-BE49-F238E27FC236}">
-                <a16:creationId xmlns:a16="http://schemas.microsoft.com/office/drawing/2014/main" xmlns="" id="{09093E34-D88E-4CB9-A145-F1FD9B90C4C8}"/>
+                <a16:creationId xmlns:a16="http://schemas.microsoft.com/office/drawing/2014/main" id="{09093E34-D88E-4CB9-A145-F1FD9B90C4C8}"/>
               </a:ext>
             </a:extLst>
           </p:cNvPr>
@@ -10811,13 +13231,13 @@
           <p:nvPr/>
         </p:nvPicPr>
         <p:blipFill>
-          <a:blip r:embed="rId10" cstate="print">
+          <a:blip r:embed="rId9" cstate="print">
             <a:extLst>
               <a:ext uri="{28A0092B-C50C-407E-A947-70E740481C1C}">
                 <a14:useLocalDpi xmlns:a14="http://schemas.microsoft.com/office/drawing/2010/main" val="0"/>
               </a:ext>
               <a:ext uri="{96DAC541-7B7A-43D3-8B79-37D633B846F1}">
-                <asvg:svgBlip xmlns:asvg="http://schemas.microsoft.com/office/drawing/2016/SVG/main" xmlns="" r:embed="rId11"/>
+                <asvg:svgBlip xmlns:asvg="http://schemas.microsoft.com/office/drawing/2016/SVG/main" r:embed="rId10"/>
               </a:ext>
             </a:extLst>
           </a:blip>
@@ -10927,10 +13347,1313 @@
           </a:p>
         </p:txBody>
       </p:sp>
+      <p:sp>
+        <p:nvSpPr>
+          <p:cNvPr id="2" name="TextBox 1">
+            <a:extLst>
+              <a:ext uri="{FF2B5EF4-FFF2-40B4-BE49-F238E27FC236}">
+                <a16:creationId xmlns:a16="http://schemas.microsoft.com/office/drawing/2014/main" id="{3229EE68-2CAB-46FF-A08C-D8499C944EA2}"/>
+              </a:ext>
+            </a:extLst>
+          </p:cNvPr>
+          <p:cNvSpPr txBox="1"/>
+          <p:nvPr/>
+        </p:nvSpPr>
+        <p:spPr>
+          <a:xfrm>
+            <a:off x="10213102" y="1310411"/>
+            <a:ext cx="1814514" cy="369332"/>
+          </a:xfrm>
+          <a:prstGeom prst="rect">
+            <a:avLst/>
+          </a:prstGeom>
+          <a:noFill/>
+        </p:spPr>
+        <p:txBody>
+          <a:bodyPr wrap="square" rtlCol="0">
+            <a:spAutoFit/>
+          </a:bodyPr>
+          <a:lstStyle/>
+          <a:p>
+            <a:r>
+              <a:rPr lang="en-US" altLang="ko-KR" dirty="0">
+                <a:solidFill>
+                  <a:schemeClr val="bg1"/>
+                </a:solidFill>
+              </a:rPr>
+              <a:t>Developer's Rift</a:t>
+            </a:r>
+            <a:endParaRPr lang="ko-KR" altLang="en-US" sz="800" dirty="0">
+              <a:solidFill>
+                <a:schemeClr val="bg1"/>
+              </a:solidFill>
+            </a:endParaRPr>
+          </a:p>
+        </p:txBody>
+      </p:sp>
+      <p:sp>
+        <p:nvSpPr>
+          <p:cNvPr id="3" name="TextBox 2">
+            <a:extLst>
+              <a:ext uri="{FF2B5EF4-FFF2-40B4-BE49-F238E27FC236}">
+                <a16:creationId xmlns:a16="http://schemas.microsoft.com/office/drawing/2014/main" id="{594B518C-2FD1-4549-96FF-C1C1045C1D02}"/>
+              </a:ext>
+            </a:extLst>
+          </p:cNvPr>
+          <p:cNvSpPr txBox="1"/>
+          <p:nvPr/>
+        </p:nvSpPr>
+        <p:spPr>
+          <a:xfrm>
+            <a:off x="10208036" y="2247937"/>
+            <a:ext cx="1718474" cy="369332"/>
+          </a:xfrm>
+          <a:prstGeom prst="rect">
+            <a:avLst/>
+          </a:prstGeom>
+          <a:noFill/>
+        </p:spPr>
+        <p:txBody>
+          <a:bodyPr wrap="square" rtlCol="0">
+            <a:spAutoFit/>
+          </a:bodyPr>
+          <a:lstStyle/>
+          <a:p>
+            <a:r>
+              <a:rPr lang="en-US" altLang="ko-KR" dirty="0">
+                <a:solidFill>
+                  <a:schemeClr val="bg1">
+                    <a:lumMod val="95000"/>
+                  </a:schemeClr>
+                </a:solidFill>
+              </a:rPr>
+              <a:t>**********</a:t>
+            </a:r>
+            <a:endParaRPr lang="ko-KR" altLang="en-US" dirty="0">
+              <a:solidFill>
+                <a:schemeClr val="bg1">
+                  <a:lumMod val="95000"/>
+                </a:schemeClr>
+              </a:solidFill>
+            </a:endParaRPr>
+          </a:p>
+        </p:txBody>
+      </p:sp>
     </p:spTree>
     <p:extLst>
       <p:ext uri="{BB962C8B-B14F-4D97-AF65-F5344CB8AC3E}">
         <p14:creationId xmlns:p14="http://schemas.microsoft.com/office/powerpoint/2010/main" val="2093977321"/>
+      </p:ext>
+    </p:extLst>
+  </p:cSld>
+  <p:clrMapOvr>
+    <a:masterClrMapping/>
+  </p:clrMapOvr>
+  <p:timing>
+    <p:tnLst>
+      <p:par>
+        <p:cTn id="1" dur="indefinite" restart="never" nodeType="tmRoot">
+          <p:childTnLst>
+            <p:seq concurrent="1" nextAc="seek">
+              <p:cTn id="2" dur="indefinite" nodeType="mainSeq">
+                <p:childTnLst>
+                  <p:par>
+                    <p:cTn id="3" fill="hold">
+                      <p:stCondLst>
+                        <p:cond delay="indefinite"/>
+                      </p:stCondLst>
+                      <p:childTnLst>
+                        <p:par>
+                          <p:cTn id="4" fill="hold">
+                            <p:stCondLst>
+                              <p:cond delay="0"/>
+                            </p:stCondLst>
+                            <p:childTnLst>
+                              <p:par>
+                                <p:cTn id="5" presetID="10" presetClass="entr" presetSubtype="0" fill="hold" grpId="0" nodeType="clickEffect">
+                                  <p:stCondLst>
+                                    <p:cond delay="0"/>
+                                  </p:stCondLst>
+                                  <p:childTnLst>
+                                    <p:set>
+                                      <p:cBhvr>
+                                        <p:cTn id="6" dur="1" fill="hold">
+                                          <p:stCondLst>
+                                            <p:cond delay="0"/>
+                                          </p:stCondLst>
+                                        </p:cTn>
+                                        <p:tgtEl>
+                                          <p:spTgt spid="2"/>
+                                        </p:tgtEl>
+                                        <p:attrNameLst>
+                                          <p:attrName>style.visibility</p:attrName>
+                                        </p:attrNameLst>
+                                      </p:cBhvr>
+                                      <p:to>
+                                        <p:strVal val="visible"/>
+                                      </p:to>
+                                    </p:set>
+                                    <p:animEffect transition="in" filter="fade">
+                                      <p:cBhvr>
+                                        <p:cTn id="7" dur="500"/>
+                                        <p:tgtEl>
+                                          <p:spTgt spid="2"/>
+                                        </p:tgtEl>
+                                      </p:cBhvr>
+                                    </p:animEffect>
+                                  </p:childTnLst>
+                                </p:cTn>
+                              </p:par>
+                            </p:childTnLst>
+                          </p:cTn>
+                        </p:par>
+                      </p:childTnLst>
+                    </p:cTn>
+                  </p:par>
+                  <p:par>
+                    <p:cTn id="8" fill="hold">
+                      <p:stCondLst>
+                        <p:cond delay="indefinite"/>
+                      </p:stCondLst>
+                      <p:childTnLst>
+                        <p:par>
+                          <p:cTn id="9" fill="hold">
+                            <p:stCondLst>
+                              <p:cond delay="0"/>
+                            </p:stCondLst>
+                            <p:childTnLst>
+                              <p:par>
+                                <p:cTn id="10" presetID="10" presetClass="entr" presetSubtype="0" fill="hold" grpId="0" nodeType="clickEffect">
+                                  <p:stCondLst>
+                                    <p:cond delay="0"/>
+                                  </p:stCondLst>
+                                  <p:childTnLst>
+                                    <p:set>
+                                      <p:cBhvr>
+                                        <p:cTn id="11" dur="1" fill="hold">
+                                          <p:stCondLst>
+                                            <p:cond delay="0"/>
+                                          </p:stCondLst>
+                                        </p:cTn>
+                                        <p:tgtEl>
+                                          <p:spTgt spid="3"/>
+                                        </p:tgtEl>
+                                        <p:attrNameLst>
+                                          <p:attrName>style.visibility</p:attrName>
+                                        </p:attrNameLst>
+                                      </p:cBhvr>
+                                      <p:to>
+                                        <p:strVal val="visible"/>
+                                      </p:to>
+                                    </p:set>
+                                    <p:animEffect transition="in" filter="fade">
+                                      <p:cBhvr>
+                                        <p:cTn id="12" dur="500"/>
+                                        <p:tgtEl>
+                                          <p:spTgt spid="3"/>
+                                        </p:tgtEl>
+                                      </p:cBhvr>
+                                    </p:animEffect>
+                                  </p:childTnLst>
+                                </p:cTn>
+                              </p:par>
+                            </p:childTnLst>
+                          </p:cTn>
+                        </p:par>
+                      </p:childTnLst>
+                    </p:cTn>
+                  </p:par>
+                  <p:par>
+                    <p:cTn id="13" fill="hold">
+                      <p:stCondLst>
+                        <p:cond delay="indefinite"/>
+                      </p:stCondLst>
+                      <p:childTnLst>
+                        <p:par>
+                          <p:cTn id="14" fill="hold">
+                            <p:stCondLst>
+                              <p:cond delay="0"/>
+                            </p:stCondLst>
+                            <p:childTnLst>
+                              <p:par>
+                                <p:cTn id="15" presetID="10" presetClass="entr" presetSubtype="0" fill="hold" grpId="0" nodeType="clickEffect">
+                                  <p:stCondLst>
+                                    <p:cond delay="0"/>
+                                  </p:stCondLst>
+                                  <p:childTnLst>
+                                    <p:set>
+                                      <p:cBhvr>
+                                        <p:cTn id="16" dur="1" fill="hold">
+                                          <p:stCondLst>
+                                            <p:cond delay="0"/>
+                                          </p:stCondLst>
+                                        </p:cTn>
+                                        <p:tgtEl>
+                                          <p:spTgt spid="51"/>
+                                        </p:tgtEl>
+                                        <p:attrNameLst>
+                                          <p:attrName>style.visibility</p:attrName>
+                                        </p:attrNameLst>
+                                      </p:cBhvr>
+                                      <p:to>
+                                        <p:strVal val="visible"/>
+                                      </p:to>
+                                    </p:set>
+                                    <p:animEffect transition="in" filter="fade">
+                                      <p:cBhvr>
+                                        <p:cTn id="17" dur="500"/>
+                                        <p:tgtEl>
+                                          <p:spTgt spid="51"/>
+                                        </p:tgtEl>
+                                      </p:cBhvr>
+                                    </p:animEffect>
+                                  </p:childTnLst>
+                                </p:cTn>
+                              </p:par>
+                            </p:childTnLst>
+                          </p:cTn>
+                        </p:par>
+                      </p:childTnLst>
+                    </p:cTn>
+                  </p:par>
+                  <p:par>
+                    <p:cTn id="18" fill="hold">
+                      <p:stCondLst>
+                        <p:cond delay="indefinite"/>
+                      </p:stCondLst>
+                      <p:childTnLst>
+                        <p:par>
+                          <p:cTn id="19" fill="hold">
+                            <p:stCondLst>
+                              <p:cond delay="0"/>
+                            </p:stCondLst>
+                            <p:childTnLst>
+                              <p:par>
+                                <p:cTn id="20" presetID="10" presetClass="entr" presetSubtype="0" fill="hold" nodeType="clickEffect">
+                                  <p:stCondLst>
+                                    <p:cond delay="0"/>
+                                  </p:stCondLst>
+                                  <p:childTnLst>
+                                    <p:set>
+                                      <p:cBhvr>
+                                        <p:cTn id="21" dur="1" fill="hold">
+                                          <p:stCondLst>
+                                            <p:cond delay="0"/>
+                                          </p:stCondLst>
+                                        </p:cTn>
+                                        <p:tgtEl>
+                                          <p:spTgt spid="44"/>
+                                        </p:tgtEl>
+                                        <p:attrNameLst>
+                                          <p:attrName>style.visibility</p:attrName>
+                                        </p:attrNameLst>
+                                      </p:cBhvr>
+                                      <p:to>
+                                        <p:strVal val="visible"/>
+                                      </p:to>
+                                    </p:set>
+                                    <p:animEffect transition="in" filter="fade">
+                                      <p:cBhvr>
+                                        <p:cTn id="22" dur="500"/>
+                                        <p:tgtEl>
+                                          <p:spTgt spid="44"/>
+                                        </p:tgtEl>
+                                      </p:cBhvr>
+                                    </p:animEffect>
+                                  </p:childTnLst>
+                                </p:cTn>
+                              </p:par>
+                              <p:par>
+                                <p:cTn id="23" presetID="10" presetClass="entr" presetSubtype="0" fill="hold" nodeType="withEffect">
+                                  <p:stCondLst>
+                                    <p:cond delay="0"/>
+                                  </p:stCondLst>
+                                  <p:childTnLst>
+                                    <p:set>
+                                      <p:cBhvr>
+                                        <p:cTn id="24" dur="1" fill="hold">
+                                          <p:stCondLst>
+                                            <p:cond delay="0"/>
+                                          </p:stCondLst>
+                                        </p:cTn>
+                                        <p:tgtEl>
+                                          <p:spTgt spid="43"/>
+                                        </p:tgtEl>
+                                        <p:attrNameLst>
+                                          <p:attrName>style.visibility</p:attrName>
+                                        </p:attrNameLst>
+                                      </p:cBhvr>
+                                      <p:to>
+                                        <p:strVal val="visible"/>
+                                      </p:to>
+                                    </p:set>
+                                    <p:animEffect transition="in" filter="fade">
+                                      <p:cBhvr>
+                                        <p:cTn id="25" dur="500"/>
+                                        <p:tgtEl>
+                                          <p:spTgt spid="43"/>
+                                        </p:tgtEl>
+                                      </p:cBhvr>
+                                    </p:animEffect>
+                                  </p:childTnLst>
+                                </p:cTn>
+                              </p:par>
+                              <p:par>
+                                <p:cTn id="26" presetID="10" presetClass="entr" presetSubtype="0" fill="hold" nodeType="withEffect">
+                                  <p:stCondLst>
+                                    <p:cond delay="0"/>
+                                  </p:stCondLst>
+                                  <p:childTnLst>
+                                    <p:set>
+                                      <p:cBhvr>
+                                        <p:cTn id="27" dur="1" fill="hold">
+                                          <p:stCondLst>
+                                            <p:cond delay="0"/>
+                                          </p:stCondLst>
+                                        </p:cTn>
+                                        <p:tgtEl>
+                                          <p:spTgt spid="50"/>
+                                        </p:tgtEl>
+                                        <p:attrNameLst>
+                                          <p:attrName>style.visibility</p:attrName>
+                                        </p:attrNameLst>
+                                      </p:cBhvr>
+                                      <p:to>
+                                        <p:strVal val="visible"/>
+                                      </p:to>
+                                    </p:set>
+                                    <p:animEffect transition="in" filter="fade">
+                                      <p:cBhvr>
+                                        <p:cTn id="28" dur="500"/>
+                                        <p:tgtEl>
+                                          <p:spTgt spid="50"/>
+                                        </p:tgtEl>
+                                      </p:cBhvr>
+                                    </p:animEffect>
+                                  </p:childTnLst>
+                                </p:cTn>
+                              </p:par>
+                              <p:par>
+                                <p:cTn id="29" presetID="10" presetClass="entr" presetSubtype="0" fill="hold" nodeType="withEffect">
+                                  <p:stCondLst>
+                                    <p:cond delay="0"/>
+                                  </p:stCondLst>
+                                  <p:childTnLst>
+                                    <p:set>
+                                      <p:cBhvr>
+                                        <p:cTn id="30" dur="1" fill="hold">
+                                          <p:stCondLst>
+                                            <p:cond delay="0"/>
+                                          </p:stCondLst>
+                                        </p:cTn>
+                                        <p:tgtEl>
+                                          <p:spTgt spid="49"/>
+                                        </p:tgtEl>
+                                        <p:attrNameLst>
+                                          <p:attrName>style.visibility</p:attrName>
+                                        </p:attrNameLst>
+                                      </p:cBhvr>
+                                      <p:to>
+                                        <p:strVal val="visible"/>
+                                      </p:to>
+                                    </p:set>
+                                    <p:animEffect transition="in" filter="fade">
+                                      <p:cBhvr>
+                                        <p:cTn id="31" dur="500"/>
+                                        <p:tgtEl>
+                                          <p:spTgt spid="49"/>
+                                        </p:tgtEl>
+                                      </p:cBhvr>
+                                    </p:animEffect>
+                                  </p:childTnLst>
+                                </p:cTn>
+                              </p:par>
+                              <p:par>
+                                <p:cTn id="32" presetID="10" presetClass="entr" presetSubtype="0" fill="hold" nodeType="withEffect">
+                                  <p:stCondLst>
+                                    <p:cond delay="0"/>
+                                  </p:stCondLst>
+                                  <p:childTnLst>
+                                    <p:set>
+                                      <p:cBhvr>
+                                        <p:cTn id="33" dur="1" fill="hold">
+                                          <p:stCondLst>
+                                            <p:cond delay="0"/>
+                                          </p:stCondLst>
+                                        </p:cTn>
+                                        <p:tgtEl>
+                                          <p:spTgt spid="71"/>
+                                        </p:tgtEl>
+                                        <p:attrNameLst>
+                                          <p:attrName>style.visibility</p:attrName>
+                                        </p:attrNameLst>
+                                      </p:cBhvr>
+                                      <p:to>
+                                        <p:strVal val="visible"/>
+                                      </p:to>
+                                    </p:set>
+                                    <p:animEffect transition="in" filter="fade">
+                                      <p:cBhvr>
+                                        <p:cTn id="34" dur="500"/>
+                                        <p:tgtEl>
+                                          <p:spTgt spid="71"/>
+                                        </p:tgtEl>
+                                      </p:cBhvr>
+                                    </p:animEffect>
+                                  </p:childTnLst>
+                                </p:cTn>
+                              </p:par>
+                              <p:par>
+                                <p:cTn id="35" presetID="10" presetClass="entr" presetSubtype="0" fill="hold" nodeType="withEffect">
+                                  <p:stCondLst>
+                                    <p:cond delay="0"/>
+                                  </p:stCondLst>
+                                  <p:childTnLst>
+                                    <p:set>
+                                      <p:cBhvr>
+                                        <p:cTn id="36" dur="1" fill="hold">
+                                          <p:stCondLst>
+                                            <p:cond delay="0"/>
+                                          </p:stCondLst>
+                                        </p:cTn>
+                                        <p:tgtEl>
+                                          <p:spTgt spid="48"/>
+                                        </p:tgtEl>
+                                        <p:attrNameLst>
+                                          <p:attrName>style.visibility</p:attrName>
+                                        </p:attrNameLst>
+                                      </p:cBhvr>
+                                      <p:to>
+                                        <p:strVal val="visible"/>
+                                      </p:to>
+                                    </p:set>
+                                    <p:animEffect transition="in" filter="fade">
+                                      <p:cBhvr>
+                                        <p:cTn id="37" dur="500"/>
+                                        <p:tgtEl>
+                                          <p:spTgt spid="48"/>
+                                        </p:tgtEl>
+                                      </p:cBhvr>
+                                    </p:animEffect>
+                                  </p:childTnLst>
+                                </p:cTn>
+                              </p:par>
+                              <p:par>
+                                <p:cTn id="38" presetID="10" presetClass="entr" presetSubtype="0" fill="hold" nodeType="withEffect">
+                                  <p:stCondLst>
+                                    <p:cond delay="0"/>
+                                  </p:stCondLst>
+                                  <p:childTnLst>
+                                    <p:set>
+                                      <p:cBhvr>
+                                        <p:cTn id="39" dur="1" fill="hold">
+                                          <p:stCondLst>
+                                            <p:cond delay="0"/>
+                                          </p:stCondLst>
+                                        </p:cTn>
+                                        <p:tgtEl>
+                                          <p:spTgt spid="36"/>
+                                        </p:tgtEl>
+                                        <p:attrNameLst>
+                                          <p:attrName>style.visibility</p:attrName>
+                                        </p:attrNameLst>
+                                      </p:cBhvr>
+                                      <p:to>
+                                        <p:strVal val="visible"/>
+                                      </p:to>
+                                    </p:set>
+                                    <p:animEffect transition="in" filter="fade">
+                                      <p:cBhvr>
+                                        <p:cTn id="40" dur="500"/>
+                                        <p:tgtEl>
+                                          <p:spTgt spid="36"/>
+                                        </p:tgtEl>
+                                      </p:cBhvr>
+                                    </p:animEffect>
+                                  </p:childTnLst>
+                                </p:cTn>
+                              </p:par>
+                              <p:par>
+                                <p:cTn id="41" presetID="10" presetClass="entr" presetSubtype="0" fill="hold" nodeType="withEffect">
+                                  <p:stCondLst>
+                                    <p:cond delay="0"/>
+                                  </p:stCondLst>
+                                  <p:childTnLst>
+                                    <p:set>
+                                      <p:cBhvr>
+                                        <p:cTn id="42" dur="1" fill="hold">
+                                          <p:stCondLst>
+                                            <p:cond delay="0"/>
+                                          </p:stCondLst>
+                                        </p:cTn>
+                                        <p:tgtEl>
+                                          <p:spTgt spid="16"/>
+                                        </p:tgtEl>
+                                        <p:attrNameLst>
+                                          <p:attrName>style.visibility</p:attrName>
+                                        </p:attrNameLst>
+                                      </p:cBhvr>
+                                      <p:to>
+                                        <p:strVal val="visible"/>
+                                      </p:to>
+                                    </p:set>
+                                    <p:animEffect transition="in" filter="fade">
+                                      <p:cBhvr>
+                                        <p:cTn id="43" dur="500"/>
+                                        <p:tgtEl>
+                                          <p:spTgt spid="16"/>
+                                        </p:tgtEl>
+                                      </p:cBhvr>
+                                    </p:animEffect>
+                                  </p:childTnLst>
+                                </p:cTn>
+                              </p:par>
+                              <p:par>
+                                <p:cTn id="44" presetID="10" presetClass="entr" presetSubtype="0" fill="hold" nodeType="withEffect">
+                                  <p:stCondLst>
+                                    <p:cond delay="0"/>
+                                  </p:stCondLst>
+                                  <p:childTnLst>
+                                    <p:set>
+                                      <p:cBhvr>
+                                        <p:cTn id="45" dur="1" fill="hold">
+                                          <p:stCondLst>
+                                            <p:cond delay="0"/>
+                                          </p:stCondLst>
+                                        </p:cTn>
+                                        <p:tgtEl>
+                                          <p:spTgt spid="28"/>
+                                        </p:tgtEl>
+                                        <p:attrNameLst>
+                                          <p:attrName>style.visibility</p:attrName>
+                                        </p:attrNameLst>
+                                      </p:cBhvr>
+                                      <p:to>
+                                        <p:strVal val="visible"/>
+                                      </p:to>
+                                    </p:set>
+                                    <p:animEffect transition="in" filter="fade">
+                                      <p:cBhvr>
+                                        <p:cTn id="46" dur="500"/>
+                                        <p:tgtEl>
+                                          <p:spTgt spid="28"/>
+                                        </p:tgtEl>
+                                      </p:cBhvr>
+                                    </p:animEffect>
+                                  </p:childTnLst>
+                                </p:cTn>
+                              </p:par>
+                              <p:par>
+                                <p:cTn id="47" presetID="10" presetClass="entr" presetSubtype="0" fill="hold" nodeType="withEffect">
+                                  <p:stCondLst>
+                                    <p:cond delay="0"/>
+                                  </p:stCondLst>
+                                  <p:childTnLst>
+                                    <p:set>
+                                      <p:cBhvr>
+                                        <p:cTn id="48" dur="1" fill="hold">
+                                          <p:stCondLst>
+                                            <p:cond delay="0"/>
+                                          </p:stCondLst>
+                                        </p:cTn>
+                                        <p:tgtEl>
+                                          <p:spTgt spid="29"/>
+                                        </p:tgtEl>
+                                        <p:attrNameLst>
+                                          <p:attrName>style.visibility</p:attrName>
+                                        </p:attrNameLst>
+                                      </p:cBhvr>
+                                      <p:to>
+                                        <p:strVal val="visible"/>
+                                      </p:to>
+                                    </p:set>
+                                    <p:animEffect transition="in" filter="fade">
+                                      <p:cBhvr>
+                                        <p:cTn id="49" dur="500"/>
+                                        <p:tgtEl>
+                                          <p:spTgt spid="29"/>
+                                        </p:tgtEl>
+                                      </p:cBhvr>
+                                    </p:animEffect>
+                                  </p:childTnLst>
+                                </p:cTn>
+                              </p:par>
+                              <p:par>
+                                <p:cTn id="50" presetID="10" presetClass="entr" presetSubtype="0" fill="hold" nodeType="withEffect">
+                                  <p:stCondLst>
+                                    <p:cond delay="0"/>
+                                  </p:stCondLst>
+                                  <p:childTnLst>
+                                    <p:set>
+                                      <p:cBhvr>
+                                        <p:cTn id="51" dur="1" fill="hold">
+                                          <p:stCondLst>
+                                            <p:cond delay="0"/>
+                                          </p:stCondLst>
+                                        </p:cTn>
+                                        <p:tgtEl>
+                                          <p:spTgt spid="34"/>
+                                        </p:tgtEl>
+                                        <p:attrNameLst>
+                                          <p:attrName>style.visibility</p:attrName>
+                                        </p:attrNameLst>
+                                      </p:cBhvr>
+                                      <p:to>
+                                        <p:strVal val="visible"/>
+                                      </p:to>
+                                    </p:set>
+                                    <p:animEffect transition="in" filter="fade">
+                                      <p:cBhvr>
+                                        <p:cTn id="52" dur="500"/>
+                                        <p:tgtEl>
+                                          <p:spTgt spid="34"/>
+                                        </p:tgtEl>
+                                      </p:cBhvr>
+                                    </p:animEffect>
+                                  </p:childTnLst>
+                                </p:cTn>
+                              </p:par>
+                              <p:par>
+                                <p:cTn id="53" presetID="10" presetClass="entr" presetSubtype="0" fill="hold" nodeType="withEffect">
+                                  <p:stCondLst>
+                                    <p:cond delay="0"/>
+                                  </p:stCondLst>
+                                  <p:childTnLst>
+                                    <p:set>
+                                      <p:cBhvr>
+                                        <p:cTn id="54" dur="1" fill="hold">
+                                          <p:stCondLst>
+                                            <p:cond delay="0"/>
+                                          </p:stCondLst>
+                                        </p:cTn>
+                                        <p:tgtEl>
+                                          <p:spTgt spid="76"/>
+                                        </p:tgtEl>
+                                        <p:attrNameLst>
+                                          <p:attrName>style.visibility</p:attrName>
+                                        </p:attrNameLst>
+                                      </p:cBhvr>
+                                      <p:to>
+                                        <p:strVal val="visible"/>
+                                      </p:to>
+                                    </p:set>
+                                    <p:animEffect transition="in" filter="fade">
+                                      <p:cBhvr>
+                                        <p:cTn id="55" dur="500"/>
+                                        <p:tgtEl>
+                                          <p:spTgt spid="76"/>
+                                        </p:tgtEl>
+                                      </p:cBhvr>
+                                    </p:animEffect>
+                                  </p:childTnLst>
+                                </p:cTn>
+                              </p:par>
+                              <p:par>
+                                <p:cTn id="56" presetID="10" presetClass="entr" presetSubtype="0" fill="hold" grpId="0" nodeType="withEffect">
+                                  <p:stCondLst>
+                                    <p:cond delay="0"/>
+                                  </p:stCondLst>
+                                  <p:childTnLst>
+                                    <p:set>
+                                      <p:cBhvr>
+                                        <p:cTn id="57" dur="1" fill="hold">
+                                          <p:stCondLst>
+                                            <p:cond delay="0"/>
+                                          </p:stCondLst>
+                                        </p:cTn>
+                                        <p:tgtEl>
+                                          <p:spTgt spid="73"/>
+                                        </p:tgtEl>
+                                        <p:attrNameLst>
+                                          <p:attrName>style.visibility</p:attrName>
+                                        </p:attrNameLst>
+                                      </p:cBhvr>
+                                      <p:to>
+                                        <p:strVal val="visible"/>
+                                      </p:to>
+                                    </p:set>
+                                    <p:animEffect transition="in" filter="fade">
+                                      <p:cBhvr>
+                                        <p:cTn id="58" dur="500"/>
+                                        <p:tgtEl>
+                                          <p:spTgt spid="73"/>
+                                        </p:tgtEl>
+                                      </p:cBhvr>
+                                    </p:animEffect>
+                                  </p:childTnLst>
+                                </p:cTn>
+                              </p:par>
+                            </p:childTnLst>
+                          </p:cTn>
+                        </p:par>
+                      </p:childTnLst>
+                    </p:cTn>
+                  </p:par>
+                </p:childTnLst>
+              </p:cTn>
+              <p:prevCondLst>
+                <p:cond evt="onPrev" delay="0">
+                  <p:tgtEl>
+                    <p:sldTgt/>
+                  </p:tgtEl>
+                </p:cond>
+              </p:prevCondLst>
+              <p:nextCondLst>
+                <p:cond evt="onNext" delay="0">
+                  <p:tgtEl>
+                    <p:sldTgt/>
+                  </p:tgtEl>
+                </p:cond>
+              </p:nextCondLst>
+            </p:seq>
+          </p:childTnLst>
+        </p:cTn>
+      </p:par>
+    </p:tnLst>
+    <p:bldLst>
+      <p:bldP spid="51" grpId="0" animBg="1"/>
+      <p:bldP spid="73" grpId="0" animBg="1"/>
+      <p:bldP spid="2" grpId="0"/>
+      <p:bldP spid="3" grpId="0"/>
+    </p:bldLst>
+  </p:timing>
+</p:sld>
+</file>
+
+<file path=ppt/slides/slide20.xml><?xml version="1.0" encoding="utf-8"?>
+<p:sld xmlns:a="http://schemas.openxmlformats.org/drawingml/2006/main" xmlns:r="http://schemas.openxmlformats.org/officeDocument/2006/relationships" xmlns:p="http://schemas.openxmlformats.org/presentationml/2006/main">
+  <p:cSld>
+    <p:spTree>
+      <p:nvGrpSpPr>
+        <p:cNvPr id="1" name=""/>
+        <p:cNvGrpSpPr/>
+        <p:nvPr/>
+      </p:nvGrpSpPr>
+      <p:grpSpPr>
+        <a:xfrm>
+          <a:off x="0" y="0"/>
+          <a:ext cx="0" cy="0"/>
+          <a:chOff x="0" y="0"/>
+          <a:chExt cx="0" cy="0"/>
+        </a:xfrm>
+      </p:grpSpPr>
+      <p:sp>
+        <p:nvSpPr>
+          <p:cNvPr id="16" name="직사각형 15"/>
+          <p:cNvSpPr/>
+          <p:nvPr/>
+        </p:nvSpPr>
+        <p:spPr>
+          <a:xfrm>
+            <a:off x="0" y="883920"/>
+            <a:ext cx="12192000" cy="5974080"/>
+          </a:xfrm>
+          <a:prstGeom prst="rect">
+            <a:avLst/>
+          </a:prstGeom>
+          <a:solidFill>
+            <a:schemeClr val="bg1"/>
+          </a:solidFill>
+          <a:ln>
+            <a:noFill/>
+          </a:ln>
+        </p:spPr>
+        <p:style>
+          <a:lnRef idx="2">
+            <a:schemeClr val="accent1">
+              <a:shade val="50000"/>
+            </a:schemeClr>
+          </a:lnRef>
+          <a:fillRef idx="1">
+            <a:schemeClr val="accent1"/>
+          </a:fillRef>
+          <a:effectRef idx="0">
+            <a:schemeClr val="accent1"/>
+          </a:effectRef>
+          <a:fontRef idx="minor">
+            <a:schemeClr val="lt1"/>
+          </a:fontRef>
+        </p:style>
+        <p:txBody>
+          <a:bodyPr rtlCol="0" anchor="ctr"/>
+          <a:lstStyle/>
+          <a:p>
+            <a:pPr algn="ctr"/>
+            <a:endParaRPr lang="ko-KR" altLang="en-US"/>
+          </a:p>
+        </p:txBody>
+      </p:sp>
+      <p:pic>
+        <p:nvPicPr>
+          <p:cNvPr id="5" name="그림 4"/>
+          <p:cNvPicPr>
+            <a:picLocks noChangeAspect="1"/>
+          </p:cNvPicPr>
+          <p:nvPr/>
+        </p:nvPicPr>
+        <p:blipFill>
+          <a:blip r:embed="rId2" cstate="print">
+            <a:extLst>
+              <a:ext uri="{28A0092B-C50C-407E-A947-70E740481C1C}">
+                <a14:useLocalDpi xmlns:a14="http://schemas.microsoft.com/office/drawing/2010/main" val="0"/>
+              </a:ext>
+            </a:extLst>
+          </a:blip>
+          <a:stretch>
+            <a:fillRect/>
+          </a:stretch>
+        </p:blipFill>
+        <p:spPr>
+          <a:xfrm>
+            <a:off x="4551340" y="3672035"/>
+            <a:ext cx="1571597" cy="1571597"/>
+          </a:xfrm>
+          <a:prstGeom prst="rect">
+            <a:avLst/>
+          </a:prstGeom>
+        </p:spPr>
+      </p:pic>
+      <p:pic>
+        <p:nvPicPr>
+          <p:cNvPr id="6" name="그림 5"/>
+          <p:cNvPicPr>
+            <a:picLocks noChangeAspect="1"/>
+          </p:cNvPicPr>
+          <p:nvPr/>
+        </p:nvPicPr>
+        <p:blipFill>
+          <a:blip r:embed="rId3" cstate="print">
+            <a:extLst>
+              <a:ext uri="{28A0092B-C50C-407E-A947-70E740481C1C}">
+                <a14:useLocalDpi xmlns:a14="http://schemas.microsoft.com/office/drawing/2010/main" val="0"/>
+              </a:ext>
+            </a:extLst>
+          </a:blip>
+          <a:stretch>
+            <a:fillRect/>
+          </a:stretch>
+        </p:blipFill>
+        <p:spPr>
+          <a:xfrm>
+            <a:off x="2332369" y="3638670"/>
+            <a:ext cx="1874970" cy="1874970"/>
+          </a:xfrm>
+          <a:prstGeom prst="rect">
+            <a:avLst/>
+          </a:prstGeom>
+        </p:spPr>
+      </p:pic>
+      <p:pic>
+        <p:nvPicPr>
+          <p:cNvPr id="7" name="그림 6"/>
+          <p:cNvPicPr>
+            <a:picLocks noChangeAspect="1"/>
+          </p:cNvPicPr>
+          <p:nvPr/>
+        </p:nvPicPr>
+        <p:blipFill>
+          <a:blip r:embed="rId4" cstate="print">
+            <a:duotone>
+              <a:prstClr val="black"/>
+              <a:schemeClr val="accent5">
+                <a:tint val="45000"/>
+                <a:satMod val="400000"/>
+              </a:schemeClr>
+            </a:duotone>
+            <a:extLst>
+              <a:ext uri="{28A0092B-C50C-407E-A947-70E740481C1C}">
+                <a14:useLocalDpi xmlns:a14="http://schemas.microsoft.com/office/drawing/2010/main" val="0"/>
+              </a:ext>
+            </a:extLst>
+          </a:blip>
+          <a:stretch>
+            <a:fillRect/>
+          </a:stretch>
+        </p:blipFill>
+        <p:spPr>
+          <a:xfrm>
+            <a:off x="327786" y="3638670"/>
+            <a:ext cx="1810218" cy="1810218"/>
+          </a:xfrm>
+          <a:prstGeom prst="rect">
+            <a:avLst/>
+          </a:prstGeom>
+        </p:spPr>
+      </p:pic>
+      <p:pic>
+        <p:nvPicPr>
+          <p:cNvPr id="8" name="그림 7"/>
+          <p:cNvPicPr>
+            <a:picLocks noChangeAspect="1"/>
+          </p:cNvPicPr>
+          <p:nvPr/>
+        </p:nvPicPr>
+        <p:blipFill>
+          <a:blip r:embed="rId5">
+            <a:extLst>
+              <a:ext uri="{28A0092B-C50C-407E-A947-70E740481C1C}">
+                <a14:useLocalDpi xmlns:a14="http://schemas.microsoft.com/office/drawing/2010/main" val="0"/>
+              </a:ext>
+            </a:extLst>
+          </a:blip>
+          <a:stretch>
+            <a:fillRect/>
+          </a:stretch>
+        </p:blipFill>
+        <p:spPr>
+          <a:xfrm>
+            <a:off x="8524110" y="2958117"/>
+            <a:ext cx="3326099" cy="2494575"/>
+          </a:xfrm>
+          <a:prstGeom prst="rect">
+            <a:avLst/>
+          </a:prstGeom>
+        </p:spPr>
+      </p:pic>
+      <p:pic>
+        <p:nvPicPr>
+          <p:cNvPr id="9" name="그림 8"/>
+          <p:cNvPicPr>
+            <a:picLocks noChangeAspect="1"/>
+          </p:cNvPicPr>
+          <p:nvPr/>
+        </p:nvPicPr>
+        <p:blipFill>
+          <a:blip r:embed="rId6" cstate="print">
+            <a:extLst>
+              <a:ext uri="{28A0092B-C50C-407E-A947-70E740481C1C}">
+                <a14:useLocalDpi xmlns:a14="http://schemas.microsoft.com/office/drawing/2010/main" val="0"/>
+              </a:ext>
+            </a:extLst>
+          </a:blip>
+          <a:stretch>
+            <a:fillRect/>
+          </a:stretch>
+        </p:blipFill>
+        <p:spPr>
+          <a:xfrm>
+            <a:off x="2830484" y="1122257"/>
+            <a:ext cx="2037460" cy="2030888"/>
+          </a:xfrm>
+          <a:prstGeom prst="rect">
+            <a:avLst/>
+          </a:prstGeom>
+        </p:spPr>
+      </p:pic>
+      <p:pic>
+        <p:nvPicPr>
+          <p:cNvPr id="10" name="그림 9"/>
+          <p:cNvPicPr>
+            <a:picLocks noChangeAspect="1"/>
+          </p:cNvPicPr>
+          <p:nvPr/>
+        </p:nvPicPr>
+        <p:blipFill>
+          <a:blip r:embed="rId7" cstate="print">
+            <a:extLst>
+              <a:ext uri="{28A0092B-C50C-407E-A947-70E740481C1C}">
+                <a14:useLocalDpi xmlns:a14="http://schemas.microsoft.com/office/drawing/2010/main" val="0"/>
+              </a:ext>
+            </a:extLst>
+          </a:blip>
+          <a:stretch>
+            <a:fillRect/>
+          </a:stretch>
+        </p:blipFill>
+        <p:spPr>
+          <a:xfrm>
+            <a:off x="502222" y="1227403"/>
+            <a:ext cx="1823763" cy="1820597"/>
+          </a:xfrm>
+          <a:prstGeom prst="rect">
+            <a:avLst/>
+          </a:prstGeom>
+        </p:spPr>
+      </p:pic>
+      <p:pic>
+        <p:nvPicPr>
+          <p:cNvPr id="11" name="그림 10"/>
+          <p:cNvPicPr>
+            <a:picLocks noChangeAspect="1"/>
+          </p:cNvPicPr>
+          <p:nvPr/>
+        </p:nvPicPr>
+        <p:blipFill>
+          <a:blip r:embed="rId8" cstate="print">
+            <a:extLst>
+              <a:ext uri="{28A0092B-C50C-407E-A947-70E740481C1C}">
+                <a14:useLocalDpi xmlns:a14="http://schemas.microsoft.com/office/drawing/2010/main" val="0"/>
+              </a:ext>
+            </a:extLst>
+          </a:blip>
+          <a:stretch>
+            <a:fillRect/>
+          </a:stretch>
+        </p:blipFill>
+        <p:spPr>
+          <a:xfrm>
+            <a:off x="7455824" y="5196534"/>
+            <a:ext cx="4482373" cy="1661466"/>
+          </a:xfrm>
+          <a:prstGeom prst="rect">
+            <a:avLst/>
+          </a:prstGeom>
+        </p:spPr>
+      </p:pic>
+      <p:pic>
+        <p:nvPicPr>
+          <p:cNvPr id="12" name="그림 11"/>
+          <p:cNvPicPr>
+            <a:picLocks noChangeAspect="1"/>
+          </p:cNvPicPr>
+          <p:nvPr/>
+        </p:nvPicPr>
+        <p:blipFill>
+          <a:blip r:embed="rId9" cstate="print">
+            <a:extLst>
+              <a:ext uri="{28A0092B-C50C-407E-A947-70E740481C1C}">
+                <a14:useLocalDpi xmlns:a14="http://schemas.microsoft.com/office/drawing/2010/main" val="0"/>
+              </a:ext>
+            </a:extLst>
+          </a:blip>
+          <a:stretch>
+            <a:fillRect/>
+          </a:stretch>
+        </p:blipFill>
+        <p:spPr>
+          <a:xfrm>
+            <a:off x="9454824" y="1638477"/>
+            <a:ext cx="2395385" cy="928451"/>
+          </a:xfrm>
+          <a:prstGeom prst="rect">
+            <a:avLst/>
+          </a:prstGeom>
+        </p:spPr>
+      </p:pic>
+      <p:pic>
+        <p:nvPicPr>
+          <p:cNvPr id="13" name="그림 12"/>
+          <p:cNvPicPr>
+            <a:picLocks noChangeAspect="1"/>
+          </p:cNvPicPr>
+          <p:nvPr/>
+        </p:nvPicPr>
+        <p:blipFill>
+          <a:blip r:embed="rId10">
+            <a:extLst>
+              <a:ext uri="{28A0092B-C50C-407E-A947-70E740481C1C}">
+                <a14:useLocalDpi xmlns:a14="http://schemas.microsoft.com/office/drawing/2010/main" val="0"/>
+              </a:ext>
+            </a:extLst>
+          </a:blip>
+          <a:stretch>
+            <a:fillRect/>
+          </a:stretch>
+        </p:blipFill>
+        <p:spPr>
+          <a:xfrm>
+            <a:off x="5887407" y="2849654"/>
+            <a:ext cx="2949962" cy="2949962"/>
+          </a:xfrm>
+          <a:prstGeom prst="rect">
+            <a:avLst/>
+          </a:prstGeom>
+        </p:spPr>
+      </p:pic>
+      <p:pic>
+        <p:nvPicPr>
+          <p:cNvPr id="14" name="그림 13"/>
+          <p:cNvPicPr>
+            <a:picLocks noChangeAspect="1"/>
+          </p:cNvPicPr>
+          <p:nvPr/>
+        </p:nvPicPr>
+        <p:blipFill rotWithShape="1">
+          <a:blip r:embed="rId11" cstate="print">
+            <a:extLst>
+              <a:ext uri="{28A0092B-C50C-407E-A947-70E740481C1C}">
+                <a14:useLocalDpi xmlns:a14="http://schemas.microsoft.com/office/drawing/2010/main" val="0"/>
+              </a:ext>
+            </a:extLst>
+          </a:blip>
+          <a:srcRect b="49580"/>
+          <a:stretch/>
+        </p:blipFill>
+        <p:spPr>
+          <a:xfrm>
+            <a:off x="5048644" y="1255964"/>
+            <a:ext cx="2863144" cy="1443604"/>
+          </a:xfrm>
+          <a:prstGeom prst="rect">
+            <a:avLst/>
+          </a:prstGeom>
+        </p:spPr>
+      </p:pic>
+      <p:pic>
+        <p:nvPicPr>
+          <p:cNvPr id="15" name="그림 14"/>
+          <p:cNvPicPr>
+            <a:picLocks noChangeAspect="1"/>
+          </p:cNvPicPr>
+          <p:nvPr/>
+        </p:nvPicPr>
+        <p:blipFill rotWithShape="1">
+          <a:blip r:embed="rId12" cstate="print">
+            <a:extLst>
+              <a:ext uri="{28A0092B-C50C-407E-A947-70E740481C1C}">
+                <a14:useLocalDpi xmlns:a14="http://schemas.microsoft.com/office/drawing/2010/main" val="0"/>
+              </a:ext>
+            </a:extLst>
+          </a:blip>
+          <a:srcRect t="47724" r="51030"/>
+          <a:stretch/>
+        </p:blipFill>
+        <p:spPr>
+          <a:xfrm>
+            <a:off x="7911788" y="1105878"/>
+            <a:ext cx="1402079" cy="1496728"/>
+          </a:xfrm>
+          <a:prstGeom prst="rect">
+            <a:avLst/>
+          </a:prstGeom>
+        </p:spPr>
+      </p:pic>
+      <p:sp>
+        <p:nvSpPr>
+          <p:cNvPr id="17" name="TextBox 16">
+            <a:extLst>
+              <a:ext uri="{FF2B5EF4-FFF2-40B4-BE49-F238E27FC236}">
+                <a16:creationId xmlns:a16="http://schemas.microsoft.com/office/drawing/2014/main" id="{C82075B6-575F-417B-8F08-957B41AA5E63}"/>
+              </a:ext>
+            </a:extLst>
+          </p:cNvPr>
+          <p:cNvSpPr txBox="1"/>
+          <p:nvPr/>
+        </p:nvSpPr>
+        <p:spPr>
+          <a:xfrm>
+            <a:off x="1622368" y="329685"/>
+            <a:ext cx="6549906" cy="400110"/>
+          </a:xfrm>
+          <a:prstGeom prst="rect">
+            <a:avLst/>
+          </a:prstGeom>
+          <a:noFill/>
+        </p:spPr>
+        <p:txBody>
+          <a:bodyPr wrap="square" rtlCol="0">
+            <a:spAutoFit/>
+          </a:bodyPr>
+          <a:lstStyle/>
+          <a:p>
+            <a:r>
+              <a:rPr lang="en-US" altLang="ko-KR" sz="2000" dirty="0">
+                <a:solidFill>
+                  <a:schemeClr val="bg1"/>
+                </a:solidFill>
+              </a:rPr>
+              <a:t>4. </a:t>
+            </a:r>
+            <a:r>
+              <a:rPr lang="ko-KR" altLang="en-US" sz="2000" dirty="0">
+                <a:solidFill>
+                  <a:schemeClr val="bg1"/>
+                </a:solidFill>
+              </a:rPr>
+              <a:t>사용 기술</a:t>
+            </a:r>
+          </a:p>
+        </p:txBody>
+      </p:sp>
+    </p:spTree>
+    <p:extLst>
+      <p:ext uri="{BB962C8B-B14F-4D97-AF65-F5344CB8AC3E}">
+        <p14:creationId xmlns:p14="http://schemas.microsoft.com/office/powerpoint/2010/main" val="1752529367"/>
+      </p:ext>
+    </p:extLst>
+  </p:cSld>
+  <p:clrMapOvr>
+    <a:masterClrMapping/>
+  </p:clrMapOvr>
+</p:sld>
+</file>
+
+<file path=ppt/slides/slide21.xml><?xml version="1.0" encoding="utf-8"?>
+<p:sld xmlns:a="http://schemas.openxmlformats.org/drawingml/2006/main" xmlns:r="http://schemas.openxmlformats.org/officeDocument/2006/relationships" xmlns:p="http://schemas.openxmlformats.org/presentationml/2006/main">
+  <p:cSld>
+    <p:spTree>
+      <p:nvGrpSpPr>
+        <p:cNvPr id="1" name=""/>
+        <p:cNvGrpSpPr/>
+        <p:nvPr/>
+      </p:nvGrpSpPr>
+      <p:grpSpPr>
+        <a:xfrm>
+          <a:off x="0" y="0"/>
+          <a:ext cx="0" cy="0"/>
+          <a:chOff x="0" y="0"/>
+          <a:chExt cx="0" cy="0"/>
+        </a:xfrm>
+      </p:grpSpPr>
+      <p:sp>
+        <p:nvSpPr>
+          <p:cNvPr id="10" name="TextBox 9"/>
+          <p:cNvSpPr txBox="1"/>
+          <p:nvPr/>
+        </p:nvSpPr>
+        <p:spPr>
+          <a:xfrm>
+            <a:off x="4612872" y="3136613"/>
+            <a:ext cx="2966261" cy="584775"/>
+          </a:xfrm>
+          <a:prstGeom prst="rect">
+            <a:avLst/>
+          </a:prstGeom>
+          <a:noFill/>
+        </p:spPr>
+        <p:txBody>
+          <a:bodyPr wrap="none" rtlCol="0" anchor="ctr">
+            <a:spAutoFit/>
+          </a:bodyPr>
+          <a:lstStyle/>
+          <a:p>
+            <a:pPr algn="ctr"/>
+            <a:r>
+              <a:rPr lang="en-US" altLang="ko-KR" sz="3200" b="1" spc="300" dirty="0">
+                <a:solidFill>
+                  <a:srgbClr val="F15A3E"/>
+                </a:solidFill>
+                <a:effectLst>
+                  <a:outerShdw blurRad="114300" dist="50800" dir="2700000" sx="102000" sy="102000" algn="tl" rotWithShape="0">
+                    <a:prstClr val="black">
+                      <a:alpha val="34000"/>
+                    </a:prstClr>
+                  </a:outerShdw>
+                </a:effectLst>
+                <a:ea typeface="나눔스퀘어 Bold" panose="020B0600000101010101" pitchFamily="50" charset="-127"/>
+              </a:rPr>
+              <a:t>THANK YOU</a:t>
+            </a:r>
+            <a:endParaRPr lang="ko-KR" altLang="en-US" sz="3200" b="1" spc="300" dirty="0">
+              <a:solidFill>
+                <a:srgbClr val="F15A3E"/>
+              </a:solidFill>
+              <a:effectLst>
+                <a:outerShdw blurRad="114300" dist="50800" dir="2700000" sx="102000" sy="102000" algn="tl" rotWithShape="0">
+                  <a:prstClr val="black">
+                    <a:alpha val="34000"/>
+                  </a:prstClr>
+                </a:outerShdw>
+              </a:effectLst>
+              <a:ea typeface="나눔스퀘어 Bold" panose="020B0600000101010101" pitchFamily="50" charset="-127"/>
+            </a:endParaRPr>
+          </a:p>
+        </p:txBody>
+      </p:sp>
+    </p:spTree>
+    <p:extLst>
+      <p:ext uri="{BB962C8B-B14F-4D97-AF65-F5344CB8AC3E}">
+        <p14:creationId xmlns:p14="http://schemas.microsoft.com/office/powerpoint/2010/main" val="205915672"/>
       </p:ext>
     </p:extLst>
   </p:cSld>
@@ -11218,7 +14941,7 @@
           </a:lstStyle>
           <a:p>
             <a:r>
-              <a:rPr lang="en-US" altLang="ko-KR" sz="2400" dirty="0" smtClean="0">
+              <a:rPr lang="en-US" altLang="ko-KR" sz="2400" dirty="0">
                 <a:solidFill>
                   <a:schemeClr val="bg1"/>
                 </a:solidFill>
@@ -11226,7 +14949,7 @@
               <a:t> </a:t>
             </a:r>
             <a:r>
-              <a:rPr lang="ko-KR" altLang="en-US" sz="2400" u="sng" dirty="0" smtClean="0">
+              <a:rPr lang="ko-KR" altLang="en-US" sz="2400" u="sng" dirty="0">
                 <a:solidFill>
                   <a:schemeClr val="bg1"/>
                 </a:solidFill>
@@ -11234,18 +14957,13 @@
               <a:t>팀장</a:t>
             </a:r>
             <a:r>
-              <a:rPr lang="en-US" altLang="ko-KR" sz="2400" dirty="0" smtClean="0">
+              <a:rPr lang="en-US" altLang="ko-KR" sz="2400" dirty="0">
                 <a:solidFill>
                   <a:schemeClr val="bg1"/>
                 </a:solidFill>
               </a:rPr>
               <a:t> </a:t>
             </a:r>
-            <a:endParaRPr lang="en-US" altLang="ko-KR" sz="2400" dirty="0" smtClean="0">
-              <a:solidFill>
-                <a:schemeClr val="bg1"/>
-              </a:solidFill>
-            </a:endParaRPr>
           </a:p>
         </p:txBody>
       </p:sp>
@@ -11291,7 +15009,7 @@
           </a:lstStyle>
           <a:p>
             <a:r>
-              <a:rPr lang="en-US" altLang="ko-KR" sz="2400" dirty="0" smtClean="0">
+              <a:rPr lang="en-US" altLang="ko-KR" sz="2400" dirty="0">
                 <a:solidFill>
                   <a:schemeClr val="bg1"/>
                 </a:solidFill>
@@ -11299,7 +15017,7 @@
               <a:t> </a:t>
             </a:r>
             <a:r>
-              <a:rPr lang="ko-KR" altLang="en-US" sz="2400" u="sng" dirty="0" smtClean="0">
+              <a:rPr lang="ko-KR" altLang="en-US" sz="2400" u="sng" dirty="0">
                 <a:solidFill>
                   <a:schemeClr val="bg1"/>
                 </a:solidFill>
@@ -11307,18 +15025,13 @@
               <a:t>팀원</a:t>
             </a:r>
             <a:r>
-              <a:rPr lang="en-US" altLang="ko-KR" sz="2400" dirty="0" smtClean="0">
+              <a:rPr lang="en-US" altLang="ko-KR" sz="2400" dirty="0">
                 <a:solidFill>
                   <a:schemeClr val="bg1"/>
                 </a:solidFill>
               </a:rPr>
               <a:t> </a:t>
             </a:r>
-            <a:endParaRPr lang="en-US" altLang="ko-KR" sz="2400" dirty="0" smtClean="0">
-              <a:solidFill>
-                <a:schemeClr val="bg1"/>
-              </a:solidFill>
-            </a:endParaRPr>
           </a:p>
         </p:txBody>
       </p:sp>
@@ -11332,7 +15045,7 @@
         </p:nvSpPr>
         <p:spPr>
           <a:xfrm>
-            <a:off x="6486036" y="5037993"/>
+            <a:off x="6471522" y="5037993"/>
             <a:ext cx="1646605" cy="565640"/>
           </a:xfrm>
           <a:prstGeom prst="rect">
@@ -11364,7 +15077,7 @@
           </a:lstStyle>
           <a:p>
             <a:r>
-              <a:rPr lang="en-US" altLang="ko-KR" sz="2400" dirty="0" smtClean="0">
+              <a:rPr lang="en-US" altLang="ko-KR" sz="2400" dirty="0">
                 <a:solidFill>
                   <a:schemeClr val="bg1"/>
                 </a:solidFill>
@@ -11372,7 +15085,7 @@
               <a:t> </a:t>
             </a:r>
             <a:r>
-              <a:rPr lang="ko-KR" altLang="en-US" sz="2400" u="sng" dirty="0" smtClean="0">
+              <a:rPr lang="ko-KR" altLang="en-US" sz="2400" u="sng" dirty="0">
                 <a:solidFill>
                   <a:schemeClr val="bg1"/>
                 </a:solidFill>
@@ -11380,18 +15093,13 @@
               <a:t>팀원</a:t>
             </a:r>
             <a:r>
-              <a:rPr lang="en-US" altLang="ko-KR" sz="2400" dirty="0" smtClean="0">
+              <a:rPr lang="en-US" altLang="ko-KR" sz="2400" dirty="0">
                 <a:solidFill>
                   <a:schemeClr val="bg1"/>
                 </a:solidFill>
               </a:rPr>
               <a:t> </a:t>
             </a:r>
-            <a:endParaRPr lang="en-US" altLang="ko-KR" sz="2400" dirty="0" smtClean="0">
-              <a:solidFill>
-                <a:schemeClr val="bg1"/>
-              </a:solidFill>
-            </a:endParaRPr>
           </a:p>
         </p:txBody>
       </p:sp>
@@ -11405,7 +15113,7 @@
         </p:nvSpPr>
         <p:spPr>
           <a:xfrm>
-            <a:off x="9426671" y="5037993"/>
+            <a:off x="9354101" y="5037993"/>
             <a:ext cx="1646605" cy="565640"/>
           </a:xfrm>
           <a:prstGeom prst="rect">
@@ -11437,7 +15145,7 @@
           </a:lstStyle>
           <a:p>
             <a:r>
-              <a:rPr lang="en-US" altLang="ko-KR" sz="2400" dirty="0" smtClean="0">
+              <a:rPr lang="en-US" altLang="ko-KR" sz="2400" dirty="0">
                 <a:solidFill>
                   <a:schemeClr val="bg1"/>
                 </a:solidFill>
@@ -11445,7 +15153,7 @@
               <a:t> </a:t>
             </a:r>
             <a:r>
-              <a:rPr lang="ko-KR" altLang="en-US" sz="2400" u="sng" dirty="0" smtClean="0">
+              <a:rPr lang="ko-KR" altLang="en-US" sz="2400" u="sng" dirty="0">
                 <a:solidFill>
                   <a:schemeClr val="bg1"/>
                 </a:solidFill>
@@ -11453,18 +15161,13 @@
               <a:t>팀원</a:t>
             </a:r>
             <a:r>
-              <a:rPr lang="en-US" altLang="ko-KR" sz="2400" dirty="0" smtClean="0">
+              <a:rPr lang="en-US" altLang="ko-KR" sz="2400" dirty="0">
                 <a:solidFill>
                   <a:schemeClr val="bg1"/>
                 </a:solidFill>
               </a:rPr>
               <a:t> </a:t>
             </a:r>
-            <a:endParaRPr lang="en-US" altLang="ko-KR" sz="2400" dirty="0" smtClean="0">
-              <a:solidFill>
-                <a:schemeClr val="bg1"/>
-              </a:solidFill>
-            </a:endParaRPr>
           </a:p>
         </p:txBody>
       </p:sp>
@@ -11510,7 +15213,7 @@
           </a:lstStyle>
           <a:p>
             <a:r>
-              <a:rPr lang="en-US" altLang="ko-KR" sz="2400" dirty="0" smtClean="0">
+              <a:rPr lang="en-US" altLang="ko-KR" sz="2400" dirty="0">
                 <a:solidFill>
                   <a:schemeClr val="bg1"/>
                 </a:solidFill>
@@ -11518,7 +15221,7 @@
               <a:t> </a:t>
             </a:r>
             <a:r>
-              <a:rPr lang="ko-KR" altLang="en-US" sz="2400" dirty="0" smtClean="0">
+              <a:rPr lang="ko-KR" altLang="en-US" sz="2400" dirty="0">
                 <a:solidFill>
                   <a:schemeClr val="bg1"/>
                 </a:solidFill>
@@ -11526,18 +15229,13 @@
               <a:t>김정현</a:t>
             </a:r>
             <a:r>
-              <a:rPr lang="en-US" altLang="ko-KR" sz="2400" dirty="0" smtClean="0">
+              <a:rPr lang="en-US" altLang="ko-KR" sz="2400" dirty="0">
                 <a:solidFill>
                   <a:schemeClr val="bg1"/>
                 </a:solidFill>
               </a:rPr>
               <a:t> </a:t>
             </a:r>
-            <a:endParaRPr lang="en-US" altLang="ko-KR" sz="2400" dirty="0" smtClean="0">
-              <a:solidFill>
-                <a:schemeClr val="bg1"/>
-              </a:solidFill>
-            </a:endParaRPr>
           </a:p>
         </p:txBody>
       </p:sp>
@@ -11583,7 +15281,7 @@
           </a:lstStyle>
           <a:p>
             <a:r>
-              <a:rPr lang="en-US" altLang="ko-KR" sz="2400" dirty="0" smtClean="0">
+              <a:rPr lang="en-US" altLang="ko-KR" sz="2400" dirty="0">
                 <a:solidFill>
                   <a:schemeClr val="bg1"/>
                 </a:solidFill>
@@ -11591,7 +15289,7 @@
               <a:t> </a:t>
             </a:r>
             <a:r>
-              <a:rPr lang="ko-KR" altLang="en-US" sz="2400" dirty="0" smtClean="0">
+              <a:rPr lang="ko-KR" altLang="en-US" sz="2400" dirty="0">
                 <a:solidFill>
                   <a:schemeClr val="bg1"/>
                 </a:solidFill>
@@ -11599,18 +15297,13 @@
               <a:t>박종선</a:t>
             </a:r>
             <a:r>
-              <a:rPr lang="en-US" altLang="ko-KR" sz="2400" dirty="0" smtClean="0">
+              <a:rPr lang="en-US" altLang="ko-KR" sz="2400" dirty="0">
                 <a:solidFill>
                   <a:schemeClr val="bg1"/>
                 </a:solidFill>
               </a:rPr>
               <a:t> </a:t>
             </a:r>
-            <a:endParaRPr lang="en-US" altLang="ko-KR" sz="2400" dirty="0" smtClean="0">
-              <a:solidFill>
-                <a:schemeClr val="bg1"/>
-              </a:solidFill>
-            </a:endParaRPr>
           </a:p>
         </p:txBody>
       </p:sp>
@@ -11624,7 +15317,7 @@
         </p:nvSpPr>
         <p:spPr>
           <a:xfrm>
-            <a:off x="6486036" y="5483470"/>
+            <a:off x="6471522" y="5483470"/>
             <a:ext cx="1646605" cy="565640"/>
           </a:xfrm>
           <a:prstGeom prst="rect">
@@ -11656,7 +15349,7 @@
           </a:lstStyle>
           <a:p>
             <a:r>
-              <a:rPr lang="en-US" altLang="ko-KR" sz="2400" dirty="0" smtClean="0">
+              <a:rPr lang="en-US" altLang="ko-KR" sz="2400" dirty="0">
                 <a:solidFill>
                   <a:schemeClr val="bg1"/>
                 </a:solidFill>
@@ -11664,7 +15357,7 @@
               <a:t> </a:t>
             </a:r>
             <a:r>
-              <a:rPr lang="ko-KR" altLang="en-US" sz="2400" dirty="0" smtClean="0">
+              <a:rPr lang="ko-KR" altLang="en-US" sz="2400" dirty="0">
                 <a:solidFill>
                   <a:schemeClr val="bg1"/>
                 </a:solidFill>
@@ -11672,18 +15365,13 @@
               <a:t>박진영</a:t>
             </a:r>
             <a:r>
-              <a:rPr lang="en-US" altLang="ko-KR" sz="2400" dirty="0" smtClean="0">
+              <a:rPr lang="en-US" altLang="ko-KR" sz="2400" dirty="0">
                 <a:solidFill>
                   <a:schemeClr val="bg1"/>
                 </a:solidFill>
               </a:rPr>
               <a:t> </a:t>
             </a:r>
-            <a:endParaRPr lang="en-US" altLang="ko-KR" sz="2400" dirty="0" smtClean="0">
-              <a:solidFill>
-                <a:schemeClr val="bg1"/>
-              </a:solidFill>
-            </a:endParaRPr>
           </a:p>
         </p:txBody>
       </p:sp>
@@ -11697,7 +15385,7 @@
         </p:nvSpPr>
         <p:spPr>
           <a:xfrm>
-            <a:off x="9426671" y="5483470"/>
+            <a:off x="9354101" y="5483470"/>
             <a:ext cx="1646605" cy="565640"/>
           </a:xfrm>
           <a:prstGeom prst="rect">
@@ -11729,7 +15417,7 @@
           </a:lstStyle>
           <a:p>
             <a:r>
-              <a:rPr lang="en-US" altLang="ko-KR" sz="2400" dirty="0" smtClean="0">
+              <a:rPr lang="en-US" altLang="ko-KR" sz="2400" dirty="0">
                 <a:solidFill>
                   <a:schemeClr val="bg1"/>
                 </a:solidFill>
@@ -11737,7 +15425,7 @@
               <a:t> </a:t>
             </a:r>
             <a:r>
-              <a:rPr lang="ko-KR" altLang="en-US" sz="2400" dirty="0" smtClean="0">
+              <a:rPr lang="ko-KR" altLang="en-US" sz="2400" dirty="0">
                 <a:solidFill>
                   <a:schemeClr val="bg1"/>
                 </a:solidFill>
@@ -11745,18 +15433,13 @@
               <a:t>조규상</a:t>
             </a:r>
             <a:r>
-              <a:rPr lang="en-US" altLang="ko-KR" sz="2400" dirty="0" smtClean="0">
+              <a:rPr lang="en-US" altLang="ko-KR" sz="2400" dirty="0">
                 <a:solidFill>
                   <a:schemeClr val="bg1"/>
                 </a:solidFill>
               </a:rPr>
               <a:t> </a:t>
             </a:r>
-            <a:endParaRPr lang="en-US" altLang="ko-KR" sz="2400" dirty="0" smtClean="0">
-              <a:solidFill>
-                <a:schemeClr val="bg1"/>
-              </a:solidFill>
-            </a:endParaRPr>
           </a:p>
         </p:txBody>
       </p:sp>
@@ -11783,6 +15466,148 @@
           <a:xfrm flipH="1">
             <a:off x="10492154" y="0"/>
             <a:ext cx="1699846" cy="1195754"/>
+          </a:xfrm>
+          <a:prstGeom prst="rect">
+            <a:avLst/>
+          </a:prstGeom>
+        </p:spPr>
+      </p:pic>
+      <p:pic>
+        <p:nvPicPr>
+          <p:cNvPr id="3" name="그림 2" descr="그리기, 시계, 담장이(가) 표시된 사진&#10;&#10;자동 생성된 설명">
+            <a:extLst>
+              <a:ext uri="{FF2B5EF4-FFF2-40B4-BE49-F238E27FC236}">
+                <a16:creationId xmlns:a16="http://schemas.microsoft.com/office/drawing/2014/main" id="{F6171AF3-9E68-4B5D-AD61-9B41F3150491}"/>
+              </a:ext>
+            </a:extLst>
+          </p:cNvPr>
+          <p:cNvPicPr>
+            <a:picLocks noChangeAspect="1"/>
+          </p:cNvPicPr>
+          <p:nvPr/>
+        </p:nvPicPr>
+        <p:blipFill>
+          <a:blip r:embed="rId10">
+            <a:extLst>
+              <a:ext uri="{28A0092B-C50C-407E-A947-70E740481C1C}">
+                <a14:useLocalDpi xmlns:a14="http://schemas.microsoft.com/office/drawing/2010/main" val="0"/>
+              </a:ext>
+            </a:extLst>
+          </a:blip>
+          <a:stretch>
+            <a:fillRect/>
+          </a:stretch>
+        </p:blipFill>
+        <p:spPr>
+          <a:xfrm>
+            <a:off x="2028630" y="5212584"/>
+            <a:ext cx="787807" cy="782098"/>
+          </a:xfrm>
+          <a:prstGeom prst="rect">
+            <a:avLst/>
+          </a:prstGeom>
+        </p:spPr>
+      </p:pic>
+      <p:pic>
+        <p:nvPicPr>
+          <p:cNvPr id="22" name="그림 21">
+            <a:extLst>
+              <a:ext uri="{FF2B5EF4-FFF2-40B4-BE49-F238E27FC236}">
+                <a16:creationId xmlns:a16="http://schemas.microsoft.com/office/drawing/2014/main" id="{1950A23F-EF56-4367-A3F2-3AFC088AD67C}"/>
+              </a:ext>
+            </a:extLst>
+          </p:cNvPr>
+          <p:cNvPicPr>
+            <a:picLocks noChangeAspect="1"/>
+          </p:cNvPicPr>
+          <p:nvPr/>
+        </p:nvPicPr>
+        <p:blipFill>
+          <a:blip r:embed="rId11">
+            <a:extLst>
+              <a:ext uri="{28A0092B-C50C-407E-A947-70E740481C1C}">
+                <a14:useLocalDpi xmlns:a14="http://schemas.microsoft.com/office/drawing/2010/main" val="0"/>
+              </a:ext>
+            </a:extLst>
+          </a:blip>
+          <a:srcRect/>
+          <a:stretch/>
+        </p:blipFill>
+        <p:spPr>
+          <a:xfrm>
+            <a:off x="4923845" y="5212584"/>
+            <a:ext cx="776430" cy="782098"/>
+          </a:xfrm>
+          <a:prstGeom prst="rect">
+            <a:avLst/>
+          </a:prstGeom>
+        </p:spPr>
+      </p:pic>
+      <p:pic>
+        <p:nvPicPr>
+          <p:cNvPr id="29" name="그림 28">
+            <a:extLst>
+              <a:ext uri="{FF2B5EF4-FFF2-40B4-BE49-F238E27FC236}">
+                <a16:creationId xmlns:a16="http://schemas.microsoft.com/office/drawing/2014/main" id="{DAEE4020-3769-4C13-81F4-BF4C0BAE76EA}"/>
+              </a:ext>
+            </a:extLst>
+          </p:cNvPr>
+          <p:cNvPicPr>
+            <a:picLocks noChangeAspect="1"/>
+          </p:cNvPicPr>
+          <p:nvPr/>
+        </p:nvPicPr>
+        <p:blipFill>
+          <a:blip r:embed="rId12">
+            <a:extLst>
+              <a:ext uri="{28A0092B-C50C-407E-A947-70E740481C1C}">
+                <a14:useLocalDpi xmlns:a14="http://schemas.microsoft.com/office/drawing/2010/main" val="0"/>
+              </a:ext>
+            </a:extLst>
+          </a:blip>
+          <a:srcRect/>
+          <a:stretch/>
+        </p:blipFill>
+        <p:spPr>
+          <a:xfrm>
+            <a:off x="7716917" y="5212584"/>
+            <a:ext cx="787806" cy="782098"/>
+          </a:xfrm>
+          <a:prstGeom prst="rect">
+            <a:avLst/>
+          </a:prstGeom>
+          <a:noFill/>
+        </p:spPr>
+      </p:pic>
+      <p:pic>
+        <p:nvPicPr>
+          <p:cNvPr id="30" name="그림 29">
+            <a:extLst>
+              <a:ext uri="{FF2B5EF4-FFF2-40B4-BE49-F238E27FC236}">
+                <a16:creationId xmlns:a16="http://schemas.microsoft.com/office/drawing/2014/main" id="{9B98DB65-F531-4D93-B65C-93BC11E3316B}"/>
+              </a:ext>
+            </a:extLst>
+          </p:cNvPr>
+          <p:cNvPicPr>
+            <a:picLocks noChangeAspect="1"/>
+          </p:cNvPicPr>
+          <p:nvPr/>
+        </p:nvPicPr>
+        <p:blipFill>
+          <a:blip r:embed="rId13">
+            <a:extLst>
+              <a:ext uri="{28A0092B-C50C-407E-A947-70E740481C1C}">
+                <a14:useLocalDpi xmlns:a14="http://schemas.microsoft.com/office/drawing/2010/main" val="0"/>
+              </a:ext>
+            </a:extLst>
+          </a:blip>
+          <a:srcRect/>
+          <a:stretch/>
+        </p:blipFill>
+        <p:spPr>
+          <a:xfrm>
+            <a:off x="10609298" y="5212584"/>
+            <a:ext cx="782098" cy="782098"/>
           </a:xfrm>
           <a:prstGeom prst="rect">
             <a:avLst/>
@@ -11891,7 +15716,7 @@
           </a:lstStyle>
           <a:p>
             <a:r>
-              <a:rPr lang="en-US" altLang="ko-KR" sz="2400" dirty="0" smtClean="0">
+              <a:rPr lang="en-US" altLang="ko-KR" sz="2400" dirty="0">
                 <a:solidFill>
                   <a:schemeClr val="bg1"/>
                 </a:solidFill>
@@ -11899,30 +15724,14 @@
               <a:t>1. </a:t>
             </a:r>
             <a:r>
-              <a:rPr lang="ko-KR" altLang="en-US" sz="2400" dirty="0" smtClean="0">
-                <a:solidFill>
-                  <a:schemeClr val="bg1"/>
-                </a:solidFill>
-              </a:rPr>
-              <a:t>주제 </a:t>
-            </a:r>
-            <a:r>
               <a:rPr lang="ko-KR" altLang="en-US" sz="2400" dirty="0">
                 <a:solidFill>
                   <a:schemeClr val="bg1"/>
                 </a:solidFill>
               </a:rPr>
-              <a:t>선정 </a:t>
-            </a:r>
-            <a:r>
-              <a:rPr lang="ko-KR" altLang="en-US" sz="2400" dirty="0" smtClean="0">
-                <a:solidFill>
-                  <a:schemeClr val="bg1"/>
-                </a:solidFill>
-              </a:rPr>
-              <a:t>이유</a:t>
-            </a:r>
-            <a:endParaRPr lang="en-US" altLang="ko-KR" sz="2400" dirty="0" smtClean="0">
+              <a:t>주제 선정 이유</a:t>
+            </a:r>
+            <a:endParaRPr lang="en-US" altLang="ko-KR" sz="2400" dirty="0">
               <a:solidFill>
                 <a:schemeClr val="bg1"/>
               </a:solidFill>
@@ -11948,14 +15757,14 @@
               <a:t>2. </a:t>
             </a:r>
             <a:r>
-              <a:rPr lang="ko-KR" altLang="en-US" sz="2400" dirty="0" smtClean="0">
+              <a:rPr lang="ko-KR" altLang="en-US" sz="2400" dirty="0">
                 <a:solidFill>
                   <a:schemeClr val="bg1"/>
                 </a:solidFill>
               </a:rPr>
               <a:t>시장성</a:t>
             </a:r>
-            <a:endParaRPr lang="en-US" altLang="ko-KR" sz="2400" dirty="0" smtClean="0">
+            <a:endParaRPr lang="en-US" altLang="ko-KR" sz="2400" dirty="0">
               <a:solidFill>
                 <a:schemeClr val="bg1"/>
               </a:solidFill>
@@ -11983,17 +15792,9 @@
                   <a:schemeClr val="bg1"/>
                 </a:solidFill>
               </a:rPr>
-              <a:t>구현 </a:t>
-            </a:r>
-            <a:r>
-              <a:rPr lang="ko-KR" altLang="en-US" sz="2400" dirty="0" smtClean="0">
-                <a:solidFill>
-                  <a:schemeClr val="bg1"/>
-                </a:solidFill>
-              </a:rPr>
-              <a:t>계획</a:t>
-            </a:r>
-            <a:endParaRPr lang="en-US" altLang="ko-KR" sz="2400" dirty="0" smtClean="0">
+              <a:t>구현 계획</a:t>
+            </a:r>
+            <a:endParaRPr lang="en-US" altLang="ko-KR" sz="2400" dirty="0">
               <a:solidFill>
                 <a:schemeClr val="bg1"/>
               </a:solidFill>
@@ -12160,30 +15961,14 @@
               <a:buAutoNum type="arabicPeriod"/>
             </a:pPr>
             <a:r>
-              <a:rPr lang="ko-KR" altLang="en-US" sz="2400" dirty="0" smtClean="0">
-                <a:solidFill>
-                  <a:schemeClr val="bg1"/>
-                </a:solidFill>
-              </a:rPr>
-              <a:t>주제 </a:t>
-            </a:r>
-            <a:r>
               <a:rPr lang="ko-KR" altLang="en-US" sz="2400" dirty="0">
                 <a:solidFill>
                   <a:schemeClr val="bg1"/>
                 </a:solidFill>
               </a:rPr>
-              <a:t>선정 </a:t>
-            </a:r>
-            <a:r>
-              <a:rPr lang="ko-KR" altLang="en-US" sz="2400" dirty="0" smtClean="0">
-                <a:solidFill>
-                  <a:schemeClr val="bg1"/>
-                </a:solidFill>
-              </a:rPr>
-              <a:t>이유</a:t>
-            </a:r>
-            <a:endParaRPr lang="en-US" altLang="ko-KR" sz="2400" dirty="0" smtClean="0">
+              <a:t>주제 선정 이유</a:t>
+            </a:r>
+            <a:endParaRPr lang="en-US" altLang="ko-KR" sz="2400" dirty="0">
               <a:solidFill>
                 <a:schemeClr val="bg1"/>
               </a:solidFill>
@@ -12198,11 +15983,6 @@
               </a:rPr>
               <a:t> </a:t>
             </a:r>
-            <a:endParaRPr lang="en-US" altLang="ko-KR" sz="2400" dirty="0" smtClean="0">
-              <a:solidFill>
-                <a:schemeClr val="bg1"/>
-              </a:solidFill>
-            </a:endParaRPr>
           </a:p>
         </p:txBody>
       </p:sp>
@@ -12355,53 +16135,6 @@
       </p:sp>
       <p:sp>
         <p:nvSpPr>
-          <p:cNvPr id="28" name="TextBox 27"/>
-          <p:cNvSpPr txBox="1"/>
-          <p:nvPr/>
-        </p:nvSpPr>
-        <p:spPr>
-          <a:xfrm>
-            <a:off x="11565700" y="90393"/>
-            <a:ext cx="569388" cy="276999"/>
-          </a:xfrm>
-          <a:prstGeom prst="rect">
-            <a:avLst/>
-          </a:prstGeom>
-          <a:noFill/>
-        </p:spPr>
-        <p:txBody>
-          <a:bodyPr wrap="none" rtlCol="0">
-            <a:spAutoFit/>
-          </a:bodyPr>
-          <a:lstStyle/>
-          <a:p>
-            <a:pPr algn="r"/>
-            <a:r>
-              <a:rPr lang="en-US" altLang="ko-KR" sz="1200" dirty="0" smtClean="0">
-                <a:solidFill>
-                  <a:schemeClr val="tx1">
-                    <a:lumMod val="50000"/>
-                    <a:lumOff val="50000"/>
-                  </a:schemeClr>
-                </a:solidFill>
-                <a:latin typeface="+mn-ea"/>
-              </a:rPr>
-              <a:t>TITLE</a:t>
-            </a:r>
-            <a:endParaRPr lang="ko-KR" altLang="en-US" sz="1200" dirty="0">
-              <a:solidFill>
-                <a:schemeClr val="tx1">
-                  <a:lumMod val="50000"/>
-                  <a:lumOff val="50000"/>
-                </a:schemeClr>
-              </a:solidFill>
-              <a:latin typeface="+mn-ea"/>
-            </a:endParaRPr>
-          </a:p>
-        </p:txBody>
-      </p:sp>
-      <p:sp>
-        <p:nvSpPr>
           <p:cNvPr id="29" name="TextBox 28"/>
           <p:cNvSpPr txBox="1"/>
           <p:nvPr/>
@@ -12424,22 +16157,14 @@
           <a:p>
             <a:pPr algn="ctr"/>
             <a:r>
-              <a:rPr lang="ko-KR" altLang="en-US" sz="2800" dirty="0" smtClean="0">
-                <a:solidFill>
-                  <a:schemeClr val="bg1"/>
-                </a:solidFill>
-              </a:rPr>
-              <a:t>인터넷 상의 정보를 </a:t>
-            </a:r>
-            <a:r>
               <a:rPr lang="ko-KR" altLang="en-US" sz="2800" dirty="0">
                 <a:solidFill>
                   <a:schemeClr val="bg1"/>
                 </a:solidFill>
               </a:rPr>
-              <a:t>좀 더 간단히 </a:t>
-            </a:r>
-            <a:endParaRPr lang="en-US" altLang="ko-KR" sz="2800" dirty="0" smtClean="0">
+              <a:t>인터넷 상의 정보를 좀 더 간단히 </a:t>
+            </a:r>
+            <a:endParaRPr lang="en-US" altLang="ko-KR" sz="2800" dirty="0">
               <a:solidFill>
                 <a:schemeClr val="bg1"/>
               </a:solidFill>
@@ -12448,7 +16173,7 @@
           <a:p>
             <a:pPr algn="ctr"/>
             <a:r>
-              <a:rPr lang="ko-KR" altLang="en-US" sz="2800" dirty="0" smtClean="0">
+              <a:rPr lang="ko-KR" altLang="en-US" sz="2800" dirty="0">
                 <a:solidFill>
                   <a:srgbClr val="FF0000"/>
                 </a:solidFill>
@@ -12456,20 +16181,12 @@
               <a:t>시각화</a:t>
             </a:r>
             <a:r>
-              <a:rPr lang="ko-KR" altLang="en-US" sz="2800" dirty="0" smtClean="0">
-                <a:solidFill>
-                  <a:schemeClr val="bg1"/>
-                </a:solidFill>
-              </a:rPr>
-              <a:t> </a:t>
-            </a:r>
-            <a:r>
               <a:rPr lang="ko-KR" altLang="en-US" sz="2800" dirty="0">
                 <a:solidFill>
                   <a:schemeClr val="bg1"/>
                 </a:solidFill>
               </a:rPr>
-              <a:t>하고 </a:t>
+              <a:t> 하고 </a:t>
             </a:r>
             <a:r>
               <a:rPr lang="ko-KR" altLang="en-US" sz="2800" dirty="0">
@@ -12627,9 +16344,88 @@
   <p:timing>
     <p:tnLst>
       <p:par>
-        <p:cTn id="1" dur="indefinite" restart="never" nodeType="tmRoot"/>
+        <p:cTn id="1" dur="indefinite" restart="never" nodeType="tmRoot">
+          <p:childTnLst>
+            <p:seq concurrent="1" nextAc="seek">
+              <p:cTn id="2" dur="indefinite" nodeType="mainSeq">
+                <p:childTnLst>
+                  <p:par>
+                    <p:cTn id="3" fill="hold">
+                      <p:stCondLst>
+                        <p:cond delay="indefinite"/>
+                      </p:stCondLst>
+                      <p:childTnLst>
+                        <p:par>
+                          <p:cTn id="4" fill="hold">
+                            <p:stCondLst>
+                              <p:cond delay="0"/>
+                            </p:stCondLst>
+                            <p:childTnLst>
+                              <p:par>
+                                <p:cTn id="5" presetID="10" presetClass="entr" presetSubtype="0" fill="hold" grpId="0" nodeType="clickEffect">
+                                  <p:stCondLst>
+                                    <p:cond delay="0"/>
+                                  </p:stCondLst>
+                                  <p:childTnLst>
+                                    <p:set>
+                                      <p:cBhvr>
+                                        <p:cTn id="6" dur="1" fill="hold">
+                                          <p:stCondLst>
+                                            <p:cond delay="0"/>
+                                          </p:stCondLst>
+                                        </p:cTn>
+                                        <p:tgtEl>
+                                          <p:spTgt spid="29"/>
+                                        </p:tgtEl>
+                                        <p:attrNameLst>
+                                          <p:attrName>style.visibility</p:attrName>
+                                        </p:attrNameLst>
+                                      </p:cBhvr>
+                                      <p:to>
+                                        <p:strVal val="visible"/>
+                                      </p:to>
+                                    </p:set>
+                                    <p:animEffect transition="in" filter="fade">
+                                      <p:cBhvr>
+                                        <p:cTn id="7" dur="500"/>
+                                        <p:tgtEl>
+                                          <p:spTgt spid="29"/>
+                                        </p:tgtEl>
+                                      </p:cBhvr>
+                                    </p:animEffect>
+                                  </p:childTnLst>
+                                </p:cTn>
+                              </p:par>
+                            </p:childTnLst>
+                          </p:cTn>
+                        </p:par>
+                      </p:childTnLst>
+                    </p:cTn>
+                  </p:par>
+                </p:childTnLst>
+              </p:cTn>
+              <p:prevCondLst>
+                <p:cond evt="onPrev" delay="0">
+                  <p:tgtEl>
+                    <p:sldTgt/>
+                  </p:tgtEl>
+                </p:cond>
+              </p:prevCondLst>
+              <p:nextCondLst>
+                <p:cond evt="onNext" delay="0">
+                  <p:tgtEl>
+                    <p:sldTgt/>
+                  </p:tgtEl>
+                </p:cond>
+              </p:nextCondLst>
+            </p:seq>
+          </p:childTnLst>
+        </p:cTn>
       </p:par>
     </p:tnLst>
+    <p:bldLst>
+      <p:bldP spid="29" grpId="0"/>
+    </p:bldLst>
   </p:timing>
 </p:sld>
 </file>
@@ -12653,58 +16449,13 @@
       </p:grpSpPr>
       <p:sp>
         <p:nvSpPr>
-          <p:cNvPr id="28" name="TextBox 27"/>
-          <p:cNvSpPr txBox="1"/>
-          <p:nvPr/>
-        </p:nvSpPr>
-        <p:spPr>
-          <a:xfrm>
-            <a:off x="11591349" y="90393"/>
-            <a:ext cx="543739" cy="276999"/>
-          </a:xfrm>
-          <a:prstGeom prst="rect">
-            <a:avLst/>
-          </a:prstGeom>
-          <a:noFill/>
-        </p:spPr>
-        <p:txBody>
-          <a:bodyPr wrap="none" rtlCol="0">
-            <a:spAutoFit/>
-          </a:bodyPr>
-          <a:lstStyle/>
-          <a:p>
-            <a:pPr algn="r"/>
-            <a:r>
-              <a:rPr lang="en-US" altLang="ko-KR" sz="1200" dirty="0" smtClean="0">
-                <a:solidFill>
-                  <a:schemeClr val="tx1">
-                    <a:lumMod val="50000"/>
-                    <a:lumOff val="50000"/>
-                  </a:schemeClr>
-                </a:solidFill>
-              </a:rPr>
-              <a:t>TITLE</a:t>
-            </a:r>
-            <a:endParaRPr lang="ko-KR" altLang="en-US" sz="1200" dirty="0">
-              <a:solidFill>
-                <a:schemeClr val="tx1">
-                  <a:lumMod val="50000"/>
-                  <a:lumOff val="50000"/>
-                </a:schemeClr>
-              </a:solidFill>
-            </a:endParaRPr>
-          </a:p>
-        </p:txBody>
-      </p:sp>
-      <p:sp>
-        <p:nvSpPr>
           <p:cNvPr id="29" name="TextBox 28"/>
           <p:cNvSpPr txBox="1"/>
           <p:nvPr/>
         </p:nvSpPr>
         <p:spPr>
           <a:xfrm>
-            <a:off x="1326059" y="4803878"/>
+            <a:off x="2057578" y="4803878"/>
             <a:ext cx="9470894" cy="523220"/>
           </a:xfrm>
           <a:prstGeom prst="rect">
@@ -12719,7 +16470,7 @@
           <a:lstStyle/>
           <a:p>
             <a:r>
-              <a:rPr lang="en-US" altLang="ko-KR" sz="2800" dirty="0" smtClean="0">
+              <a:rPr lang="en-US" altLang="ko-KR" sz="2800" dirty="0">
                 <a:solidFill>
                   <a:schemeClr val="bg1"/>
                 </a:solidFill>
@@ -12727,7 +16478,7 @@
               <a:t>[</a:t>
             </a:r>
             <a:r>
-              <a:rPr lang="ko-KR" altLang="en-US" sz="2800" dirty="0" smtClean="0">
+              <a:rPr lang="ko-KR" altLang="en-US" sz="2800" dirty="0">
                 <a:solidFill>
                   <a:srgbClr val="FF0000"/>
                 </a:solidFill>
@@ -12735,7 +16486,7 @@
               <a:t>오픈 </a:t>
             </a:r>
             <a:r>
-              <a:rPr lang="en-US" altLang="ko-KR" sz="2800" dirty="0" smtClean="0">
+              <a:rPr lang="en-US" altLang="ko-KR" sz="2800" dirty="0">
                 <a:solidFill>
                   <a:srgbClr val="FF0000"/>
                 </a:solidFill>
@@ -12743,7 +16494,7 @@
               <a:t>API</a:t>
             </a:r>
             <a:r>
-              <a:rPr lang="ko-KR" altLang="en-US" sz="2800" dirty="0" smtClean="0">
+              <a:rPr lang="ko-KR" altLang="en-US" sz="2800" dirty="0">
                 <a:solidFill>
                   <a:schemeClr val="bg1"/>
                 </a:solidFill>
@@ -12751,7 +16502,7 @@
               <a:t>를 활용한 </a:t>
             </a:r>
             <a:r>
-              <a:rPr lang="ko-KR" altLang="en-US" sz="2800" dirty="0" smtClean="0">
+              <a:rPr lang="ko-KR" altLang="en-US" sz="2800" dirty="0">
                 <a:solidFill>
                   <a:srgbClr val="FF0000"/>
                 </a:solidFill>
@@ -12759,7 +16510,7 @@
               <a:t>데이터</a:t>
             </a:r>
             <a:r>
-              <a:rPr lang="ko-KR" altLang="en-US" sz="2800" dirty="0" smtClean="0">
+              <a:rPr lang="ko-KR" altLang="en-US" sz="2800" dirty="0">
                 <a:solidFill>
                   <a:schemeClr val="bg1"/>
                 </a:solidFill>
@@ -12767,7 +16518,7 @@
               <a:t> 분석 및 시각화 </a:t>
             </a:r>
             <a:r>
-              <a:rPr lang="en-US" altLang="ko-KR" sz="2800" dirty="0" smtClean="0">
+              <a:rPr lang="en-US" altLang="ko-KR" sz="2800" dirty="0">
                 <a:solidFill>
                   <a:schemeClr val="bg1"/>
                 </a:solidFill>
@@ -12775,7 +16526,7 @@
               <a:t>B</a:t>
             </a:r>
             <a:r>
-              <a:rPr lang="ko-KR" altLang="en-US" sz="2800" dirty="0" smtClean="0">
+              <a:rPr lang="ko-KR" altLang="en-US" sz="2800" dirty="0">
                 <a:solidFill>
                   <a:schemeClr val="bg1"/>
                 </a:solidFill>
@@ -12783,7 +16534,7 @@
               <a:t>반</a:t>
             </a:r>
             <a:r>
-              <a:rPr lang="en-US" altLang="ko-KR" sz="2800" dirty="0" smtClean="0">
+              <a:rPr lang="en-US" altLang="ko-KR" sz="2800" dirty="0">
                 <a:solidFill>
                   <a:schemeClr val="bg1"/>
                 </a:solidFill>
@@ -12827,8 +16578,8 @@
         </p:blipFill>
         <p:spPr>
           <a:xfrm>
-            <a:off x="2095949" y="1333912"/>
-            <a:ext cx="3032510" cy="3032510"/>
+            <a:off x="2236626" y="1333912"/>
+            <a:ext cx="2689448" cy="2689448"/>
           </a:xfrm>
           <a:prstGeom prst="rect">
             <a:avLst/>
@@ -12864,8 +16615,8 @@
         </p:blipFill>
         <p:spPr>
           <a:xfrm>
-            <a:off x="6750397" y="1445614"/>
-            <a:ext cx="2920808" cy="2920808"/>
+            <a:off x="7102090" y="1445614"/>
+            <a:ext cx="2577746" cy="2577746"/>
           </a:xfrm>
           <a:prstGeom prst="rect">
             <a:avLst/>
@@ -12880,7 +16631,7 @@
         </p:nvSpPr>
         <p:spPr>
           <a:xfrm>
-            <a:off x="1433637" y="5652852"/>
+            <a:off x="2165156" y="5652852"/>
             <a:ext cx="9470894" cy="400110"/>
           </a:xfrm>
           <a:prstGeom prst="rect">
@@ -12895,7 +16646,7 @@
           <a:lstStyle/>
           <a:p>
             <a:r>
-              <a:rPr lang="ko-KR" altLang="en-US" sz="2000" dirty="0" smtClean="0">
+              <a:rPr lang="ko-KR" altLang="en-US" sz="2000" dirty="0">
                 <a:solidFill>
                   <a:schemeClr val="bg1"/>
                 </a:solidFill>
@@ -12903,18 +16654,13 @@
               <a:t>과정에서 배운 내용을 복습하고 정리하는 최종 프로젝트로 </a:t>
             </a:r>
             <a:r>
-              <a:rPr lang="ko-KR" altLang="en-US" sz="2000" dirty="0" smtClean="0">
+              <a:rPr lang="ko-KR" altLang="en-US" sz="2000" dirty="0">
                 <a:solidFill>
                   <a:srgbClr val="FF0000"/>
                 </a:solidFill>
               </a:rPr>
               <a:t>적합</a:t>
             </a:r>
-            <a:endParaRPr lang="ko-KR" altLang="en-US" sz="2000" dirty="0">
-              <a:solidFill>
-                <a:srgbClr val="FF0000"/>
-              </a:solidFill>
-            </a:endParaRPr>
           </a:p>
         </p:txBody>
       </p:sp>
@@ -13019,9 +16765,142 @@
   <p:timing>
     <p:tnLst>
       <p:par>
-        <p:cTn id="1" dur="indefinite" restart="never" nodeType="tmRoot"/>
+        <p:cTn id="1" dur="indefinite" restart="never" nodeType="tmRoot">
+          <p:childTnLst>
+            <p:seq concurrent="1" nextAc="seek">
+              <p:cTn id="2" dur="indefinite" nodeType="mainSeq">
+                <p:childTnLst>
+                  <p:par>
+                    <p:cTn id="3" fill="hold">
+                      <p:stCondLst>
+                        <p:cond delay="indefinite"/>
+                      </p:stCondLst>
+                      <p:childTnLst>
+                        <p:par>
+                          <p:cTn id="4" fill="hold">
+                            <p:stCondLst>
+                              <p:cond delay="0"/>
+                            </p:stCondLst>
+                            <p:childTnLst>
+                              <p:par>
+                                <p:cTn id="5" presetID="10" presetClass="entr" presetSubtype="0" fill="hold" grpId="0" nodeType="clickEffect">
+                                  <p:stCondLst>
+                                    <p:cond delay="0"/>
+                                  </p:stCondLst>
+                                  <p:childTnLst>
+                                    <p:set>
+                                      <p:cBhvr>
+                                        <p:cTn id="6" dur="1" fill="hold">
+                                          <p:stCondLst>
+                                            <p:cond delay="0"/>
+                                          </p:stCondLst>
+                                        </p:cTn>
+                                        <p:tgtEl>
+                                          <p:spTgt spid="29"/>
+                                        </p:tgtEl>
+                                        <p:attrNameLst>
+                                          <p:attrName>style.visibility</p:attrName>
+                                        </p:attrNameLst>
+                                      </p:cBhvr>
+                                      <p:to>
+                                        <p:strVal val="visible"/>
+                                      </p:to>
+                                    </p:set>
+                                    <p:animEffect transition="in" filter="fade">
+                                      <p:cBhvr>
+                                        <p:cTn id="7" dur="500"/>
+                                        <p:tgtEl>
+                                          <p:spTgt spid="29"/>
+                                        </p:tgtEl>
+                                      </p:cBhvr>
+                                    </p:animEffect>
+                                  </p:childTnLst>
+                                </p:cTn>
+                              </p:par>
+                            </p:childTnLst>
+                          </p:cTn>
+                        </p:par>
+                      </p:childTnLst>
+                    </p:cTn>
+                  </p:par>
+                  <p:par>
+                    <p:cTn id="8" fill="hold">
+                      <p:stCondLst>
+                        <p:cond delay="indefinite"/>
+                      </p:stCondLst>
+                      <p:childTnLst>
+                        <p:par>
+                          <p:cTn id="9" fill="hold">
+                            <p:stCondLst>
+                              <p:cond delay="0"/>
+                            </p:stCondLst>
+                            <p:childTnLst>
+                              <p:par>
+                                <p:cTn id="10" presetID="10" presetClass="entr" presetSubtype="0" fill="hold" grpId="0" nodeType="clickEffect">
+                                  <p:stCondLst>
+                                    <p:cond delay="0"/>
+                                  </p:stCondLst>
+                                  <p:childTnLst>
+                                    <p:set>
+                                      <p:cBhvr>
+                                        <p:cTn id="11" dur="1" fill="hold">
+                                          <p:stCondLst>
+                                            <p:cond delay="0"/>
+                                          </p:stCondLst>
+                                        </p:cTn>
+                                        <p:tgtEl>
+                                          <p:spTgt spid="10"/>
+                                        </p:tgtEl>
+                                        <p:attrNameLst>
+                                          <p:attrName>style.visibility</p:attrName>
+                                        </p:attrNameLst>
+                                      </p:cBhvr>
+                                      <p:to>
+                                        <p:strVal val="visible"/>
+                                      </p:to>
+                                    </p:set>
+                                    <p:animEffect transition="in" filter="fade">
+                                      <p:cBhvr>
+                                        <p:cTn id="12" dur="500"/>
+                                        <p:tgtEl>
+                                          <p:spTgt spid="10"/>
+                                        </p:tgtEl>
+                                      </p:cBhvr>
+                                    </p:animEffect>
+                                  </p:childTnLst>
+                                </p:cTn>
+                              </p:par>
+                            </p:childTnLst>
+                          </p:cTn>
+                        </p:par>
+                      </p:childTnLst>
+                    </p:cTn>
+                  </p:par>
+                </p:childTnLst>
+              </p:cTn>
+              <p:prevCondLst>
+                <p:cond evt="onPrev" delay="0">
+                  <p:tgtEl>
+                    <p:sldTgt/>
+                  </p:tgtEl>
+                </p:cond>
+              </p:prevCondLst>
+              <p:nextCondLst>
+                <p:cond evt="onNext" delay="0">
+                  <p:tgtEl>
+                    <p:sldTgt/>
+                  </p:tgtEl>
+                </p:cond>
+              </p:nextCondLst>
+            </p:seq>
+          </p:childTnLst>
+        </p:cTn>
       </p:par>
     </p:tnLst>
+    <p:bldLst>
+      <p:bldP spid="29" grpId="0"/>
+      <p:bldP spid="10" grpId="0"/>
+    </p:bldLst>
   </p:timing>
 </p:sld>
 </file>
@@ -13124,14 +17003,14 @@
               <a:t>2. </a:t>
             </a:r>
             <a:r>
-              <a:rPr lang="ko-KR" altLang="en-US" sz="3600" dirty="0" smtClean="0">
+              <a:rPr lang="ko-KR" altLang="en-US" sz="3600" dirty="0">
                 <a:solidFill>
                   <a:schemeClr val="bg1"/>
                 </a:solidFill>
               </a:rPr>
               <a:t>시장성</a:t>
             </a:r>
-            <a:endParaRPr lang="en-US" altLang="ko-KR" sz="3600" dirty="0" smtClean="0">
+            <a:endParaRPr lang="en-US" altLang="ko-KR" sz="3600" dirty="0">
               <a:solidFill>
                 <a:schemeClr val="bg1"/>
               </a:solidFill>
@@ -13182,7 +17061,7 @@
           <a:p>
             <a:pPr algn="ctr"/>
             <a:r>
-              <a:rPr lang="en-US" altLang="ko-KR" sz="2000" dirty="0" smtClean="0">
+              <a:rPr lang="en-US" altLang="ko-KR" sz="2000" dirty="0">
                 <a:solidFill>
                   <a:schemeClr val="bg1"/>
                 </a:solidFill>
@@ -13190,28 +17069,12 @@
               <a:t>- </a:t>
             </a:r>
             <a:r>
-              <a:rPr lang="ko-KR" altLang="en-US" sz="2000" dirty="0" smtClean="0">
-                <a:solidFill>
-                  <a:schemeClr val="bg1"/>
-                </a:solidFill>
-              </a:rPr>
-              <a:t>기대 </a:t>
-            </a:r>
-            <a:r>
               <a:rPr lang="ko-KR" altLang="en-US" sz="2000" dirty="0">
                 <a:solidFill>
                   <a:schemeClr val="bg1"/>
                 </a:solidFill>
               </a:rPr>
-              <a:t>효과 </a:t>
-            </a:r>
-            <a:r>
-              <a:rPr lang="ko-KR" altLang="en-US" sz="2000" dirty="0" smtClean="0">
-                <a:solidFill>
-                  <a:schemeClr val="bg1"/>
-                </a:solidFill>
-              </a:rPr>
-              <a:t>및 차별성</a:t>
+              <a:t>기대 효과 및 차별성</a:t>
             </a:r>
             <a:r>
               <a:rPr lang="en-US" altLang="ko-KR" sz="2000" dirty="0">
@@ -13219,15 +17082,7 @@
                   <a:schemeClr val="bg1"/>
                 </a:solidFill>
               </a:rPr>
-              <a:t> </a:t>
-            </a:r>
-            <a:r>
-              <a:rPr lang="en-US" altLang="ko-KR" sz="2000" dirty="0" smtClean="0">
-                <a:solidFill>
-                  <a:schemeClr val="bg1"/>
-                </a:solidFill>
-              </a:rPr>
-              <a:t>-</a:t>
+              <a:t> -</a:t>
             </a:r>
           </a:p>
         </p:txBody>
@@ -13293,14 +17148,14 @@
       </p:grpSpPr>
       <p:sp>
         <p:nvSpPr>
-          <p:cNvPr id="28" name="TextBox 27"/>
+          <p:cNvPr id="8" name="TextBox 7"/>
           <p:cNvSpPr txBox="1"/>
           <p:nvPr/>
         </p:nvSpPr>
         <p:spPr>
           <a:xfrm>
-            <a:off x="11591349" y="90393"/>
-            <a:ext cx="543739" cy="276999"/>
+            <a:off x="1550740" y="380546"/>
+            <a:ext cx="4851008" cy="400110"/>
           </a:xfrm>
           <a:prstGeom prst="rect">
             <a:avLst/>
@@ -13313,39 +17168,172 @@
           </a:bodyPr>
           <a:lstStyle/>
           <a:p>
-            <a:pPr algn="r"/>
-            <a:r>
-              <a:rPr lang="en-US" altLang="ko-KR" sz="1200" dirty="0" smtClean="0">
-                <a:solidFill>
-                  <a:schemeClr val="tx1">
-                    <a:lumMod val="50000"/>
-                    <a:lumOff val="50000"/>
-                  </a:schemeClr>
-                </a:solidFill>
-              </a:rPr>
-              <a:t>TITLE</a:t>
-            </a:r>
-            <a:endParaRPr lang="ko-KR" altLang="en-US" sz="1200" dirty="0">
+            <a:r>
+              <a:rPr lang="en-US" altLang="ko-KR" sz="2000" dirty="0">
+                <a:solidFill>
+                  <a:schemeClr val="bg1"/>
+                </a:solidFill>
+              </a:rPr>
+              <a:t>2. </a:t>
+            </a:r>
+            <a:r>
+              <a:rPr lang="ko-KR" altLang="en-US" sz="2000" dirty="0">
+                <a:solidFill>
+                  <a:schemeClr val="bg1"/>
+                </a:solidFill>
+              </a:rPr>
+              <a:t>시장성 </a:t>
+            </a:r>
+            <a:r>
+              <a:rPr lang="en-US" altLang="ko-KR" sz="2000" dirty="0">
+                <a:solidFill>
+                  <a:schemeClr val="bg1"/>
+                </a:solidFill>
+              </a:rPr>
+              <a:t>– </a:t>
+            </a:r>
+            <a:r>
+              <a:rPr lang="ko-KR" altLang="en-US" sz="2000" dirty="0">
+                <a:solidFill>
+                  <a:schemeClr val="bg1"/>
+                </a:solidFill>
+              </a:rPr>
+              <a:t>기존 서비스와의 차별점은</a:t>
+            </a:r>
+            <a:r>
+              <a:rPr lang="en-US" altLang="ko-KR" sz="2000" dirty="0">
+                <a:solidFill>
+                  <a:schemeClr val="bg1"/>
+                </a:solidFill>
+              </a:rPr>
+              <a:t>?  </a:t>
+            </a:r>
+            <a:endParaRPr lang="ko-KR" altLang="en-US" sz="2000" dirty="0">
               <a:solidFill>
-                <a:schemeClr val="tx1">
-                  <a:lumMod val="50000"/>
-                  <a:lumOff val="50000"/>
-                </a:schemeClr>
+                <a:schemeClr val="bg1"/>
               </a:solidFill>
+            </a:endParaRPr>
+          </a:p>
+        </p:txBody>
+      </p:sp>
+      <p:pic>
+        <p:nvPicPr>
+          <p:cNvPr id="2" name="그림 1">
+            <a:extLst>
+              <a:ext uri="{FF2B5EF4-FFF2-40B4-BE49-F238E27FC236}">
+                <a16:creationId xmlns:a16="http://schemas.microsoft.com/office/drawing/2014/main" id="{2A198D0A-B50E-48AE-805D-A26589E817BC}"/>
+              </a:ext>
+            </a:extLst>
+          </p:cNvPr>
+          <p:cNvPicPr>
+            <a:picLocks noChangeAspect="1"/>
+          </p:cNvPicPr>
+          <p:nvPr/>
+        </p:nvPicPr>
+        <p:blipFill>
+          <a:blip r:embed="rId2"/>
+          <a:stretch>
+            <a:fillRect/>
+          </a:stretch>
+        </p:blipFill>
+        <p:spPr>
+          <a:xfrm>
+            <a:off x="387977" y="1751866"/>
+            <a:ext cx="9197456" cy="4717705"/>
+          </a:xfrm>
+          <a:prstGeom prst="rect">
+            <a:avLst/>
+          </a:prstGeom>
+        </p:spPr>
+      </p:pic>
+      <p:sp>
+        <p:nvSpPr>
+          <p:cNvPr id="6" name="TextBox 5">
+            <a:extLst>
+              <a:ext uri="{FF2B5EF4-FFF2-40B4-BE49-F238E27FC236}">
+                <a16:creationId xmlns:a16="http://schemas.microsoft.com/office/drawing/2014/main" id="{F0B49476-F923-49B7-96F2-1F16D996D7D2}"/>
+              </a:ext>
+            </a:extLst>
+          </p:cNvPr>
+          <p:cNvSpPr txBox="1"/>
+          <p:nvPr/>
+        </p:nvSpPr>
+        <p:spPr>
+          <a:xfrm>
+            <a:off x="9784849" y="2256363"/>
+            <a:ext cx="2350239" cy="1200329"/>
+          </a:xfrm>
+          <a:prstGeom prst="rect">
+            <a:avLst/>
+          </a:prstGeom>
+          <a:noFill/>
+        </p:spPr>
+        <p:txBody>
+          <a:bodyPr wrap="square" rtlCol="0">
+            <a:spAutoFit/>
+          </a:bodyPr>
+          <a:lstStyle/>
+          <a:p>
+            <a:pPr marL="285750" indent="-285750">
+              <a:buFontTx/>
+              <a:buChar char="-"/>
+            </a:pPr>
+            <a:r>
+              <a:rPr lang="ko-KR" altLang="en-US" dirty="0">
+                <a:solidFill>
+                  <a:schemeClr val="bg1"/>
+                </a:solidFill>
+                <a:latin typeface="+mj-ea"/>
+                <a:ea typeface="+mj-ea"/>
+              </a:rPr>
+              <a:t>기본적으로 마인드맵을 </a:t>
+            </a:r>
+            <a:r>
+              <a:rPr lang="ko-KR" altLang="en-US" dirty="0">
+                <a:solidFill>
+                  <a:srgbClr val="FF0000"/>
+                </a:solidFill>
+                <a:latin typeface="+mj-ea"/>
+                <a:ea typeface="+mj-ea"/>
+              </a:rPr>
+              <a:t>만드는 것을 도와주는 </a:t>
+            </a:r>
+            <a:r>
+              <a:rPr lang="ko-KR" altLang="en-US" dirty="0">
+                <a:solidFill>
+                  <a:schemeClr val="bg1"/>
+                </a:solidFill>
+                <a:latin typeface="+mj-ea"/>
+                <a:ea typeface="+mj-ea"/>
+              </a:rPr>
+              <a:t>사이트</a:t>
+            </a:r>
+            <a:endParaRPr lang="en-US" altLang="ko-KR" dirty="0">
+              <a:solidFill>
+                <a:schemeClr val="bg1"/>
+              </a:solidFill>
+              <a:latin typeface="+mj-ea"/>
+              <a:ea typeface="+mj-ea"/>
             </a:endParaRPr>
           </a:p>
         </p:txBody>
       </p:sp>
       <p:sp>
         <p:nvSpPr>
-          <p:cNvPr id="29" name="TextBox 28"/>
+          <p:cNvPr id="9" name="TextBox 8">
+            <a:extLst>
+              <a:ext uri="{FF2B5EF4-FFF2-40B4-BE49-F238E27FC236}">
+                <a16:creationId xmlns:a16="http://schemas.microsoft.com/office/drawing/2014/main" id="{7F891F0A-F932-411E-B262-A427E9B81EDB}"/>
+              </a:ext>
+            </a:extLst>
+          </p:cNvPr>
           <p:cNvSpPr txBox="1"/>
           <p:nvPr/>
         </p:nvSpPr>
         <p:spPr>
           <a:xfrm>
-            <a:off x="1739598" y="5127119"/>
-            <a:ext cx="4887877" cy="338554"/>
+            <a:off x="387977" y="1066206"/>
+            <a:ext cx="5080237" cy="400110"/>
           </a:xfrm>
           <a:prstGeom prst="rect">
             <a:avLst/>
@@ -13359,66 +17347,82 @@
           <a:lstStyle/>
           <a:p>
             <a:r>
-              <a:rPr lang="ko-KR" altLang="en-US" sz="1600" dirty="0">
-                <a:solidFill>
-                  <a:schemeClr val="bg1"/>
-                </a:solidFill>
-                <a:latin typeface="+mj-ea"/>
-                <a:ea typeface="+mj-ea"/>
-              </a:rPr>
-              <a:t>정보를 좀 더 간단히 </a:t>
-            </a:r>
-            <a:r>
-              <a:rPr lang="ko-KR" altLang="en-US" sz="1600" dirty="0">
-                <a:solidFill>
-                  <a:srgbClr val="FF0000"/>
-                </a:solidFill>
-                <a:latin typeface="+mj-ea"/>
-                <a:ea typeface="+mj-ea"/>
-              </a:rPr>
-              <a:t>시각화</a:t>
-            </a:r>
-            <a:r>
-              <a:rPr lang="ko-KR" altLang="en-US" sz="1600" dirty="0">
-                <a:solidFill>
-                  <a:schemeClr val="bg1"/>
-                </a:solidFill>
-                <a:latin typeface="+mj-ea"/>
-                <a:ea typeface="+mj-ea"/>
-              </a:rPr>
-              <a:t> 하고 </a:t>
-            </a:r>
-            <a:r>
-              <a:rPr lang="ko-KR" altLang="en-US" sz="1600" dirty="0">
-                <a:solidFill>
-                  <a:srgbClr val="FF0000"/>
-                </a:solidFill>
-                <a:latin typeface="+mj-ea"/>
-                <a:ea typeface="+mj-ea"/>
-              </a:rPr>
-              <a:t>정리</a:t>
-            </a:r>
-            <a:r>
-              <a:rPr lang="ko-KR" altLang="en-US" sz="1600" dirty="0">
-                <a:solidFill>
-                  <a:schemeClr val="bg1"/>
-                </a:solidFill>
-                <a:latin typeface="+mj-ea"/>
-                <a:ea typeface="+mj-ea"/>
-              </a:rPr>
-              <a:t>하면 어떨까</a:t>
-            </a:r>
-            <a:r>
-              <a:rPr lang="en-US" altLang="ko-KR" sz="1600" dirty="0">
-                <a:solidFill>
-                  <a:schemeClr val="bg1"/>
-                </a:solidFill>
-                <a:latin typeface="+mj-ea"/>
-                <a:ea typeface="+mj-ea"/>
-              </a:rPr>
-              <a:t>?</a:t>
-            </a:r>
-            <a:endParaRPr lang="ko-KR" altLang="en-US" sz="1600" dirty="0">
+              <a:rPr lang="en-US" altLang="ko-KR" sz="2000" dirty="0">
+                <a:solidFill>
+                  <a:schemeClr val="bg1"/>
+                </a:solidFill>
+              </a:rPr>
+              <a:t>1. </a:t>
+            </a:r>
+            <a:r>
+              <a:rPr lang="ko-KR" altLang="en-US" sz="2000" dirty="0">
+                <a:solidFill>
+                  <a:schemeClr val="bg1"/>
+                </a:solidFill>
+              </a:rPr>
+              <a:t>마인드맵 제작 사이트 </a:t>
+            </a:r>
+            <a:r>
+              <a:rPr lang="en-US" altLang="ko-KR" sz="2000" dirty="0">
+                <a:solidFill>
+                  <a:schemeClr val="bg1"/>
+                </a:solidFill>
+              </a:rPr>
+              <a:t>: </a:t>
+            </a:r>
+            <a:r>
+              <a:rPr lang="ko-KR" altLang="en-US" sz="2000" dirty="0">
+                <a:solidFill>
+                  <a:schemeClr val="bg1"/>
+                </a:solidFill>
+              </a:rPr>
+              <a:t>마인드 </a:t>
+            </a:r>
+            <a:r>
+              <a:rPr lang="ko-KR" altLang="en-US" sz="2000" dirty="0" err="1">
+                <a:solidFill>
+                  <a:schemeClr val="bg1"/>
+                </a:solidFill>
+              </a:rPr>
+              <a:t>마이스터</a:t>
+            </a:r>
+            <a:endParaRPr lang="ko-KR" altLang="en-US" sz="2000" dirty="0">
+              <a:solidFill>
+                <a:schemeClr val="bg1"/>
+              </a:solidFill>
+            </a:endParaRPr>
+          </a:p>
+        </p:txBody>
+      </p:sp>
+      <p:sp>
+        <p:nvSpPr>
+          <p:cNvPr id="10" name="TextBox 9">
+            <a:extLst>
+              <a:ext uri="{FF2B5EF4-FFF2-40B4-BE49-F238E27FC236}">
+                <a16:creationId xmlns:a16="http://schemas.microsoft.com/office/drawing/2014/main" id="{76506457-61EC-4574-AFE7-A7A9D63C8CD8}"/>
+              </a:ext>
+            </a:extLst>
+          </p:cNvPr>
+          <p:cNvSpPr txBox="1"/>
+          <p:nvPr/>
+        </p:nvSpPr>
+        <p:spPr>
+          <a:xfrm>
+            <a:off x="9784848" y="3910991"/>
+            <a:ext cx="2350239" cy="1477328"/>
+          </a:xfrm>
+          <a:prstGeom prst="rect">
+            <a:avLst/>
+          </a:prstGeom>
+          <a:noFill/>
+        </p:spPr>
+        <p:txBody>
+          <a:bodyPr wrap="square" rtlCol="0">
+            <a:spAutoFit/>
+          </a:bodyPr>
+          <a:lstStyle/>
+          <a:p>
+            <a:endParaRPr lang="en-US" altLang="ko-KR" dirty="0">
               <a:solidFill>
                 <a:schemeClr val="bg1"/>
               </a:solidFill>
@@ -13426,164 +17430,61 @@
               <a:ea typeface="+mj-ea"/>
             </a:endParaRPr>
           </a:p>
-        </p:txBody>
-      </p:sp>
-      <p:pic>
-        <p:nvPicPr>
-          <p:cNvPr id="5" name="그림 4"/>
-          <p:cNvPicPr>
-            <a:picLocks noChangeAspect="1"/>
-          </p:cNvPicPr>
-          <p:nvPr/>
-        </p:nvPicPr>
-        <p:blipFill>
-          <a:blip r:embed="rId2">
-            <a:duotone>
-              <a:schemeClr val="accent4">
-                <a:shade val="45000"/>
-                <a:satMod val="135000"/>
-              </a:schemeClr>
-              <a:prstClr val="white"/>
-            </a:duotone>
-            <a:extLst>
-              <a:ext uri="{28A0092B-C50C-407E-A947-70E740481C1C}">
-                <a14:useLocalDpi xmlns:a14="http://schemas.microsoft.com/office/drawing/2010/main" val="0"/>
-              </a:ext>
-            </a:extLst>
-          </a:blip>
-          <a:stretch>
-            <a:fillRect/>
-          </a:stretch>
-        </p:blipFill>
-        <p:spPr>
-          <a:xfrm>
-            <a:off x="8348004" y="1144797"/>
-            <a:ext cx="2958795" cy="2958795"/>
-          </a:xfrm>
-          <a:prstGeom prst="rect">
-            <a:avLst/>
-          </a:prstGeom>
-        </p:spPr>
-      </p:pic>
-      <p:pic>
-        <p:nvPicPr>
-          <p:cNvPr id="6" name="그림 5"/>
-          <p:cNvPicPr>
-            <a:picLocks noChangeAspect="1"/>
-          </p:cNvPicPr>
-          <p:nvPr/>
-        </p:nvPicPr>
-        <p:blipFill>
-          <a:blip r:embed="rId3">
-            <a:duotone>
-              <a:schemeClr val="accent4">
-                <a:shade val="45000"/>
-                <a:satMod val="135000"/>
-              </a:schemeClr>
-              <a:prstClr val="white"/>
-            </a:duotone>
-            <a:extLst>
-              <a:ext uri="{28A0092B-C50C-407E-A947-70E740481C1C}">
-                <a14:useLocalDpi xmlns:a14="http://schemas.microsoft.com/office/drawing/2010/main" val="0"/>
-              </a:ext>
-            </a:extLst>
-          </a:blip>
-          <a:stretch>
-            <a:fillRect/>
-          </a:stretch>
-        </p:blipFill>
-        <p:spPr>
-          <a:xfrm>
-            <a:off x="5050949" y="1553180"/>
-            <a:ext cx="2345226" cy="2345226"/>
-          </a:xfrm>
-          <a:prstGeom prst="rect">
-            <a:avLst/>
-          </a:prstGeom>
-        </p:spPr>
-      </p:pic>
-      <p:pic>
-        <p:nvPicPr>
-          <p:cNvPr id="7" name="그림 6"/>
-          <p:cNvPicPr>
-            <a:picLocks noChangeAspect="1"/>
-          </p:cNvPicPr>
-          <p:nvPr/>
-        </p:nvPicPr>
-        <p:blipFill>
-          <a:blip r:embed="rId4">
-            <a:duotone>
-              <a:schemeClr val="accent4">
-                <a:shade val="45000"/>
-                <a:satMod val="135000"/>
-              </a:schemeClr>
-              <a:prstClr val="white"/>
-            </a:duotone>
-            <a:extLst>
-              <a:ext uri="{28A0092B-C50C-407E-A947-70E740481C1C}">
-                <a14:useLocalDpi xmlns:a14="http://schemas.microsoft.com/office/drawing/2010/main" val="0"/>
-              </a:ext>
-            </a:extLst>
-          </a:blip>
-          <a:stretch>
-            <a:fillRect/>
-          </a:stretch>
-        </p:blipFill>
-        <p:spPr>
-          <a:xfrm>
-            <a:off x="1232274" y="1602637"/>
-            <a:ext cx="2185256" cy="2185256"/>
-          </a:xfrm>
-          <a:prstGeom prst="rect">
-            <a:avLst/>
-          </a:prstGeom>
-        </p:spPr>
-      </p:pic>
-      <p:sp>
-        <p:nvSpPr>
-          <p:cNvPr id="8" name="TextBox 7"/>
-          <p:cNvSpPr txBox="1"/>
-          <p:nvPr/>
-        </p:nvSpPr>
-        <p:spPr>
-          <a:xfrm>
-            <a:off x="1550740" y="380546"/>
-            <a:ext cx="1241045" cy="400110"/>
-          </a:xfrm>
-          <a:prstGeom prst="rect">
-            <a:avLst/>
-          </a:prstGeom>
-          <a:noFill/>
-        </p:spPr>
-        <p:txBody>
-          <a:bodyPr wrap="none" rtlCol="0">
-            <a:spAutoFit/>
-          </a:bodyPr>
-          <a:lstStyle/>
           <a:p>
-            <a:r>
-              <a:rPr lang="en-US" altLang="ko-KR" sz="2000" dirty="0">
-                <a:solidFill>
-                  <a:schemeClr val="bg1"/>
-                </a:solidFill>
-              </a:rPr>
-              <a:t>2. </a:t>
-            </a:r>
-            <a:r>
-              <a:rPr lang="ko-KR" altLang="en-US" sz="2000" dirty="0">
-                <a:solidFill>
-                  <a:schemeClr val="bg1"/>
-                </a:solidFill>
-              </a:rPr>
-              <a:t>시장성</a:t>
-            </a:r>
+            <a:pPr marL="285750" indent="-285750">
+              <a:buFontTx/>
+              <a:buChar char="-"/>
+            </a:pPr>
+            <a:r>
+              <a:rPr lang="ko-KR" altLang="en-US" dirty="0">
+                <a:solidFill>
+                  <a:schemeClr val="bg1"/>
+                </a:solidFill>
+                <a:latin typeface="+mj-ea"/>
+              </a:rPr>
+              <a:t>실제 해당 키워드가 무엇과 </a:t>
+            </a:r>
+            <a:r>
+              <a:rPr lang="ko-KR" altLang="en-US" dirty="0">
+                <a:solidFill>
+                  <a:srgbClr val="FF0000"/>
+                </a:solidFill>
+                <a:latin typeface="+mj-ea"/>
+              </a:rPr>
+              <a:t>관련</a:t>
+            </a:r>
+            <a:r>
+              <a:rPr lang="ko-KR" altLang="en-US" dirty="0">
+                <a:solidFill>
+                  <a:schemeClr val="bg1"/>
+                </a:solidFill>
+                <a:latin typeface="+mj-ea"/>
+              </a:rPr>
+              <a:t>이 있는지를 </a:t>
+            </a:r>
+            <a:r>
+              <a:rPr lang="ko-KR" altLang="en-US" dirty="0">
+                <a:solidFill>
+                  <a:srgbClr val="FF0000"/>
+                </a:solidFill>
+                <a:latin typeface="+mj-ea"/>
+              </a:rPr>
+              <a:t>보여주지는 않는다</a:t>
+            </a:r>
+            <a:endParaRPr lang="ko-KR" altLang="en-US" dirty="0">
+              <a:solidFill>
+                <a:srgbClr val="FF0000"/>
+              </a:solidFill>
+              <a:latin typeface="+mj-ea"/>
+              <a:ea typeface="+mj-ea"/>
+            </a:endParaRPr>
           </a:p>
         </p:txBody>
       </p:sp>
     </p:spTree>
     <p:extLst>
       <p:ext uri="{BB962C8B-B14F-4D97-AF65-F5344CB8AC3E}">
-        <p14:creationId xmlns:p14="http://schemas.microsoft.com/office/powerpoint/2010/main" val="2681597019"/>
+        <p14:creationId xmlns:p14="http://schemas.microsoft.com/office/powerpoint/2010/main" val="923611807"/>
       </p:ext>
     </p:extLst>
   </p:cSld>
@@ -13593,9 +17494,142 @@
   <p:timing>
     <p:tnLst>
       <p:par>
-        <p:cTn id="1" dur="indefinite" restart="never" nodeType="tmRoot"/>
+        <p:cTn id="1" dur="indefinite" restart="never" nodeType="tmRoot">
+          <p:childTnLst>
+            <p:seq concurrent="1" nextAc="seek">
+              <p:cTn id="2" dur="indefinite" nodeType="mainSeq">
+                <p:childTnLst>
+                  <p:par>
+                    <p:cTn id="3" fill="hold">
+                      <p:stCondLst>
+                        <p:cond delay="indefinite"/>
+                      </p:stCondLst>
+                      <p:childTnLst>
+                        <p:par>
+                          <p:cTn id="4" fill="hold">
+                            <p:stCondLst>
+                              <p:cond delay="0"/>
+                            </p:stCondLst>
+                            <p:childTnLst>
+                              <p:par>
+                                <p:cTn id="5" presetID="10" presetClass="entr" presetSubtype="0" fill="hold" grpId="0" nodeType="clickEffect">
+                                  <p:stCondLst>
+                                    <p:cond delay="0"/>
+                                  </p:stCondLst>
+                                  <p:childTnLst>
+                                    <p:set>
+                                      <p:cBhvr>
+                                        <p:cTn id="6" dur="1" fill="hold">
+                                          <p:stCondLst>
+                                            <p:cond delay="0"/>
+                                          </p:stCondLst>
+                                        </p:cTn>
+                                        <p:tgtEl>
+                                          <p:spTgt spid="6"/>
+                                        </p:tgtEl>
+                                        <p:attrNameLst>
+                                          <p:attrName>style.visibility</p:attrName>
+                                        </p:attrNameLst>
+                                      </p:cBhvr>
+                                      <p:to>
+                                        <p:strVal val="visible"/>
+                                      </p:to>
+                                    </p:set>
+                                    <p:animEffect transition="in" filter="fade">
+                                      <p:cBhvr>
+                                        <p:cTn id="7" dur="500"/>
+                                        <p:tgtEl>
+                                          <p:spTgt spid="6"/>
+                                        </p:tgtEl>
+                                      </p:cBhvr>
+                                    </p:animEffect>
+                                  </p:childTnLst>
+                                </p:cTn>
+                              </p:par>
+                            </p:childTnLst>
+                          </p:cTn>
+                        </p:par>
+                      </p:childTnLst>
+                    </p:cTn>
+                  </p:par>
+                  <p:par>
+                    <p:cTn id="8" fill="hold">
+                      <p:stCondLst>
+                        <p:cond delay="indefinite"/>
+                      </p:stCondLst>
+                      <p:childTnLst>
+                        <p:par>
+                          <p:cTn id="9" fill="hold">
+                            <p:stCondLst>
+                              <p:cond delay="0"/>
+                            </p:stCondLst>
+                            <p:childTnLst>
+                              <p:par>
+                                <p:cTn id="10" presetID="10" presetClass="entr" presetSubtype="0" fill="hold" grpId="0" nodeType="clickEffect">
+                                  <p:stCondLst>
+                                    <p:cond delay="0"/>
+                                  </p:stCondLst>
+                                  <p:childTnLst>
+                                    <p:set>
+                                      <p:cBhvr>
+                                        <p:cTn id="11" dur="1" fill="hold">
+                                          <p:stCondLst>
+                                            <p:cond delay="0"/>
+                                          </p:stCondLst>
+                                        </p:cTn>
+                                        <p:tgtEl>
+                                          <p:spTgt spid="10"/>
+                                        </p:tgtEl>
+                                        <p:attrNameLst>
+                                          <p:attrName>style.visibility</p:attrName>
+                                        </p:attrNameLst>
+                                      </p:cBhvr>
+                                      <p:to>
+                                        <p:strVal val="visible"/>
+                                      </p:to>
+                                    </p:set>
+                                    <p:animEffect transition="in" filter="fade">
+                                      <p:cBhvr>
+                                        <p:cTn id="12" dur="500"/>
+                                        <p:tgtEl>
+                                          <p:spTgt spid="10"/>
+                                        </p:tgtEl>
+                                      </p:cBhvr>
+                                    </p:animEffect>
+                                  </p:childTnLst>
+                                </p:cTn>
+                              </p:par>
+                            </p:childTnLst>
+                          </p:cTn>
+                        </p:par>
+                      </p:childTnLst>
+                    </p:cTn>
+                  </p:par>
+                </p:childTnLst>
+              </p:cTn>
+              <p:prevCondLst>
+                <p:cond evt="onPrev" delay="0">
+                  <p:tgtEl>
+                    <p:sldTgt/>
+                  </p:tgtEl>
+                </p:cond>
+              </p:prevCondLst>
+              <p:nextCondLst>
+                <p:cond evt="onNext" delay="0">
+                  <p:tgtEl>
+                    <p:sldTgt/>
+                  </p:tgtEl>
+                </p:cond>
+              </p:nextCondLst>
+            </p:seq>
+          </p:childTnLst>
+        </p:cTn>
       </p:par>
     </p:tnLst>
+    <p:bldLst>
+      <p:bldP spid="6" grpId="0"/>
+      <p:bldP spid="10" grpId="0"/>
+    </p:bldLst>
   </p:timing>
 </p:sld>
 </file>
